--- a/Entregas/U-pick.pptx
+++ b/Entregas/U-pick.pptx
@@ -5,10 +5,10 @@
     <p:sldMasterId id="2147483696" r:id="rId4"/>
   </p:sldMasterIdLst>
   <p:notesMasterIdLst>
-    <p:notesMasterId r:id="rId21"/>
+    <p:notesMasterId r:id="rId24"/>
   </p:notesMasterIdLst>
   <p:handoutMasterIdLst>
-    <p:handoutMasterId r:id="rId22"/>
+    <p:handoutMasterId r:id="rId25"/>
   </p:handoutMasterIdLst>
   <p:sldIdLst>
     <p:sldId id="306" r:id="rId5"/>
@@ -16,17 +16,20 @@
     <p:sldId id="308" r:id="rId7"/>
     <p:sldId id="315" r:id="rId8"/>
     <p:sldId id="320" r:id="rId9"/>
-    <p:sldId id="313" r:id="rId10"/>
-    <p:sldId id="314" r:id="rId11"/>
-    <p:sldId id="316" r:id="rId12"/>
-    <p:sldId id="321" r:id="rId13"/>
-    <p:sldId id="317" r:id="rId14"/>
-    <p:sldId id="318" r:id="rId15"/>
-    <p:sldId id="322" r:id="rId16"/>
-    <p:sldId id="294" r:id="rId17"/>
-    <p:sldId id="319" r:id="rId18"/>
-    <p:sldId id="324" r:id="rId19"/>
-    <p:sldId id="312" r:id="rId20"/>
+    <p:sldId id="325" r:id="rId10"/>
+    <p:sldId id="313" r:id="rId11"/>
+    <p:sldId id="326" r:id="rId12"/>
+    <p:sldId id="327" r:id="rId13"/>
+    <p:sldId id="328" r:id="rId14"/>
+    <p:sldId id="329" r:id="rId15"/>
+    <p:sldId id="330" r:id="rId16"/>
+    <p:sldId id="332" r:id="rId17"/>
+    <p:sldId id="333" r:id="rId18"/>
+    <p:sldId id="331" r:id="rId19"/>
+    <p:sldId id="294" r:id="rId20"/>
+    <p:sldId id="319" r:id="rId21"/>
+    <p:sldId id="324" r:id="rId22"/>
+    <p:sldId id="312" r:id="rId23"/>
   </p:sldIdLst>
   <p:sldSz cx="12192000" cy="6858000"/>
   <p:notesSz cx="6858000" cy="9144000"/>
@@ -156,6 +159,14 @@
 <p188:authorLst xmlns:a="http://schemas.openxmlformats.org/drawingml/2006/main" xmlns:r="http://schemas.openxmlformats.org/officeDocument/2006/relationships" xmlns:p188="http://schemas.microsoft.com/office/powerpoint/2018/8/main">
   <p188:author id="{00000000-0000-0000-0000-000000000000}" name="Author" initials="A" userId="Author" providerId="AD"/>
 </p188:authorLst>
+</file>
+
+<file path=ppt/revisionInfo.xml><?xml version="1.0" encoding="utf-8"?>
+<p1510:revInfo xmlns:a="http://schemas.openxmlformats.org/drawingml/2006/main" xmlns:r="http://schemas.openxmlformats.org/officeDocument/2006/relationships" xmlns:p1510="http://schemas.microsoft.com/office/powerpoint/2015/10/main">
+  <p1510:revLst>
+    <p1510:client id="{1810817D-1216-4B72-A3F9-46424446927D}" v="97" dt="2023-07-27T17:33:25.726"/>
+  </p1510:revLst>
+</p1510:revInfo>
 </file>
 
 <file path=ppt/diagrams/colors1.xml><?xml version="1.0" encoding="utf-8"?>
@@ -6274,7 +6285,7 @@
           <a:p>
             <a:fld id="{1DD0BCF0-68F0-4F08-A0DE-34A7B09CDD8A}" type="datetime1">
               <a:rPr lang="es-ES" smtClean="0"/>
-              <a:t>26/07/2023</a:t>
+              <a:t>27/07/2023</a:t>
             </a:fld>
             <a:endParaRPr lang="es-ES" dirty="0"/>
           </a:p>
@@ -6454,7 +6465,7 @@
             <a:fld id="{C3A8D6EB-2321-4D52-AF70-FA1A2FACF03F}" type="datetime1">
               <a:rPr lang="es-ES" smtClean="0"/>
               <a:pPr/>
-              <a:t>26/07/2023</a:t>
+              <a:t>27/07/2023</a:t>
             </a:fld>
             <a:endParaRPr lang="es-ES" dirty="0"/>
           </a:p>
@@ -6885,7 +6896,7 @@
     </p:spTree>
     <p:extLst>
       <p:ext uri="{BB962C8B-B14F-4D97-AF65-F5344CB8AC3E}">
-        <p14:creationId xmlns:p14="http://schemas.microsoft.com/office/powerpoint/2010/main" val="3400352078"/>
+        <p14:creationId xmlns:p14="http://schemas.microsoft.com/office/powerpoint/2010/main" val="17977136"/>
       </p:ext>
     </p:extLst>
   </p:cSld>
@@ -6970,7 +6981,7 @@
     </p:spTree>
     <p:extLst>
       <p:ext uri="{BB962C8B-B14F-4D97-AF65-F5344CB8AC3E}">
-        <p14:creationId xmlns:p14="http://schemas.microsoft.com/office/powerpoint/2010/main" val="3585300803"/>
+        <p14:creationId xmlns:p14="http://schemas.microsoft.com/office/powerpoint/2010/main" val="2865521879"/>
       </p:ext>
     </p:extLst>
   </p:cSld>
@@ -7055,7 +7066,7 @@
     </p:spTree>
     <p:extLst>
       <p:ext uri="{BB962C8B-B14F-4D97-AF65-F5344CB8AC3E}">
-        <p14:creationId xmlns:p14="http://schemas.microsoft.com/office/powerpoint/2010/main" val="3800295344"/>
+        <p14:creationId xmlns:p14="http://schemas.microsoft.com/office/powerpoint/2010/main" val="749625287"/>
       </p:ext>
     </p:extLst>
   </p:cSld>
@@ -7140,7 +7151,7 @@
     </p:spTree>
     <p:extLst>
       <p:ext uri="{BB962C8B-B14F-4D97-AF65-F5344CB8AC3E}">
-        <p14:creationId xmlns:p14="http://schemas.microsoft.com/office/powerpoint/2010/main" val="291372817"/>
+        <p14:creationId xmlns:p14="http://schemas.microsoft.com/office/powerpoint/2010/main" val="362631879"/>
       </p:ext>
     </p:extLst>
   </p:cSld>
@@ -7225,7 +7236,7 @@
     </p:spTree>
     <p:extLst>
       <p:ext uri="{BB962C8B-B14F-4D97-AF65-F5344CB8AC3E}">
-        <p14:creationId xmlns:p14="http://schemas.microsoft.com/office/powerpoint/2010/main" val="2911731643"/>
+        <p14:creationId xmlns:p14="http://schemas.microsoft.com/office/powerpoint/2010/main" val="1064628986"/>
       </p:ext>
     </p:extLst>
   </p:cSld>
@@ -7310,7 +7321,7 @@
     </p:spTree>
     <p:extLst>
       <p:ext uri="{BB962C8B-B14F-4D97-AF65-F5344CB8AC3E}">
-        <p14:creationId xmlns:p14="http://schemas.microsoft.com/office/powerpoint/2010/main" val="4239403492"/>
+        <p14:creationId xmlns:p14="http://schemas.microsoft.com/office/powerpoint/2010/main" val="3008776867"/>
       </p:ext>
     </p:extLst>
   </p:cSld>
@@ -7387,6 +7398,261 @@
             <a:fld id="{D5939589-3E79-4C82-AA4A-FE78234FAA59}" type="slidenum">
               <a:rPr lang="es-ES" smtClean="0"/>
               <a:t>16</a:t>
+            </a:fld>
+            <a:endParaRPr lang="es-ES"/>
+          </a:p>
+        </p:txBody>
+      </p:sp>
+    </p:spTree>
+    <p:extLst>
+      <p:ext uri="{BB962C8B-B14F-4D97-AF65-F5344CB8AC3E}">
+        <p14:creationId xmlns:p14="http://schemas.microsoft.com/office/powerpoint/2010/main" val="291372817"/>
+      </p:ext>
+    </p:extLst>
+  </p:cSld>
+  <p:clrMapOvr>
+    <a:masterClrMapping/>
+  </p:clrMapOvr>
+</p:notes>
+</file>
+
+<file path=ppt/notesSlides/notesSlide17.xml><?xml version="1.0" encoding="utf-8"?>
+<p:notes xmlns:a="http://schemas.openxmlformats.org/drawingml/2006/main" xmlns:r="http://schemas.openxmlformats.org/officeDocument/2006/relationships" xmlns:p="http://schemas.openxmlformats.org/presentationml/2006/main">
+  <p:cSld>
+    <p:spTree>
+      <p:nvGrpSpPr>
+        <p:cNvPr id="1" name=""/>
+        <p:cNvGrpSpPr/>
+        <p:nvPr/>
+      </p:nvGrpSpPr>
+      <p:grpSpPr>
+        <a:xfrm>
+          <a:off x="0" y="0"/>
+          <a:ext cx="0" cy="0"/>
+          <a:chOff x="0" y="0"/>
+          <a:chExt cx="0" cy="0"/>
+        </a:xfrm>
+      </p:grpSpPr>
+      <p:sp>
+        <p:nvSpPr>
+          <p:cNvPr id="2" name="Marcador de imagen de diapositiva 1"/>
+          <p:cNvSpPr>
+            <a:spLocks noGrp="1" noRot="1" noChangeAspect="1"/>
+          </p:cNvSpPr>
+          <p:nvPr>
+            <p:ph type="sldImg"/>
+          </p:nvPr>
+        </p:nvSpPr>
+        <p:spPr/>
+      </p:sp>
+      <p:sp>
+        <p:nvSpPr>
+          <p:cNvPr id="3" name="Marcador de notas 2"/>
+          <p:cNvSpPr>
+            <a:spLocks noGrp="1"/>
+          </p:cNvSpPr>
+          <p:nvPr>
+            <p:ph type="body" idx="1"/>
+          </p:nvPr>
+        </p:nvSpPr>
+        <p:spPr/>
+        <p:txBody>
+          <a:bodyPr/>
+          <a:lstStyle/>
+          <a:p>
+            <a:endParaRPr lang="es-ES"/>
+          </a:p>
+        </p:txBody>
+      </p:sp>
+      <p:sp>
+        <p:nvSpPr>
+          <p:cNvPr id="4" name="Marcador de número de diapositiva 3"/>
+          <p:cNvSpPr>
+            <a:spLocks noGrp="1"/>
+          </p:cNvSpPr>
+          <p:nvPr>
+            <p:ph type="sldNum" sz="quarter" idx="5"/>
+          </p:nvPr>
+        </p:nvSpPr>
+        <p:spPr/>
+        <p:txBody>
+          <a:bodyPr/>
+          <a:lstStyle/>
+          <a:p>
+            <a:pPr rtl="0"/>
+            <a:fld id="{D5939589-3E79-4C82-AA4A-FE78234FAA59}" type="slidenum">
+              <a:rPr lang="es-ES" smtClean="0"/>
+              <a:t>17</a:t>
+            </a:fld>
+            <a:endParaRPr lang="es-ES"/>
+          </a:p>
+        </p:txBody>
+      </p:sp>
+    </p:spTree>
+    <p:extLst>
+      <p:ext uri="{BB962C8B-B14F-4D97-AF65-F5344CB8AC3E}">
+        <p14:creationId xmlns:p14="http://schemas.microsoft.com/office/powerpoint/2010/main" val="2911731643"/>
+      </p:ext>
+    </p:extLst>
+  </p:cSld>
+  <p:clrMapOvr>
+    <a:masterClrMapping/>
+  </p:clrMapOvr>
+</p:notes>
+</file>
+
+<file path=ppt/notesSlides/notesSlide18.xml><?xml version="1.0" encoding="utf-8"?>
+<p:notes xmlns:a="http://schemas.openxmlformats.org/drawingml/2006/main" xmlns:r="http://schemas.openxmlformats.org/officeDocument/2006/relationships" xmlns:p="http://schemas.openxmlformats.org/presentationml/2006/main">
+  <p:cSld>
+    <p:spTree>
+      <p:nvGrpSpPr>
+        <p:cNvPr id="1" name=""/>
+        <p:cNvGrpSpPr/>
+        <p:nvPr/>
+      </p:nvGrpSpPr>
+      <p:grpSpPr>
+        <a:xfrm>
+          <a:off x="0" y="0"/>
+          <a:ext cx="0" cy="0"/>
+          <a:chOff x="0" y="0"/>
+          <a:chExt cx="0" cy="0"/>
+        </a:xfrm>
+      </p:grpSpPr>
+      <p:sp>
+        <p:nvSpPr>
+          <p:cNvPr id="2" name="Marcador de imagen de diapositiva 1"/>
+          <p:cNvSpPr>
+            <a:spLocks noGrp="1" noRot="1" noChangeAspect="1"/>
+          </p:cNvSpPr>
+          <p:nvPr>
+            <p:ph type="sldImg"/>
+          </p:nvPr>
+        </p:nvSpPr>
+        <p:spPr/>
+      </p:sp>
+      <p:sp>
+        <p:nvSpPr>
+          <p:cNvPr id="3" name="Marcador de notas 2"/>
+          <p:cNvSpPr>
+            <a:spLocks noGrp="1"/>
+          </p:cNvSpPr>
+          <p:nvPr>
+            <p:ph type="body" idx="1"/>
+          </p:nvPr>
+        </p:nvSpPr>
+        <p:spPr/>
+        <p:txBody>
+          <a:bodyPr/>
+          <a:lstStyle/>
+          <a:p>
+            <a:endParaRPr lang="es-ES"/>
+          </a:p>
+        </p:txBody>
+      </p:sp>
+      <p:sp>
+        <p:nvSpPr>
+          <p:cNvPr id="4" name="Marcador de número de diapositiva 3"/>
+          <p:cNvSpPr>
+            <a:spLocks noGrp="1"/>
+          </p:cNvSpPr>
+          <p:nvPr>
+            <p:ph type="sldNum" sz="quarter" idx="5"/>
+          </p:nvPr>
+        </p:nvSpPr>
+        <p:spPr/>
+        <p:txBody>
+          <a:bodyPr/>
+          <a:lstStyle/>
+          <a:p>
+            <a:pPr rtl="0"/>
+            <a:fld id="{D5939589-3E79-4C82-AA4A-FE78234FAA59}" type="slidenum">
+              <a:rPr lang="es-ES" smtClean="0"/>
+              <a:t>18</a:t>
+            </a:fld>
+            <a:endParaRPr lang="es-ES"/>
+          </a:p>
+        </p:txBody>
+      </p:sp>
+    </p:spTree>
+    <p:extLst>
+      <p:ext uri="{BB962C8B-B14F-4D97-AF65-F5344CB8AC3E}">
+        <p14:creationId xmlns:p14="http://schemas.microsoft.com/office/powerpoint/2010/main" val="4239403492"/>
+      </p:ext>
+    </p:extLst>
+  </p:cSld>
+  <p:clrMapOvr>
+    <a:masterClrMapping/>
+  </p:clrMapOvr>
+</p:notes>
+</file>
+
+<file path=ppt/notesSlides/notesSlide19.xml><?xml version="1.0" encoding="utf-8"?>
+<p:notes xmlns:a="http://schemas.openxmlformats.org/drawingml/2006/main" xmlns:r="http://schemas.openxmlformats.org/officeDocument/2006/relationships" xmlns:p="http://schemas.openxmlformats.org/presentationml/2006/main">
+  <p:cSld>
+    <p:spTree>
+      <p:nvGrpSpPr>
+        <p:cNvPr id="1" name=""/>
+        <p:cNvGrpSpPr/>
+        <p:nvPr/>
+      </p:nvGrpSpPr>
+      <p:grpSpPr>
+        <a:xfrm>
+          <a:off x="0" y="0"/>
+          <a:ext cx="0" cy="0"/>
+          <a:chOff x="0" y="0"/>
+          <a:chExt cx="0" cy="0"/>
+        </a:xfrm>
+      </p:grpSpPr>
+      <p:sp>
+        <p:nvSpPr>
+          <p:cNvPr id="2" name="Marcador de imagen de diapositiva 1"/>
+          <p:cNvSpPr>
+            <a:spLocks noGrp="1" noRot="1" noChangeAspect="1"/>
+          </p:cNvSpPr>
+          <p:nvPr>
+            <p:ph type="sldImg"/>
+          </p:nvPr>
+        </p:nvSpPr>
+        <p:spPr/>
+      </p:sp>
+      <p:sp>
+        <p:nvSpPr>
+          <p:cNvPr id="3" name="Marcador de notas 2"/>
+          <p:cNvSpPr>
+            <a:spLocks noGrp="1"/>
+          </p:cNvSpPr>
+          <p:nvPr>
+            <p:ph type="body" idx="1"/>
+          </p:nvPr>
+        </p:nvSpPr>
+        <p:spPr/>
+        <p:txBody>
+          <a:bodyPr/>
+          <a:lstStyle/>
+          <a:p>
+            <a:endParaRPr lang="es-ES"/>
+          </a:p>
+        </p:txBody>
+      </p:sp>
+      <p:sp>
+        <p:nvSpPr>
+          <p:cNvPr id="4" name="Marcador de número de diapositiva 3"/>
+          <p:cNvSpPr>
+            <a:spLocks noGrp="1"/>
+          </p:cNvSpPr>
+          <p:nvPr>
+            <p:ph type="sldNum" sz="quarter" idx="5"/>
+          </p:nvPr>
+        </p:nvSpPr>
+        <p:spPr/>
+        <p:txBody>
+          <a:bodyPr/>
+          <a:lstStyle/>
+          <a:p>
+            <a:pPr rtl="0"/>
+            <a:fld id="{D5939589-3E79-4C82-AA4A-FE78234FAA59}" type="slidenum">
+              <a:rPr lang="es-ES" smtClean="0"/>
+              <a:t>19</a:t>
             </a:fld>
             <a:endParaRPr lang="es-ES"/>
           </a:p>
@@ -7820,7 +8086,7 @@
     </p:spTree>
     <p:extLst>
       <p:ext uri="{BB962C8B-B14F-4D97-AF65-F5344CB8AC3E}">
-        <p14:creationId xmlns:p14="http://schemas.microsoft.com/office/powerpoint/2010/main" val="765066602"/>
+        <p14:creationId xmlns:p14="http://schemas.microsoft.com/office/powerpoint/2010/main" val="2790063365"/>
       </p:ext>
     </p:extLst>
   </p:cSld>
@@ -7905,7 +8171,7 @@
     </p:spTree>
     <p:extLst>
       <p:ext uri="{BB962C8B-B14F-4D97-AF65-F5344CB8AC3E}">
-        <p14:creationId xmlns:p14="http://schemas.microsoft.com/office/powerpoint/2010/main" val="236760747"/>
+        <p14:creationId xmlns:p14="http://schemas.microsoft.com/office/powerpoint/2010/main" val="765066602"/>
       </p:ext>
     </p:extLst>
   </p:cSld>
@@ -7990,7 +8256,7 @@
     </p:spTree>
     <p:extLst>
       <p:ext uri="{BB962C8B-B14F-4D97-AF65-F5344CB8AC3E}">
-        <p14:creationId xmlns:p14="http://schemas.microsoft.com/office/powerpoint/2010/main" val="196238370"/>
+        <p14:creationId xmlns:p14="http://schemas.microsoft.com/office/powerpoint/2010/main" val="1984536996"/>
       </p:ext>
     </p:extLst>
   </p:cSld>
@@ -8075,7 +8341,7 @@
     </p:spTree>
     <p:extLst>
       <p:ext uri="{BB962C8B-B14F-4D97-AF65-F5344CB8AC3E}">
-        <p14:creationId xmlns:p14="http://schemas.microsoft.com/office/powerpoint/2010/main" val="197061913"/>
+        <p14:creationId xmlns:p14="http://schemas.microsoft.com/office/powerpoint/2010/main" val="3717850720"/>
       </p:ext>
     </p:extLst>
   </p:cSld>
@@ -18920,7 +19186,7 @@
         </p:nvSpPr>
         <p:spPr>
           <a:xfrm>
-            <a:off x="6770852" y="6263640"/>
+            <a:off x="6913727" y="5660136"/>
             <a:ext cx="5093208" cy="1197864"/>
           </a:xfrm>
         </p:spPr>
@@ -19152,7 +19418,7 @@
         </p:nvSpPr>
         <p:spPr>
           <a:xfrm>
-            <a:off x="1343545" y="4313324"/>
+            <a:off x="10282272" y="5955512"/>
             <a:ext cx="5093208" cy="1197864"/>
           </a:xfrm>
           <a:prstGeom prst="rect">
@@ -19343,10 +19609,10 @@
       </p:sp>
       <p:sp>
         <p:nvSpPr>
-          <p:cNvPr id="7" name="CuadroTexto 6">
+          <p:cNvPr id="8" name="CuadroTexto 7">
             <a:extLst>
               <a:ext uri="{FF2B5EF4-FFF2-40B4-BE49-F238E27FC236}">
-                <a16:creationId xmlns:a16="http://schemas.microsoft.com/office/drawing/2014/main" id="{5F8F1A7B-2365-F49A-506A-75DF6F40E021}"/>
+                <a16:creationId xmlns:a16="http://schemas.microsoft.com/office/drawing/2014/main" id="{05E2A94C-5DD1-D3B4-6722-3F444ED55A9C}"/>
               </a:ext>
             </a:extLst>
           </p:cNvPr>
@@ -19355,8 +19621,8 @@
         </p:nvSpPr>
         <p:spPr>
           <a:xfrm>
-            <a:off x="1621194" y="5511188"/>
-            <a:ext cx="6097554" cy="923330"/>
+            <a:off x="1214472" y="4912256"/>
+            <a:ext cx="4902770" cy="1284647"/>
           </a:xfrm>
           <a:prstGeom prst="rect">
             <a:avLst/>
@@ -19369,25 +19635,89 @@
           </a:bodyPr>
           <a:lstStyle/>
           <a:p>
-            <a:pPr rtl="0"/>
+            <a:pPr indent="81280">
+              <a:lnSpc>
+                <a:spcPct val="115000"/>
+              </a:lnSpc>
+              <a:spcAft>
+                <a:spcPts val="1000"/>
+              </a:spcAft>
+            </a:pPr>
             <a:r>
-              <a:rPr lang="es-ES" dirty="0"/>
-              <a:t>Christina M. Araujo Molano</a:t>
+              <a:rPr lang="en-US" dirty="0">
+                <a:solidFill>
+                  <a:schemeClr val="bg1"/>
+                </a:solidFill>
+              </a:rPr>
+              <a:t>Data Engineer: Daniel Carmona</a:t>
             </a:r>
-          </a:p>
-          <a:p>
-            <a:pPr rtl="0"/>
+            <a:endParaRPr lang="es-ES" dirty="0">
+              <a:solidFill>
+                <a:schemeClr val="bg1"/>
+              </a:solidFill>
+            </a:endParaRPr>
+          </a:p>
+          <a:p>
+            <a:pPr indent="81280">
+              <a:lnSpc>
+                <a:spcPct val="115000"/>
+              </a:lnSpc>
+              <a:spcAft>
+                <a:spcPts val="1000"/>
+              </a:spcAft>
+            </a:pPr>
             <a:r>
-              <a:rPr lang="es-ES" dirty="0"/>
-              <a:t>Daniel Carmona</a:t>
+              <a:rPr lang="en-US" dirty="0">
+                <a:solidFill>
+                  <a:schemeClr val="bg1"/>
+                </a:solidFill>
+              </a:rPr>
+              <a:t>Data Analyst: César </a:t>
             </a:r>
-          </a:p>
-          <a:p>
-            <a:pPr rtl="0"/>
             <a:r>
-              <a:rPr lang="es-ES" dirty="0"/>
-              <a:t>César Agulló</a:t>
+              <a:rPr lang="en-US" dirty="0" err="1">
+                <a:solidFill>
+                  <a:schemeClr val="bg1"/>
+                </a:solidFill>
+              </a:rPr>
+              <a:t>Agulló</a:t>
             </a:r>
+            <a:r>
+              <a:rPr lang="en-US" dirty="0">
+                <a:solidFill>
+                  <a:schemeClr val="bg1"/>
+                </a:solidFill>
+              </a:rPr>
+              <a:t> (Team Leader)</a:t>
+            </a:r>
+            <a:endParaRPr lang="es-ES" dirty="0">
+              <a:solidFill>
+                <a:schemeClr val="bg1"/>
+              </a:solidFill>
+            </a:endParaRPr>
+          </a:p>
+          <a:p>
+            <a:pPr indent="81280">
+              <a:lnSpc>
+                <a:spcPct val="115000"/>
+              </a:lnSpc>
+              <a:spcAft>
+                <a:spcPts val="1000"/>
+              </a:spcAft>
+            </a:pPr>
+            <a:r>
+              <a:rPr lang="en-US" dirty="0">
+                <a:solidFill>
+                  <a:schemeClr val="bg1"/>
+                </a:solidFill>
+              </a:rPr>
+              <a:t>Data Scientist: Christina Araujo</a:t>
+            </a:r>
+            <a:endParaRPr lang="es-ES_tradnl" dirty="0">
+              <a:solidFill>
+                <a:schemeClr val="bg1"/>
+              </a:solidFill>
+            </a:endParaRPr>
           </a:p>
         </p:txBody>
       </p:sp>
@@ -19423,10 +19753,236 @@
       </p:grpSpPr>
       <p:sp>
         <p:nvSpPr>
-          <p:cNvPr id="3" name="Título 2">
+          <p:cNvPr id="10" name="Marcador de pie de página 9">
             <a:extLst>
               <a:ext uri="{FF2B5EF4-FFF2-40B4-BE49-F238E27FC236}">
-                <a16:creationId xmlns:a16="http://schemas.microsoft.com/office/drawing/2014/main" id="{0115FF41-AFA4-4D25-AB42-AB034F4B4FEC}"/>
+                <a16:creationId xmlns:a16="http://schemas.microsoft.com/office/drawing/2014/main" id="{A8C7C3A0-5E78-49C8-B8D4-F3DF62B2BC93}"/>
+              </a:ext>
+            </a:extLst>
+          </p:cNvPr>
+          <p:cNvSpPr>
+            <a:spLocks noGrp="1"/>
+          </p:cNvSpPr>
+          <p:nvPr>
+            <p:ph type="ftr" sz="quarter" idx="11"/>
+          </p:nvPr>
+        </p:nvSpPr>
+        <p:spPr>
+          <a:xfrm>
+            <a:off x="6378692" y="621791"/>
+            <a:ext cx="4114800" cy="365125"/>
+          </a:xfrm>
+        </p:spPr>
+        <p:txBody>
+          <a:bodyPr rtlCol="0"/>
+          <a:lstStyle/>
+          <a:p>
+            <a:pPr rtl="0"/>
+            <a:r>
+              <a:rPr lang="es-ES" dirty="0"/>
+              <a:t>U-pick</a:t>
+            </a:r>
+          </a:p>
+        </p:txBody>
+      </p:sp>
+      <p:sp>
+        <p:nvSpPr>
+          <p:cNvPr id="11" name="Marcador de número de diapositiva 10">
+            <a:extLst>
+              <a:ext uri="{FF2B5EF4-FFF2-40B4-BE49-F238E27FC236}">
+                <a16:creationId xmlns:a16="http://schemas.microsoft.com/office/drawing/2014/main" id="{56AE2454-CE9A-4A6B-AB5A-349E0D967654}"/>
+              </a:ext>
+            </a:extLst>
+          </p:cNvPr>
+          <p:cNvSpPr>
+            <a:spLocks noGrp="1"/>
+          </p:cNvSpPr>
+          <p:nvPr>
+            <p:ph type="sldNum" sz="quarter" idx="12"/>
+          </p:nvPr>
+        </p:nvSpPr>
+        <p:spPr/>
+        <p:txBody>
+          <a:bodyPr rtlCol="0"/>
+          <a:lstStyle/>
+          <a:p>
+            <a:pPr rtl="0"/>
+            <a:fld id="{D8DA9DAA-006C-4F4B-980E-E3DF019B24E2}" type="slidenum">
+              <a:rPr lang="es-ES" smtClean="0"/>
+              <a:pPr rtl="0"/>
+              <a:t>10</a:t>
+            </a:fld>
+            <a:endParaRPr lang="es-ES"/>
+          </a:p>
+        </p:txBody>
+      </p:sp>
+      <p:pic>
+        <p:nvPicPr>
+          <p:cNvPr id="16" name="Imagen 15">
+            <a:extLst>
+              <a:ext uri="{FF2B5EF4-FFF2-40B4-BE49-F238E27FC236}">
+                <a16:creationId xmlns:a16="http://schemas.microsoft.com/office/drawing/2014/main" id="{F27BD68D-1419-4724-F574-B0C5A755B4F2}"/>
+              </a:ext>
+            </a:extLst>
+          </p:cNvPr>
+          <p:cNvPicPr/>
+          <p:nvPr/>
+        </p:nvPicPr>
+        <p:blipFill>
+          <a:blip r:embed="rId3"/>
+          <a:stretch/>
+        </p:blipFill>
+        <p:spPr>
+          <a:xfrm>
+            <a:off x="7478646" y="3581190"/>
+            <a:ext cx="2159876" cy="1697291"/>
+          </a:xfrm>
+          <a:prstGeom prst="rect">
+            <a:avLst/>
+          </a:prstGeom>
+          <a:ln>
+            <a:noFill/>
+          </a:ln>
+        </p:spPr>
+      </p:pic>
+      <p:pic>
+        <p:nvPicPr>
+          <p:cNvPr id="17" name="Imagen 16">
+            <a:extLst>
+              <a:ext uri="{FF2B5EF4-FFF2-40B4-BE49-F238E27FC236}">
+                <a16:creationId xmlns:a16="http://schemas.microsoft.com/office/drawing/2014/main" id="{6D33FA0E-BD16-B4DE-60C8-462FA0C959DC}"/>
+              </a:ext>
+            </a:extLst>
+          </p:cNvPr>
+          <p:cNvPicPr/>
+          <p:nvPr/>
+        </p:nvPicPr>
+        <p:blipFill>
+          <a:blip r:embed="rId4"/>
+          <a:stretch/>
+        </p:blipFill>
+        <p:spPr>
+          <a:xfrm>
+            <a:off x="5015631" y="3456435"/>
+            <a:ext cx="2461735" cy="594287"/>
+          </a:xfrm>
+          <a:prstGeom prst="rect">
+            <a:avLst/>
+          </a:prstGeom>
+          <a:ln>
+            <a:noFill/>
+          </a:ln>
+        </p:spPr>
+      </p:pic>
+      <p:sp>
+        <p:nvSpPr>
+          <p:cNvPr id="18" name="CustomShape 4">
+            <a:extLst>
+              <a:ext uri="{FF2B5EF4-FFF2-40B4-BE49-F238E27FC236}">
+                <a16:creationId xmlns:a16="http://schemas.microsoft.com/office/drawing/2014/main" id="{7079A2E0-3ED8-115C-BA57-C9158EF65047}"/>
+              </a:ext>
+            </a:extLst>
+          </p:cNvPr>
+          <p:cNvSpPr/>
+          <p:nvPr/>
+        </p:nvSpPr>
+        <p:spPr>
+          <a:xfrm rot="4800">
+            <a:off x="5602125" y="4167741"/>
+            <a:ext cx="1351613" cy="762385"/>
+          </a:xfrm>
+          <a:custGeom>
+            <a:avLst/>
+            <a:gdLst/>
+            <a:ahLst/>
+            <a:cxnLst/>
+            <a:rect l="0" t="0" r="r" b="b"/>
+            <a:pathLst>
+              <a:path w="3003" h="1798">
+                <a:moveTo>
+                  <a:pt x="0" y="548"/>
+                </a:moveTo>
+                <a:lnTo>
+                  <a:pt x="1706" y="547"/>
+                </a:lnTo>
+                <a:lnTo>
+                  <a:pt x="1706" y="0"/>
+                </a:lnTo>
+                <a:lnTo>
+                  <a:pt x="3002" y="897"/>
+                </a:lnTo>
+                <a:lnTo>
+                  <a:pt x="1708" y="1797"/>
+                </a:lnTo>
+                <a:lnTo>
+                  <a:pt x="1708" y="1249"/>
+                </a:lnTo>
+                <a:lnTo>
+                  <a:pt x="2" y="1250"/>
+                </a:lnTo>
+                <a:lnTo>
+                  <a:pt x="0" y="548"/>
+                </a:lnTo>
+              </a:path>
+            </a:pathLst>
+          </a:custGeom>
+          <a:solidFill>
+            <a:srgbClr val="3465A4"/>
+          </a:solidFill>
+          <a:ln>
+            <a:solidFill>
+              <a:srgbClr val="3465A4"/>
+            </a:solidFill>
+          </a:ln>
+        </p:spPr>
+        <p:style>
+          <a:lnRef idx="0">
+            <a:scrgbClr r="0" g="0" b="0"/>
+          </a:lnRef>
+          <a:fillRef idx="0">
+            <a:scrgbClr r="0" g="0" b="0"/>
+          </a:fillRef>
+          <a:effectRef idx="0">
+            <a:scrgbClr r="0" g="0" b="0"/>
+          </a:effectRef>
+          <a:fontRef idx="minor"/>
+        </p:style>
+      </p:sp>
+      <p:pic>
+        <p:nvPicPr>
+          <p:cNvPr id="21" name="Imagen 20">
+            <a:extLst>
+              <a:ext uri="{FF2B5EF4-FFF2-40B4-BE49-F238E27FC236}">
+                <a16:creationId xmlns:a16="http://schemas.microsoft.com/office/drawing/2014/main" id="{13E4D073-BAFA-9C40-AD41-626001C7A7F6}"/>
+              </a:ext>
+            </a:extLst>
+          </p:cNvPr>
+          <p:cNvPicPr/>
+          <p:nvPr/>
+        </p:nvPicPr>
+        <p:blipFill>
+          <a:blip r:embed="rId5"/>
+          <a:stretch/>
+        </p:blipFill>
+        <p:spPr>
+          <a:xfrm>
+            <a:off x="2154357" y="3429000"/>
+            <a:ext cx="3318221" cy="1563024"/>
+          </a:xfrm>
+          <a:prstGeom prst="rect">
+            <a:avLst/>
+          </a:prstGeom>
+          <a:ln>
+            <a:noFill/>
+          </a:ln>
+        </p:spPr>
+      </p:pic>
+      <p:sp>
+        <p:nvSpPr>
+          <p:cNvPr id="29" name="Título 2">
+            <a:extLst>
+              <a:ext uri="{FF2B5EF4-FFF2-40B4-BE49-F238E27FC236}">
+                <a16:creationId xmlns:a16="http://schemas.microsoft.com/office/drawing/2014/main" id="{8357EE0A-1BBD-024F-61D4-7963FC4CD556}"/>
               </a:ext>
             </a:extLst>
           </p:cNvPr>
@@ -19439,7 +19995,7 @@
         </p:nvSpPr>
         <p:spPr>
           <a:xfrm>
-            <a:off x="576072" y="361028"/>
+            <a:off x="694288" y="694017"/>
             <a:ext cx="10771632" cy="1325563"/>
           </a:xfrm>
         </p:spPr>
@@ -19451,111 +20007,50 @@
           <a:p>
             <a:r>
               <a:rPr lang="es-ES" b="1" kern="1200" cap="all" baseline="0" dirty="0">
+                <a:solidFill>
+                  <a:schemeClr val="tx1"/>
+                </a:solidFill>
                 <a:latin typeface="+mj-lt"/>
                 <a:ea typeface="+mj-ea"/>
                 <a:cs typeface="+mj-cs"/>
               </a:rPr>
-              <a:t>ingesta</a:t>
+              <a:t>Ingesta </a:t>
+            </a:r>
+            <a:r>
+              <a:rPr lang="es-ES" b="1" kern="1200" cap="all" baseline="0" dirty="0">
+                <a:solidFill>
+                  <a:schemeClr val="bg1">
+                    <a:lumMod val="50000"/>
+                  </a:schemeClr>
+                </a:solidFill>
+                <a:latin typeface="+mj-lt"/>
+                <a:ea typeface="+mj-ea"/>
+                <a:cs typeface="+mj-cs"/>
+              </a:rPr>
+              <a:t>– </a:t>
+            </a:r>
+            <a:r>
+              <a:rPr lang="es-ES" sz="3100" b="1" kern="1200" cap="all" baseline="0" dirty="0">
+                <a:solidFill>
+                  <a:schemeClr val="bg1">
+                    <a:lumMod val="50000"/>
+                  </a:schemeClr>
+                </a:solidFill>
+                <a:latin typeface="+mj-lt"/>
+                <a:ea typeface="+mj-ea"/>
+                <a:cs typeface="+mj-cs"/>
+              </a:rPr>
+              <a:t>datos estructurados </a:t>
             </a:r>
           </a:p>
         </p:txBody>
       </p:sp>
       <p:sp>
         <p:nvSpPr>
-          <p:cNvPr id="10" name="Marcador de pie de página 9">
+          <p:cNvPr id="30" name="CuadroTexto 29">
             <a:extLst>
               <a:ext uri="{FF2B5EF4-FFF2-40B4-BE49-F238E27FC236}">
-                <a16:creationId xmlns:a16="http://schemas.microsoft.com/office/drawing/2014/main" id="{A8C7C3A0-5E78-49C8-B8D4-F3DF62B2BC93}"/>
-              </a:ext>
-            </a:extLst>
-          </p:cNvPr>
-          <p:cNvSpPr>
-            <a:spLocks noGrp="1"/>
-          </p:cNvSpPr>
-          <p:nvPr>
-            <p:ph type="ftr" sz="quarter" idx="11"/>
-          </p:nvPr>
-        </p:nvSpPr>
-        <p:spPr>
-          <a:xfrm>
-            <a:off x="8770138" y="393175"/>
-            <a:ext cx="3630168" cy="365125"/>
-          </a:xfrm>
-        </p:spPr>
-        <p:txBody>
-          <a:bodyPr vert="horz" lIns="91440" tIns="45720" rIns="91440" bIns="45720" rtlCol="0" anchor="ctr">
-            <a:normAutofit/>
-          </a:bodyPr>
-          <a:lstStyle/>
-          <a:p>
-            <a:pPr>
-              <a:spcAft>
-                <a:spcPts val="600"/>
-              </a:spcAft>
-            </a:pPr>
-            <a:r>
-              <a:rPr lang="es-ES" b="1" i="0" kern="1200" cap="all" spc="100" baseline="0">
-                <a:latin typeface="+mn-lt"/>
-                <a:ea typeface="+mn-ea"/>
-                <a:cs typeface="+mn-cs"/>
-              </a:rPr>
-              <a:t>U-pick</a:t>
-            </a:r>
-          </a:p>
-        </p:txBody>
-      </p:sp>
-      <p:sp>
-        <p:nvSpPr>
-          <p:cNvPr id="11" name="Marcador de número de diapositiva 10">
-            <a:extLst>
-              <a:ext uri="{FF2B5EF4-FFF2-40B4-BE49-F238E27FC236}">
-                <a16:creationId xmlns:a16="http://schemas.microsoft.com/office/drawing/2014/main" id="{56AE2454-CE9A-4A6B-AB5A-349E0D967654}"/>
-              </a:ext>
-            </a:extLst>
-          </p:cNvPr>
-          <p:cNvSpPr>
-            <a:spLocks noGrp="1"/>
-          </p:cNvSpPr>
-          <p:nvPr>
-            <p:ph type="sldNum" sz="quarter" idx="12"/>
-          </p:nvPr>
-        </p:nvSpPr>
-        <p:spPr>
-          <a:xfrm>
-            <a:off x="8610600" y="6356350"/>
-            <a:ext cx="2743200" cy="365125"/>
-          </a:xfrm>
-        </p:spPr>
-        <p:txBody>
-          <a:bodyPr vert="horz" lIns="91440" tIns="45720" rIns="91440" bIns="45720" rtlCol="0" anchor="ctr">
-            <a:normAutofit/>
-          </a:bodyPr>
-          <a:lstStyle/>
-          <a:p>
-            <a:pPr>
-              <a:spcAft>
-                <a:spcPts val="600"/>
-              </a:spcAft>
-            </a:pPr>
-            <a:fld id="{D8DA9DAA-006C-4F4B-980E-E3DF019B24E2}" type="slidenum">
-              <a:rPr lang="es-ES" smtClean="0"/>
-              <a:pPr>
-                <a:spcAft>
-                  <a:spcPts val="600"/>
-                </a:spcAft>
-              </a:pPr>
-              <a:t>10</a:t>
-            </a:fld>
-            <a:endParaRPr lang="es-ES"/>
-          </a:p>
-        </p:txBody>
-      </p:sp>
-      <p:sp>
-        <p:nvSpPr>
-          <p:cNvPr id="4" name="CuadroTexto 3">
-            <a:extLst>
-              <a:ext uri="{FF2B5EF4-FFF2-40B4-BE49-F238E27FC236}">
-                <a16:creationId xmlns:a16="http://schemas.microsoft.com/office/drawing/2014/main" id="{D11FBACD-5B77-548F-E89D-5B298D6718A4}"/>
+                <a16:creationId xmlns:a16="http://schemas.microsoft.com/office/drawing/2014/main" id="{5288F812-0416-FD03-643A-A052E49BAED4}"/>
               </a:ext>
             </a:extLst>
           </p:cNvPr>
@@ -19564,8 +20059,8 @@
         </p:nvSpPr>
         <p:spPr>
           <a:xfrm>
-            <a:off x="694464" y="1356034"/>
-            <a:ext cx="3824214" cy="4351338"/>
+            <a:off x="694288" y="2254166"/>
+            <a:ext cx="9419058" cy="4351338"/>
           </a:xfrm>
           <a:prstGeom prst="rect">
             <a:avLst/>
@@ -19585,91 +20080,10 @@
                 <a:spcPts val="600"/>
               </a:spcAft>
             </a:pPr>
-            <a:endParaRPr lang="es-ES" sz="2800" dirty="0">
-              <a:solidFill>
-                <a:schemeClr val="bg1"/>
-              </a:solidFill>
-            </a:endParaRPr>
-          </a:p>
-          <a:p>
-            <a:pPr>
-              <a:lnSpc>
-                <a:spcPct val="90000"/>
-              </a:lnSpc>
-              <a:spcAft>
-                <a:spcPts val="600"/>
-              </a:spcAft>
-            </a:pPr>
             <a:r>
-              <a:rPr lang="es-ES" sz="2800" dirty="0">
-                <a:solidFill>
-                  <a:schemeClr val="bg1"/>
-                </a:solidFill>
-              </a:rPr>
-              <a:t>NO estructurados  cambiar </a:t>
+              <a:rPr lang="es-ES" sz="2800" dirty="0"/>
+              <a:t>Herramientas de almacenamiento:</a:t>
             </a:r>
-            <a:r>
-              <a:rPr lang="es-ES" sz="2800" dirty="0" err="1">
-                <a:solidFill>
-                  <a:schemeClr val="bg1"/>
-                </a:solidFill>
-              </a:rPr>
-              <a:t>hive</a:t>
-            </a:r>
-            <a:r>
-              <a:rPr lang="es-ES" sz="2800" dirty="0">
-                <a:solidFill>
-                  <a:schemeClr val="bg1"/>
-                </a:solidFill>
-              </a:rPr>
-              <a:t> a </a:t>
-            </a:r>
-            <a:r>
-              <a:rPr lang="es-ES" sz="2800" dirty="0" err="1">
-                <a:solidFill>
-                  <a:schemeClr val="bg1"/>
-                </a:solidFill>
-              </a:rPr>
-              <a:t>hdfs</a:t>
-            </a:r>
-            <a:r>
-              <a:rPr lang="es-ES" sz="2800" dirty="0">
-                <a:solidFill>
-                  <a:schemeClr val="bg1"/>
-                </a:solidFill>
-              </a:rPr>
-              <a:t> </a:t>
-            </a:r>
-          </a:p>
-          <a:p>
-            <a:pPr>
-              <a:lnSpc>
-                <a:spcPct val="90000"/>
-              </a:lnSpc>
-              <a:spcAft>
-                <a:spcPts val="600"/>
-              </a:spcAft>
-            </a:pPr>
-            <a:endParaRPr lang="es-ES" sz="2800" dirty="0">
-              <a:solidFill>
-                <a:schemeClr val="bg1"/>
-              </a:solidFill>
-            </a:endParaRPr>
-          </a:p>
-          <a:p>
-            <a:pPr>
-              <a:lnSpc>
-                <a:spcPct val="90000"/>
-              </a:lnSpc>
-              <a:spcAft>
-                <a:spcPts val="600"/>
-              </a:spcAft>
-            </a:pPr>
-            <a:endParaRPr lang="es-ES" sz="2800" dirty="0">
-              <a:solidFill>
-                <a:schemeClr val="bg1"/>
-              </a:solidFill>
-            </a:endParaRPr>
           </a:p>
           <a:p>
             <a:pPr marL="285750" indent="-228600">
@@ -19682,11 +20096,39 @@
               <a:buFont typeface="Arial" panose="020B0604020202020204" pitchFamily="34" charset="0"/>
               <a:buChar char="•"/>
             </a:pPr>
-            <a:endParaRPr lang="es-ES" dirty="0">
-              <a:solidFill>
-                <a:schemeClr val="bg1"/>
-              </a:solidFill>
-            </a:endParaRPr>
+            <a:r>
+              <a:rPr lang="es-ES" dirty="0" err="1"/>
+              <a:t>MariaDB</a:t>
+            </a:r>
+            <a:endParaRPr lang="es-ES" dirty="0"/>
+          </a:p>
+          <a:p>
+            <a:pPr marL="285750" indent="-228600">
+              <a:lnSpc>
+                <a:spcPct val="90000"/>
+              </a:lnSpc>
+              <a:spcAft>
+                <a:spcPts val="600"/>
+              </a:spcAft>
+              <a:buFont typeface="Arial" panose="020B0604020202020204" pitchFamily="34" charset="0"/>
+              <a:buChar char="•"/>
+            </a:pPr>
+            <a:r>
+              <a:rPr lang="es-ES" dirty="0" err="1"/>
+              <a:t>Hive</a:t>
+            </a:r>
+            <a:endParaRPr lang="es-ES" dirty="0"/>
+          </a:p>
+          <a:p>
+            <a:pPr marL="57150">
+              <a:lnSpc>
+                <a:spcPct val="90000"/>
+              </a:lnSpc>
+              <a:spcAft>
+                <a:spcPts val="600"/>
+              </a:spcAft>
+            </a:pPr>
+            <a:endParaRPr lang="es-ES" dirty="0"/>
           </a:p>
           <a:p>
             <a:pPr marL="57150">
@@ -19698,13 +20140,48 @@
               </a:spcAft>
             </a:pPr>
             <a:r>
-              <a:rPr lang="es-ES" dirty="0">
-                <a:solidFill>
-                  <a:schemeClr val="bg1"/>
-                </a:solidFill>
-              </a:rPr>
+              <a:rPr lang="es-ES" dirty="0"/>
               <a:t>	</a:t>
             </a:r>
+          </a:p>
+          <a:p>
+            <a:pPr indent="-228600">
+              <a:lnSpc>
+                <a:spcPct val="90000"/>
+              </a:lnSpc>
+              <a:spcAft>
+                <a:spcPts val="600"/>
+              </a:spcAft>
+              <a:buFont typeface="Arial" panose="020B0604020202020204" pitchFamily="34" charset="0"/>
+              <a:buChar char="•"/>
+            </a:pPr>
+            <a:endParaRPr lang="es-ES" sz="2800" dirty="0"/>
+          </a:p>
+          <a:p>
+            <a:pPr indent="-228600">
+              <a:lnSpc>
+                <a:spcPct val="90000"/>
+              </a:lnSpc>
+              <a:spcAft>
+                <a:spcPts val="600"/>
+              </a:spcAft>
+              <a:buFont typeface="Arial" panose="020B0604020202020204" pitchFamily="34" charset="0"/>
+              <a:buChar char="•"/>
+            </a:pPr>
+            <a:endParaRPr lang="es-ES" sz="2800" dirty="0"/>
+          </a:p>
+          <a:p>
+            <a:pPr indent="-228600">
+              <a:lnSpc>
+                <a:spcPct val="90000"/>
+              </a:lnSpc>
+              <a:spcAft>
+                <a:spcPts val="600"/>
+              </a:spcAft>
+              <a:buFont typeface="Arial" panose="020B0604020202020204" pitchFamily="34" charset="0"/>
+              <a:buChar char="•"/>
+            </a:pPr>
+            <a:endParaRPr lang="es-ES" sz="2800" dirty="0"/>
           </a:p>
           <a:p>
             <a:pPr indent="-228600">
@@ -19723,6 +20200,375 @@
               </a:solidFill>
             </a:endParaRPr>
           </a:p>
+        </p:txBody>
+      </p:sp>
+    </p:spTree>
+    <p:extLst>
+      <p:ext uri="{BB962C8B-B14F-4D97-AF65-F5344CB8AC3E}">
+        <p14:creationId xmlns:p14="http://schemas.microsoft.com/office/powerpoint/2010/main" val="2954448226"/>
+      </p:ext>
+    </p:extLst>
+  </p:cSld>
+  <p:clrMapOvr>
+    <a:masterClrMapping/>
+  </p:clrMapOvr>
+</p:sld>
+</file>
+
+<file path=ppt/slides/slide11.xml><?xml version="1.0" encoding="utf-8"?>
+<p:sld xmlns:a="http://schemas.openxmlformats.org/drawingml/2006/main" xmlns:r="http://schemas.openxmlformats.org/officeDocument/2006/relationships" xmlns:p="http://schemas.openxmlformats.org/presentationml/2006/main">
+  <p:cSld>
+    <p:spTree>
+      <p:nvGrpSpPr>
+        <p:cNvPr id="1" name=""/>
+        <p:cNvGrpSpPr/>
+        <p:nvPr/>
+      </p:nvGrpSpPr>
+      <p:grpSpPr>
+        <a:xfrm>
+          <a:off x="0" y="0"/>
+          <a:ext cx="0" cy="0"/>
+          <a:chOff x="0" y="0"/>
+          <a:chExt cx="0" cy="0"/>
+        </a:xfrm>
+      </p:grpSpPr>
+      <p:sp>
+        <p:nvSpPr>
+          <p:cNvPr id="10" name="Marcador de pie de página 9">
+            <a:extLst>
+              <a:ext uri="{FF2B5EF4-FFF2-40B4-BE49-F238E27FC236}">
+                <a16:creationId xmlns:a16="http://schemas.microsoft.com/office/drawing/2014/main" id="{A8C7C3A0-5E78-49C8-B8D4-F3DF62B2BC93}"/>
+              </a:ext>
+            </a:extLst>
+          </p:cNvPr>
+          <p:cNvSpPr>
+            <a:spLocks noGrp="1"/>
+          </p:cNvSpPr>
+          <p:nvPr>
+            <p:ph type="ftr" sz="quarter" idx="11"/>
+          </p:nvPr>
+        </p:nvSpPr>
+        <p:spPr>
+          <a:xfrm>
+            <a:off x="6378692" y="621791"/>
+            <a:ext cx="4114800" cy="365125"/>
+          </a:xfrm>
+        </p:spPr>
+        <p:txBody>
+          <a:bodyPr rtlCol="0"/>
+          <a:lstStyle/>
+          <a:p>
+            <a:pPr rtl="0"/>
+            <a:r>
+              <a:rPr lang="es-ES" dirty="0"/>
+              <a:t>U-pick</a:t>
+            </a:r>
+          </a:p>
+        </p:txBody>
+      </p:sp>
+      <p:sp>
+        <p:nvSpPr>
+          <p:cNvPr id="11" name="Marcador de número de diapositiva 10">
+            <a:extLst>
+              <a:ext uri="{FF2B5EF4-FFF2-40B4-BE49-F238E27FC236}">
+                <a16:creationId xmlns:a16="http://schemas.microsoft.com/office/drawing/2014/main" id="{56AE2454-CE9A-4A6B-AB5A-349E0D967654}"/>
+              </a:ext>
+            </a:extLst>
+          </p:cNvPr>
+          <p:cNvSpPr>
+            <a:spLocks noGrp="1"/>
+          </p:cNvSpPr>
+          <p:nvPr>
+            <p:ph type="sldNum" sz="quarter" idx="12"/>
+          </p:nvPr>
+        </p:nvSpPr>
+        <p:spPr/>
+        <p:txBody>
+          <a:bodyPr rtlCol="0"/>
+          <a:lstStyle/>
+          <a:p>
+            <a:pPr rtl="0"/>
+            <a:fld id="{D8DA9DAA-006C-4F4B-980E-E3DF019B24E2}" type="slidenum">
+              <a:rPr lang="es-ES" smtClean="0"/>
+              <a:pPr rtl="0"/>
+              <a:t>11</a:t>
+            </a:fld>
+            <a:endParaRPr lang="es-ES" dirty="0"/>
+          </a:p>
+        </p:txBody>
+      </p:sp>
+      <p:sp>
+        <p:nvSpPr>
+          <p:cNvPr id="29" name="Título 2">
+            <a:extLst>
+              <a:ext uri="{FF2B5EF4-FFF2-40B4-BE49-F238E27FC236}">
+                <a16:creationId xmlns:a16="http://schemas.microsoft.com/office/drawing/2014/main" id="{8357EE0A-1BBD-024F-61D4-7963FC4CD556}"/>
+              </a:ext>
+            </a:extLst>
+          </p:cNvPr>
+          <p:cNvSpPr>
+            <a:spLocks noGrp="1"/>
+          </p:cNvSpPr>
+          <p:nvPr>
+            <p:ph type="title"/>
+          </p:nvPr>
+        </p:nvSpPr>
+        <p:spPr>
+          <a:xfrm>
+            <a:off x="694288" y="694017"/>
+            <a:ext cx="10771632" cy="1325563"/>
+          </a:xfrm>
+        </p:spPr>
+        <p:txBody>
+          <a:bodyPr vert="horz" lIns="91440" tIns="45720" rIns="91440" bIns="45720" rtlCol="0" anchor="ctr">
+            <a:normAutofit/>
+          </a:bodyPr>
+          <a:lstStyle/>
+          <a:p>
+            <a:r>
+              <a:rPr lang="es-ES" b="1" kern="1200" cap="all" baseline="0" dirty="0">
+                <a:solidFill>
+                  <a:schemeClr val="tx1"/>
+                </a:solidFill>
+                <a:latin typeface="+mj-lt"/>
+                <a:ea typeface="+mj-ea"/>
+                <a:cs typeface="+mj-cs"/>
+              </a:rPr>
+              <a:t>Ingesta </a:t>
+            </a:r>
+            <a:r>
+              <a:rPr lang="es-ES" b="1" kern="1200" cap="all" baseline="0" dirty="0">
+                <a:solidFill>
+                  <a:schemeClr val="bg1">
+                    <a:lumMod val="50000"/>
+                  </a:schemeClr>
+                </a:solidFill>
+                <a:latin typeface="+mj-lt"/>
+                <a:ea typeface="+mj-ea"/>
+                <a:cs typeface="+mj-cs"/>
+              </a:rPr>
+              <a:t>– </a:t>
+            </a:r>
+            <a:r>
+              <a:rPr lang="es-ES" sz="3100" b="1" kern="1200" cap="all" baseline="0" dirty="0">
+                <a:solidFill>
+                  <a:schemeClr val="bg1">
+                    <a:lumMod val="50000"/>
+                  </a:schemeClr>
+                </a:solidFill>
+                <a:latin typeface="+mj-lt"/>
+                <a:ea typeface="+mj-ea"/>
+                <a:cs typeface="+mj-cs"/>
+              </a:rPr>
+              <a:t>datos no estructurados </a:t>
+            </a:r>
+          </a:p>
+        </p:txBody>
+      </p:sp>
+      <p:sp>
+        <p:nvSpPr>
+          <p:cNvPr id="30" name="CuadroTexto 29">
+            <a:extLst>
+              <a:ext uri="{FF2B5EF4-FFF2-40B4-BE49-F238E27FC236}">
+                <a16:creationId xmlns:a16="http://schemas.microsoft.com/office/drawing/2014/main" id="{5288F812-0416-FD03-643A-A052E49BAED4}"/>
+              </a:ext>
+            </a:extLst>
+          </p:cNvPr>
+          <p:cNvSpPr txBox="1"/>
+          <p:nvPr/>
+        </p:nvSpPr>
+        <p:spPr>
+          <a:xfrm>
+            <a:off x="628974" y="1812645"/>
+            <a:ext cx="9419058" cy="4351338"/>
+          </a:xfrm>
+          <a:prstGeom prst="rect">
+            <a:avLst/>
+          </a:prstGeom>
+        </p:spPr>
+        <p:txBody>
+          <a:bodyPr vert="horz" lIns="91440" tIns="45720" rIns="91440" bIns="45720" rtlCol="0">
+            <a:normAutofit/>
+          </a:bodyPr>
+          <a:lstStyle/>
+          <a:p>
+            <a:pPr>
+              <a:lnSpc>
+                <a:spcPct val="90000"/>
+              </a:lnSpc>
+              <a:spcAft>
+                <a:spcPts val="600"/>
+              </a:spcAft>
+            </a:pPr>
+            <a:r>
+              <a:rPr lang="es-ES" sz="2800" dirty="0"/>
+              <a:t>Herramientas de almacenamiento:</a:t>
+            </a:r>
+          </a:p>
+          <a:p>
+            <a:pPr marL="285750" indent="-228600">
+              <a:lnSpc>
+                <a:spcPct val="90000"/>
+              </a:lnSpc>
+              <a:spcAft>
+                <a:spcPts val="600"/>
+              </a:spcAft>
+              <a:buFont typeface="Arial" panose="020B0604020202020204" pitchFamily="34" charset="0"/>
+              <a:buChar char="•"/>
+            </a:pPr>
+            <a:r>
+              <a:rPr lang="es-ES" dirty="0"/>
+              <a:t>Python</a:t>
+            </a:r>
+          </a:p>
+          <a:p>
+            <a:pPr marL="285750" indent="-228600">
+              <a:lnSpc>
+                <a:spcPct val="90000"/>
+              </a:lnSpc>
+              <a:spcAft>
+                <a:spcPts val="600"/>
+              </a:spcAft>
+              <a:buFont typeface="Arial" panose="020B0604020202020204" pitchFamily="34" charset="0"/>
+              <a:buChar char="•"/>
+            </a:pPr>
+            <a:r>
+              <a:rPr lang="es-ES" dirty="0" err="1"/>
+              <a:t>Flume</a:t>
+            </a:r>
+            <a:endParaRPr lang="es-ES" dirty="0"/>
+          </a:p>
+          <a:p>
+            <a:pPr marL="285750" indent="-228600">
+              <a:lnSpc>
+                <a:spcPct val="90000"/>
+              </a:lnSpc>
+              <a:spcAft>
+                <a:spcPts val="600"/>
+              </a:spcAft>
+              <a:buFont typeface="Arial" panose="020B0604020202020204" pitchFamily="34" charset="0"/>
+              <a:buChar char="•"/>
+            </a:pPr>
+            <a:r>
+              <a:rPr lang="es-ES" dirty="0"/>
+              <a:t>Hadoop</a:t>
+            </a:r>
+          </a:p>
+          <a:p>
+            <a:pPr marL="285750" indent="-228600">
+              <a:lnSpc>
+                <a:spcPct val="90000"/>
+              </a:lnSpc>
+              <a:spcAft>
+                <a:spcPts val="600"/>
+              </a:spcAft>
+              <a:buFont typeface="Arial" panose="020B0604020202020204" pitchFamily="34" charset="0"/>
+              <a:buChar char="•"/>
+            </a:pPr>
+            <a:r>
+              <a:rPr lang="es-ES" dirty="0" err="1"/>
+              <a:t>Pig</a:t>
+            </a:r>
+            <a:endParaRPr lang="es-ES" dirty="0"/>
+          </a:p>
+          <a:p>
+            <a:pPr marL="285750" indent="-228600">
+              <a:lnSpc>
+                <a:spcPct val="90000"/>
+              </a:lnSpc>
+              <a:spcAft>
+                <a:spcPts val="600"/>
+              </a:spcAft>
+              <a:buFont typeface="Arial" panose="020B0604020202020204" pitchFamily="34" charset="0"/>
+              <a:buChar char="•"/>
+            </a:pPr>
+            <a:r>
+              <a:rPr lang="es-ES" dirty="0" err="1"/>
+              <a:t>Crontab</a:t>
+            </a:r>
+            <a:endParaRPr lang="es-ES" dirty="0"/>
+          </a:p>
+          <a:p>
+            <a:pPr marL="285750" indent="-228600">
+              <a:lnSpc>
+                <a:spcPct val="90000"/>
+              </a:lnSpc>
+              <a:spcAft>
+                <a:spcPts val="600"/>
+              </a:spcAft>
+              <a:buFont typeface="Arial" panose="020B0604020202020204" pitchFamily="34" charset="0"/>
+              <a:buChar char="•"/>
+            </a:pPr>
+            <a:r>
+              <a:rPr lang="es-ES" dirty="0" err="1"/>
+              <a:t>Hive</a:t>
+            </a:r>
+            <a:endParaRPr lang="es-ES" dirty="0"/>
+          </a:p>
+          <a:p>
+            <a:pPr marL="57150">
+              <a:lnSpc>
+                <a:spcPct val="90000"/>
+              </a:lnSpc>
+              <a:spcAft>
+                <a:spcPts val="600"/>
+              </a:spcAft>
+            </a:pPr>
+            <a:endParaRPr lang="es-ES" dirty="0"/>
+          </a:p>
+          <a:p>
+            <a:pPr marL="57150">
+              <a:lnSpc>
+                <a:spcPct val="90000"/>
+              </a:lnSpc>
+              <a:spcAft>
+                <a:spcPts val="600"/>
+              </a:spcAft>
+            </a:pPr>
+            <a:r>
+              <a:rPr lang="es-ES" dirty="0"/>
+              <a:t>	</a:t>
+            </a:r>
+          </a:p>
+          <a:p>
+            <a:pPr indent="-228600">
+              <a:lnSpc>
+                <a:spcPct val="90000"/>
+              </a:lnSpc>
+              <a:spcAft>
+                <a:spcPts val="600"/>
+              </a:spcAft>
+              <a:buFont typeface="Arial" panose="020B0604020202020204" pitchFamily="34" charset="0"/>
+              <a:buChar char="•"/>
+            </a:pPr>
+            <a:endParaRPr lang="es-ES" sz="2800" dirty="0"/>
+          </a:p>
+          <a:p>
+            <a:pPr indent="-228600">
+              <a:lnSpc>
+                <a:spcPct val="90000"/>
+              </a:lnSpc>
+              <a:spcAft>
+                <a:spcPts val="600"/>
+              </a:spcAft>
+              <a:buFont typeface="Arial" panose="020B0604020202020204" pitchFamily="34" charset="0"/>
+              <a:buChar char="•"/>
+            </a:pPr>
+            <a:endParaRPr lang="es-ES" sz="2800" dirty="0"/>
+          </a:p>
+          <a:p>
+            <a:pPr indent="-228600">
+              <a:lnSpc>
+                <a:spcPct val="90000"/>
+              </a:lnSpc>
+              <a:spcAft>
+                <a:spcPts val="600"/>
+              </a:spcAft>
+              <a:buFont typeface="Arial" panose="020B0604020202020204" pitchFamily="34" charset="0"/>
+              <a:buChar char="•"/>
+            </a:pPr>
+            <a:endParaRPr lang="es-ES" sz="2800" dirty="0"/>
+          </a:p>
           <a:p>
             <a:pPr indent="-228600">
               <a:lnSpc>
@@ -19740,135 +20586,961 @@
               </a:solidFill>
             </a:endParaRPr>
           </a:p>
-          <a:p>
-            <a:pPr indent="-228600">
+        </p:txBody>
+      </p:sp>
+      <p:grpSp>
+        <p:nvGrpSpPr>
+          <p:cNvPr id="9" name="Grupo 8">
+            <a:extLst>
+              <a:ext uri="{FF2B5EF4-FFF2-40B4-BE49-F238E27FC236}">
+                <a16:creationId xmlns:a16="http://schemas.microsoft.com/office/drawing/2014/main" id="{33D1F4FD-98C3-F1F7-D28E-E03F35A42CCA}"/>
+              </a:ext>
+            </a:extLst>
+          </p:cNvPr>
+          <p:cNvGrpSpPr/>
+          <p:nvPr/>
+        </p:nvGrpSpPr>
+        <p:grpSpPr>
+          <a:xfrm>
+            <a:off x="3356216" y="2448762"/>
+            <a:ext cx="7038186" cy="1636141"/>
+            <a:chOff x="4901476" y="2793694"/>
+            <a:chExt cx="7038186" cy="1636141"/>
+          </a:xfrm>
+        </p:grpSpPr>
+        <p:grpSp>
+          <p:nvGrpSpPr>
+            <p:cNvPr id="8" name="Grupo 7">
+              <a:extLst>
+                <a:ext uri="{FF2B5EF4-FFF2-40B4-BE49-F238E27FC236}">
+                  <a16:creationId xmlns:a16="http://schemas.microsoft.com/office/drawing/2014/main" id="{B20396A8-1B59-C4A3-02C7-F7C1445D3B87}"/>
+                </a:ext>
+              </a:extLst>
+            </p:cNvPr>
+            <p:cNvGrpSpPr/>
+            <p:nvPr/>
+          </p:nvGrpSpPr>
+          <p:grpSpPr>
+            <a:xfrm>
+              <a:off x="4901476" y="2793694"/>
+              <a:ext cx="4382483" cy="1636141"/>
+              <a:chOff x="3585860" y="2606421"/>
+              <a:chExt cx="5978520" cy="2232000"/>
+            </a:xfrm>
+          </p:grpSpPr>
+          <p:pic>
+            <p:nvPicPr>
+              <p:cNvPr id="2" name="Imagen 1">
+                <a:extLst>
+                  <a:ext uri="{FF2B5EF4-FFF2-40B4-BE49-F238E27FC236}">
+                    <a16:creationId xmlns:a16="http://schemas.microsoft.com/office/drawing/2014/main" id="{ABAFA657-AB12-88E2-0E0F-84AE7BF05878}"/>
+                  </a:ext>
+                </a:extLst>
+              </p:cNvPr>
+              <p:cNvPicPr/>
+              <p:nvPr/>
+            </p:nvPicPr>
+            <p:blipFill>
+              <a:blip r:embed="rId3"/>
+              <a:stretch/>
+            </p:blipFill>
+            <p:spPr>
+              <a:xfrm>
+                <a:off x="5889860" y="2822421"/>
+                <a:ext cx="2810880" cy="1912320"/>
+              </a:xfrm>
+              <a:prstGeom prst="rect">
+                <a:avLst/>
+              </a:prstGeom>
+              <a:ln>
+                <a:noFill/>
+              </a:ln>
+            </p:spPr>
+          </p:pic>
+          <p:pic>
+            <p:nvPicPr>
+              <p:cNvPr id="3" name="Imagen 2">
+                <a:extLst>
+                  <a:ext uri="{FF2B5EF4-FFF2-40B4-BE49-F238E27FC236}">
+                    <a16:creationId xmlns:a16="http://schemas.microsoft.com/office/drawing/2014/main" id="{3356C939-E15B-10AF-9B02-ECEBDBD3F81E}"/>
+                  </a:ext>
+                </a:extLst>
+              </p:cNvPr>
+              <p:cNvPicPr/>
+              <p:nvPr/>
+            </p:nvPicPr>
+            <p:blipFill>
+              <a:blip r:embed="rId4"/>
+              <a:stretch/>
+            </p:blipFill>
+            <p:spPr>
+              <a:xfrm>
+                <a:off x="3657860" y="3974421"/>
+                <a:ext cx="864000" cy="864000"/>
+              </a:xfrm>
+              <a:prstGeom prst="rect">
+                <a:avLst/>
+              </a:prstGeom>
+              <a:ln>
+                <a:noFill/>
+              </a:ln>
+            </p:spPr>
+          </p:pic>
+          <p:pic>
+            <p:nvPicPr>
+              <p:cNvPr id="4" name="Imagen 3">
+                <a:extLst>
+                  <a:ext uri="{FF2B5EF4-FFF2-40B4-BE49-F238E27FC236}">
+                    <a16:creationId xmlns:a16="http://schemas.microsoft.com/office/drawing/2014/main" id="{7F03179C-81C9-5092-0127-70617D303121}"/>
+                  </a:ext>
+                </a:extLst>
+              </p:cNvPr>
+              <p:cNvPicPr/>
+              <p:nvPr/>
+            </p:nvPicPr>
+            <p:blipFill>
+              <a:blip r:embed="rId5"/>
+              <a:stretch/>
+            </p:blipFill>
+            <p:spPr>
+              <a:xfrm>
+                <a:off x="3585860" y="2606421"/>
+                <a:ext cx="1080000" cy="1080000"/>
+              </a:xfrm>
+              <a:prstGeom prst="rect">
+                <a:avLst/>
+              </a:prstGeom>
+              <a:ln>
+                <a:noFill/>
+              </a:ln>
+            </p:spPr>
+          </p:pic>
+          <p:sp>
+            <p:nvSpPr>
+              <p:cNvPr id="6" name="CustomShape 4">
+                <a:extLst>
+                  <a:ext uri="{FF2B5EF4-FFF2-40B4-BE49-F238E27FC236}">
+                    <a16:creationId xmlns:a16="http://schemas.microsoft.com/office/drawing/2014/main" id="{C32F296C-37EC-9D7C-6DA7-F967A49C15EB}"/>
+                  </a:ext>
+                </a:extLst>
+              </p:cNvPr>
+              <p:cNvSpPr/>
+              <p:nvPr/>
+            </p:nvSpPr>
+            <p:spPr>
+              <a:xfrm rot="4800">
+                <a:off x="5026220" y="3399141"/>
+                <a:ext cx="936000" cy="646200"/>
+              </a:xfrm>
+              <a:custGeom>
+                <a:avLst/>
+                <a:gdLst/>
+                <a:ahLst/>
+                <a:cxnLst/>
+                <a:rect l="0" t="0" r="r" b="b"/>
+                <a:pathLst>
+                  <a:path w="2603" h="1797">
+                    <a:moveTo>
+                      <a:pt x="0" y="547"/>
+                    </a:moveTo>
+                    <a:lnTo>
+                      <a:pt x="1478" y="547"/>
+                    </a:lnTo>
+                    <a:lnTo>
+                      <a:pt x="1478" y="0"/>
+                    </a:lnTo>
+                    <a:lnTo>
+                      <a:pt x="2602" y="898"/>
+                    </a:lnTo>
+                    <a:lnTo>
+                      <a:pt x="1479" y="1796"/>
+                    </a:lnTo>
+                    <a:lnTo>
+                      <a:pt x="1479" y="1248"/>
+                    </a:lnTo>
+                    <a:lnTo>
+                      <a:pt x="1" y="1248"/>
+                    </a:lnTo>
+                    <a:lnTo>
+                      <a:pt x="0" y="547"/>
+                    </a:lnTo>
+                  </a:path>
+                </a:pathLst>
+              </a:custGeom>
+              <a:solidFill>
+                <a:srgbClr val="3465A4"/>
+              </a:solidFill>
+              <a:ln>
+                <a:solidFill>
+                  <a:srgbClr val="3465A4"/>
+                </a:solidFill>
+              </a:ln>
+            </p:spPr>
+            <p:style>
+              <a:lnRef idx="0">
+                <a:scrgbClr r="0" g="0" b="0"/>
+              </a:lnRef>
+              <a:fillRef idx="0">
+                <a:scrgbClr r="0" g="0" b="0"/>
+              </a:fillRef>
+              <a:effectRef idx="0">
+                <a:scrgbClr r="0" g="0" b="0"/>
+              </a:effectRef>
+              <a:fontRef idx="minor"/>
+            </p:style>
+          </p:sp>
+          <p:sp>
+            <p:nvSpPr>
+              <p:cNvPr id="7" name="CustomShape 5">
+                <a:extLst>
+                  <a:ext uri="{FF2B5EF4-FFF2-40B4-BE49-F238E27FC236}">
+                    <a16:creationId xmlns:a16="http://schemas.microsoft.com/office/drawing/2014/main" id="{9BAA8DDE-8D77-9CDE-6E6B-642E36A28221}"/>
+                  </a:ext>
+                </a:extLst>
+              </p:cNvPr>
+              <p:cNvSpPr/>
+              <p:nvPr/>
+            </p:nvSpPr>
+            <p:spPr>
+              <a:xfrm rot="4800">
+                <a:off x="8628380" y="3399140"/>
+                <a:ext cx="936000" cy="646200"/>
+              </a:xfrm>
+              <a:custGeom>
+                <a:avLst/>
+                <a:gdLst/>
+                <a:ahLst/>
+                <a:cxnLst/>
+                <a:rect l="0" t="0" r="r" b="b"/>
+                <a:pathLst>
+                  <a:path w="2602" h="1797">
+                    <a:moveTo>
+                      <a:pt x="0" y="548"/>
+                    </a:moveTo>
+                    <a:lnTo>
+                      <a:pt x="1478" y="547"/>
+                    </a:lnTo>
+                    <a:lnTo>
+                      <a:pt x="1478" y="0"/>
+                    </a:lnTo>
+                    <a:lnTo>
+                      <a:pt x="2601" y="898"/>
+                    </a:lnTo>
+                    <a:lnTo>
+                      <a:pt x="1479" y="1796"/>
+                    </a:lnTo>
+                    <a:lnTo>
+                      <a:pt x="1479" y="1248"/>
+                    </a:lnTo>
+                    <a:lnTo>
+                      <a:pt x="1" y="1249"/>
+                    </a:lnTo>
+                    <a:lnTo>
+                      <a:pt x="0" y="548"/>
+                    </a:lnTo>
+                  </a:path>
+                </a:pathLst>
+              </a:custGeom>
+              <a:solidFill>
+                <a:srgbClr val="3465A4"/>
+              </a:solidFill>
+              <a:ln>
+                <a:solidFill>
+                  <a:srgbClr val="3465A4"/>
+                </a:solidFill>
+              </a:ln>
+            </p:spPr>
+            <p:style>
+              <a:lnRef idx="0">
+                <a:scrgbClr r="0" g="0" b="0"/>
+              </a:lnRef>
+              <a:fillRef idx="0">
+                <a:scrgbClr r="0" g="0" b="0"/>
+              </a:fillRef>
+              <a:effectRef idx="0">
+                <a:scrgbClr r="0" g="0" b="0"/>
+              </a:effectRef>
+              <a:fontRef idx="minor"/>
+            </p:style>
+            <p:txBody>
+              <a:bodyPr/>
+              <a:lstStyle/>
+              <a:p>
+                <a:endParaRPr lang="es-ES_tradnl" dirty="0"/>
+              </a:p>
+            </p:txBody>
+          </p:sp>
+        </p:grpSp>
+        <p:pic>
+          <p:nvPicPr>
+            <p:cNvPr id="1030" name="Picture 6" descr="Hadoop HDFS Reviews 2023: Details, Pricing, &amp; Features | G2">
+              <a:extLst>
+                <a:ext uri="{FF2B5EF4-FFF2-40B4-BE49-F238E27FC236}">
+                  <a16:creationId xmlns:a16="http://schemas.microsoft.com/office/drawing/2014/main" id="{57717953-C6E0-A841-E012-D9BD01B57D71}"/>
+                </a:ext>
+              </a:extLst>
+            </p:cNvPr>
+            <p:cNvPicPr>
+              <a:picLocks noChangeAspect="1" noChangeArrowheads="1"/>
+            </p:cNvPicPr>
+            <p:nvPr/>
+          </p:nvPicPr>
+          <p:blipFill>
+            <a:blip r:embed="rId6">
+              <a:extLst>
+                <a:ext uri="{28A0092B-C50C-407E-A947-70E740481C1C}">
+                  <a14:useLocalDpi xmlns:a14="http://schemas.microsoft.com/office/drawing/2010/main" val="0"/>
+                </a:ext>
+              </a:extLst>
+            </a:blip>
+            <a:srcRect/>
+            <a:stretch>
+              <a:fillRect/>
+            </a:stretch>
+          </p:blipFill>
+          <p:spPr bwMode="auto">
+            <a:xfrm>
+              <a:off x="9269561" y="2952029"/>
+              <a:ext cx="2670101" cy="1401803"/>
+            </a:xfrm>
+            <a:prstGeom prst="rect">
+              <a:avLst/>
+            </a:prstGeom>
+            <a:noFill/>
+            <a:extLst>
+              <a:ext uri="{909E8E84-426E-40DD-AFC4-6F175D3DCCD1}">
+                <a14:hiddenFill xmlns:a14="http://schemas.microsoft.com/office/drawing/2010/main">
+                  <a:solidFill>
+                    <a:srgbClr val="FFFFFF"/>
+                  </a:solidFill>
+                </a14:hiddenFill>
+              </a:ext>
+            </a:extLst>
+          </p:spPr>
+        </p:pic>
+      </p:grpSp>
+      <p:grpSp>
+        <p:nvGrpSpPr>
+          <p:cNvPr id="14" name="Grupo 13">
+            <a:extLst>
+              <a:ext uri="{FF2B5EF4-FFF2-40B4-BE49-F238E27FC236}">
+                <a16:creationId xmlns:a16="http://schemas.microsoft.com/office/drawing/2014/main" id="{044B637F-80B8-BFDC-14E8-361395658AE0}"/>
+              </a:ext>
+            </a:extLst>
+          </p:cNvPr>
+          <p:cNvGrpSpPr/>
+          <p:nvPr/>
+        </p:nvGrpSpPr>
+        <p:grpSpPr>
+          <a:xfrm>
+            <a:off x="1942911" y="4513819"/>
+            <a:ext cx="7221810" cy="1962876"/>
+            <a:chOff x="1961572" y="4614152"/>
+            <a:chExt cx="7221810" cy="1962876"/>
+          </a:xfrm>
+        </p:grpSpPr>
+        <p:pic>
+          <p:nvPicPr>
+            <p:cNvPr id="5" name="Imagen 4">
+              <a:extLst>
+                <a:ext uri="{FF2B5EF4-FFF2-40B4-BE49-F238E27FC236}">
+                  <a16:creationId xmlns:a16="http://schemas.microsoft.com/office/drawing/2014/main" id="{6962BE33-84DD-CD34-8AED-316BE512C876}"/>
+                </a:ext>
+              </a:extLst>
+            </p:cNvPr>
+            <p:cNvPicPr/>
+            <p:nvPr/>
+          </p:nvPicPr>
+          <p:blipFill>
+            <a:blip r:embed="rId7"/>
+            <a:stretch/>
+          </p:blipFill>
+          <p:spPr>
+            <a:xfrm>
+              <a:off x="7896838" y="4913476"/>
+              <a:ext cx="1286544" cy="1157745"/>
+            </a:xfrm>
+            <a:prstGeom prst="rect">
+              <a:avLst/>
+            </a:prstGeom>
+            <a:ln>
+              <a:noFill/>
+            </a:ln>
+          </p:spPr>
+        </p:pic>
+        <p:pic>
+          <p:nvPicPr>
+            <p:cNvPr id="1032" name="Picture 8" descr="Hadoop HDFS Reviews 2023: Details, Pricing, &amp; Features | G2">
+              <a:extLst>
+                <a:ext uri="{FF2B5EF4-FFF2-40B4-BE49-F238E27FC236}">
+                  <a16:creationId xmlns:a16="http://schemas.microsoft.com/office/drawing/2014/main" id="{7307323E-3E52-C3E0-7038-CFAA17737DF4}"/>
+                </a:ext>
+              </a:extLst>
+            </p:cNvPr>
+            <p:cNvPicPr>
+              <a:picLocks noChangeAspect="1" noChangeArrowheads="1"/>
+            </p:cNvPicPr>
+            <p:nvPr/>
+          </p:nvPicPr>
+          <p:blipFill>
+            <a:blip r:embed="rId6">
+              <a:extLst>
+                <a:ext uri="{28A0092B-C50C-407E-A947-70E740481C1C}">
+                  <a14:useLocalDpi xmlns:a14="http://schemas.microsoft.com/office/drawing/2010/main" val="0"/>
+                </a:ext>
+              </a:extLst>
+            </a:blip>
+            <a:srcRect/>
+            <a:stretch>
+              <a:fillRect/>
+            </a:stretch>
+          </p:blipFill>
+          <p:spPr bwMode="auto">
+            <a:xfrm>
+              <a:off x="1961572" y="4760161"/>
+              <a:ext cx="2789289" cy="1464377"/>
+            </a:xfrm>
+            <a:prstGeom prst="rect">
+              <a:avLst/>
+            </a:prstGeom>
+            <a:noFill/>
+            <a:extLst>
+              <a:ext uri="{909E8E84-426E-40DD-AFC4-6F175D3DCCD1}">
+                <a14:hiddenFill xmlns:a14="http://schemas.microsoft.com/office/drawing/2010/main">
+                  <a:solidFill>
+                    <a:srgbClr val="FFFFFF"/>
+                  </a:solidFill>
+                </a14:hiddenFill>
+              </a:ext>
+            </a:extLst>
+          </p:spPr>
+        </p:pic>
+        <p:pic>
+          <p:nvPicPr>
+            <p:cNvPr id="1034" name="Picture 10" descr="Programming in Hadoop with Pig and Hive">
+              <a:extLst>
+                <a:ext uri="{FF2B5EF4-FFF2-40B4-BE49-F238E27FC236}">
+                  <a16:creationId xmlns:a16="http://schemas.microsoft.com/office/drawing/2014/main" id="{067DA711-0CD1-C597-10DB-FCDC7C649695}"/>
+                </a:ext>
+              </a:extLst>
+            </p:cNvPr>
+            <p:cNvPicPr>
+              <a:picLocks noChangeAspect="1" noChangeArrowheads="1"/>
+            </p:cNvPicPr>
+            <p:nvPr/>
+          </p:nvPicPr>
+          <p:blipFill>
+            <a:blip r:embed="rId8">
+              <a:extLst>
+                <a:ext uri="{28A0092B-C50C-407E-A947-70E740481C1C}">
+                  <a14:useLocalDpi xmlns:a14="http://schemas.microsoft.com/office/drawing/2010/main" val="0"/>
+                </a:ext>
+              </a:extLst>
+            </a:blip>
+            <a:srcRect/>
+            <a:stretch>
+              <a:fillRect/>
+            </a:stretch>
+          </p:blipFill>
+          <p:spPr bwMode="auto">
+            <a:xfrm>
+              <a:off x="5844027" y="4614152"/>
+              <a:ext cx="653198" cy="981582"/>
+            </a:xfrm>
+            <a:prstGeom prst="rect">
+              <a:avLst/>
+            </a:prstGeom>
+            <a:noFill/>
+            <a:extLst>
+              <a:ext uri="{909E8E84-426E-40DD-AFC4-6F175D3DCCD1}">
+                <a14:hiddenFill xmlns:a14="http://schemas.microsoft.com/office/drawing/2010/main">
+                  <a:solidFill>
+                    <a:srgbClr val="FFFFFF"/>
+                  </a:solidFill>
+                </a14:hiddenFill>
+              </a:ext>
+            </a:extLst>
+          </p:spPr>
+        </p:pic>
+        <p:pic>
+          <p:nvPicPr>
+            <p:cNvPr id="1038" name="Picture 14" descr="Crea tu cron de un modo gráfico. uGeek Blog">
+              <a:extLst>
+                <a:ext uri="{FF2B5EF4-FFF2-40B4-BE49-F238E27FC236}">
+                  <a16:creationId xmlns:a16="http://schemas.microsoft.com/office/drawing/2014/main" id="{B9446483-5331-A7CF-4D9A-962EA9346743}"/>
+                </a:ext>
+              </a:extLst>
+            </p:cNvPr>
+            <p:cNvPicPr>
+              <a:picLocks noChangeAspect="1" noChangeArrowheads="1"/>
+            </p:cNvPicPr>
+            <p:nvPr/>
+          </p:nvPicPr>
+          <p:blipFill>
+            <a:blip r:embed="rId9">
+              <a:extLst>
+                <a:ext uri="{28A0092B-C50C-407E-A947-70E740481C1C}">
+                  <a14:useLocalDpi xmlns:a14="http://schemas.microsoft.com/office/drawing/2010/main" val="0"/>
+                </a:ext>
+              </a:extLst>
+            </a:blip>
+            <a:srcRect/>
+            <a:stretch>
+              <a:fillRect/>
+            </a:stretch>
+          </p:blipFill>
+          <p:spPr bwMode="auto">
+            <a:xfrm>
+              <a:off x="5844027" y="5751906"/>
+              <a:ext cx="825122" cy="825122"/>
+            </a:xfrm>
+            <a:prstGeom prst="rect">
+              <a:avLst/>
+            </a:prstGeom>
+            <a:noFill/>
+            <a:extLst>
+              <a:ext uri="{909E8E84-426E-40DD-AFC4-6F175D3DCCD1}">
+                <a14:hiddenFill xmlns:a14="http://schemas.microsoft.com/office/drawing/2010/main">
+                  <a:solidFill>
+                    <a:srgbClr val="FFFFFF"/>
+                  </a:solidFill>
+                </a14:hiddenFill>
+              </a:ext>
+            </a:extLst>
+          </p:spPr>
+        </p:pic>
+        <p:sp>
+          <p:nvSpPr>
+            <p:cNvPr id="12" name="CustomShape 4">
+              <a:extLst>
+                <a:ext uri="{FF2B5EF4-FFF2-40B4-BE49-F238E27FC236}">
+                  <a16:creationId xmlns:a16="http://schemas.microsoft.com/office/drawing/2014/main" id="{6DEAD2AD-0358-B135-A50A-7F518BF39FF9}"/>
+                </a:ext>
+              </a:extLst>
+            </p:cNvPr>
+            <p:cNvSpPr/>
+            <p:nvPr/>
+          </p:nvSpPr>
+          <p:spPr>
+            <a:xfrm rot="4800">
+              <a:off x="4951656" y="5348264"/>
+              <a:ext cx="686124" cy="473689"/>
+            </a:xfrm>
+            <a:custGeom>
+              <a:avLst/>
+              <a:gdLst/>
+              <a:ahLst/>
+              <a:cxnLst/>
+              <a:rect l="0" t="0" r="r" b="b"/>
+              <a:pathLst>
+                <a:path w="2603" h="1797">
+                  <a:moveTo>
+                    <a:pt x="0" y="547"/>
+                  </a:moveTo>
+                  <a:lnTo>
+                    <a:pt x="1478" y="547"/>
+                  </a:lnTo>
+                  <a:lnTo>
+                    <a:pt x="1478" y="0"/>
+                  </a:lnTo>
+                  <a:lnTo>
+                    <a:pt x="2602" y="898"/>
+                  </a:lnTo>
+                  <a:lnTo>
+                    <a:pt x="1479" y="1796"/>
+                  </a:lnTo>
+                  <a:lnTo>
+                    <a:pt x="1479" y="1248"/>
+                  </a:lnTo>
+                  <a:lnTo>
+                    <a:pt x="1" y="1248"/>
+                  </a:lnTo>
+                  <a:lnTo>
+                    <a:pt x="0" y="547"/>
+                  </a:lnTo>
+                </a:path>
+              </a:pathLst>
+            </a:custGeom>
+            <a:solidFill>
+              <a:srgbClr val="3465A4"/>
+            </a:solidFill>
+            <a:ln>
+              <a:solidFill>
+                <a:srgbClr val="3465A4"/>
+              </a:solidFill>
+            </a:ln>
+          </p:spPr>
+          <p:style>
+            <a:lnRef idx="0">
+              <a:scrgbClr r="0" g="0" b="0"/>
+            </a:lnRef>
+            <a:fillRef idx="0">
+              <a:scrgbClr r="0" g="0" b="0"/>
+            </a:fillRef>
+            <a:effectRef idx="0">
+              <a:scrgbClr r="0" g="0" b="0"/>
+            </a:effectRef>
+            <a:fontRef idx="minor"/>
+          </p:style>
+        </p:sp>
+        <p:sp>
+          <p:nvSpPr>
+            <p:cNvPr id="13" name="CustomShape 4">
+              <a:extLst>
+                <a:ext uri="{FF2B5EF4-FFF2-40B4-BE49-F238E27FC236}">
+                  <a16:creationId xmlns:a16="http://schemas.microsoft.com/office/drawing/2014/main" id="{5914B63B-03CB-FE3B-78CD-3925972C6F31}"/>
+                </a:ext>
+              </a:extLst>
+            </p:cNvPr>
+            <p:cNvSpPr/>
+            <p:nvPr/>
+          </p:nvSpPr>
+          <p:spPr>
+            <a:xfrm rot="4800">
+              <a:off x="6921607" y="5348263"/>
+              <a:ext cx="686124" cy="473689"/>
+            </a:xfrm>
+            <a:custGeom>
+              <a:avLst/>
+              <a:gdLst/>
+              <a:ahLst/>
+              <a:cxnLst/>
+              <a:rect l="0" t="0" r="r" b="b"/>
+              <a:pathLst>
+                <a:path w="2603" h="1797">
+                  <a:moveTo>
+                    <a:pt x="0" y="547"/>
+                  </a:moveTo>
+                  <a:lnTo>
+                    <a:pt x="1478" y="547"/>
+                  </a:lnTo>
+                  <a:lnTo>
+                    <a:pt x="1478" y="0"/>
+                  </a:lnTo>
+                  <a:lnTo>
+                    <a:pt x="2602" y="898"/>
+                  </a:lnTo>
+                  <a:lnTo>
+                    <a:pt x="1479" y="1796"/>
+                  </a:lnTo>
+                  <a:lnTo>
+                    <a:pt x="1479" y="1248"/>
+                  </a:lnTo>
+                  <a:lnTo>
+                    <a:pt x="1" y="1248"/>
+                  </a:lnTo>
+                  <a:lnTo>
+                    <a:pt x="0" y="547"/>
+                  </a:lnTo>
+                </a:path>
+              </a:pathLst>
+            </a:custGeom>
+            <a:solidFill>
+              <a:srgbClr val="3465A4"/>
+            </a:solidFill>
+            <a:ln>
+              <a:solidFill>
+                <a:srgbClr val="3465A4"/>
+              </a:solidFill>
+            </a:ln>
+          </p:spPr>
+          <p:style>
+            <a:lnRef idx="0">
+              <a:scrgbClr r="0" g="0" b="0"/>
+            </a:lnRef>
+            <a:fillRef idx="0">
+              <a:scrgbClr r="0" g="0" b="0"/>
+            </a:fillRef>
+            <a:effectRef idx="0">
+              <a:scrgbClr r="0" g="0" b="0"/>
+            </a:effectRef>
+            <a:fontRef idx="minor"/>
+          </p:style>
+        </p:sp>
+      </p:grpSp>
+    </p:spTree>
+    <p:extLst>
+      <p:ext uri="{BB962C8B-B14F-4D97-AF65-F5344CB8AC3E}">
+        <p14:creationId xmlns:p14="http://schemas.microsoft.com/office/powerpoint/2010/main" val="3875225048"/>
+      </p:ext>
+    </p:extLst>
+  </p:cSld>
+  <p:clrMapOvr>
+    <a:masterClrMapping/>
+  </p:clrMapOvr>
+</p:sld>
+</file>
+
+<file path=ppt/slides/slide12.xml><?xml version="1.0" encoding="utf-8"?>
+<p:sld xmlns:a="http://schemas.openxmlformats.org/drawingml/2006/main" xmlns:r="http://schemas.openxmlformats.org/officeDocument/2006/relationships" xmlns:p="http://schemas.openxmlformats.org/presentationml/2006/main">
+  <p:cSld>
+    <p:spTree>
+      <p:nvGrpSpPr>
+        <p:cNvPr id="1" name=""/>
+        <p:cNvGrpSpPr/>
+        <p:nvPr/>
+      </p:nvGrpSpPr>
+      <p:grpSpPr>
+        <a:xfrm>
+          <a:off x="0" y="0"/>
+          <a:ext cx="0" cy="0"/>
+          <a:chOff x="0" y="0"/>
+          <a:chExt cx="0" cy="0"/>
+        </a:xfrm>
+      </p:grpSpPr>
+      <p:sp>
+        <p:nvSpPr>
+          <p:cNvPr id="10" name="Marcador de pie de página 9">
+            <a:extLst>
+              <a:ext uri="{FF2B5EF4-FFF2-40B4-BE49-F238E27FC236}">
+                <a16:creationId xmlns:a16="http://schemas.microsoft.com/office/drawing/2014/main" id="{A8C7C3A0-5E78-49C8-B8D4-F3DF62B2BC93}"/>
+              </a:ext>
+            </a:extLst>
+          </p:cNvPr>
+          <p:cNvSpPr>
+            <a:spLocks noGrp="1"/>
+          </p:cNvSpPr>
+          <p:nvPr>
+            <p:ph type="ftr" sz="quarter" idx="11"/>
+          </p:nvPr>
+        </p:nvSpPr>
+        <p:spPr>
+          <a:xfrm>
+            <a:off x="6378692" y="621791"/>
+            <a:ext cx="4114800" cy="365125"/>
+          </a:xfrm>
+        </p:spPr>
+        <p:txBody>
+          <a:bodyPr rtlCol="0"/>
+          <a:lstStyle/>
+          <a:p>
+            <a:pPr rtl="0"/>
+            <a:r>
+              <a:rPr lang="es-ES" dirty="0"/>
+              <a:t>U-pick</a:t>
+            </a:r>
+          </a:p>
+        </p:txBody>
+      </p:sp>
+      <p:sp>
+        <p:nvSpPr>
+          <p:cNvPr id="11" name="Marcador de número de diapositiva 10">
+            <a:extLst>
+              <a:ext uri="{FF2B5EF4-FFF2-40B4-BE49-F238E27FC236}">
+                <a16:creationId xmlns:a16="http://schemas.microsoft.com/office/drawing/2014/main" id="{56AE2454-CE9A-4A6B-AB5A-349E0D967654}"/>
+              </a:ext>
+            </a:extLst>
+          </p:cNvPr>
+          <p:cNvSpPr>
+            <a:spLocks noGrp="1"/>
+          </p:cNvSpPr>
+          <p:nvPr>
+            <p:ph type="sldNum" sz="quarter" idx="12"/>
+          </p:nvPr>
+        </p:nvSpPr>
+        <p:spPr/>
+        <p:txBody>
+          <a:bodyPr rtlCol="0"/>
+          <a:lstStyle/>
+          <a:p>
+            <a:pPr rtl="0"/>
+            <a:fld id="{D8DA9DAA-006C-4F4B-980E-E3DF019B24E2}" type="slidenum">
+              <a:rPr lang="es-ES" smtClean="0"/>
+              <a:pPr rtl="0"/>
+              <a:t>12</a:t>
+            </a:fld>
+            <a:endParaRPr lang="es-ES" dirty="0"/>
+          </a:p>
+        </p:txBody>
+      </p:sp>
+      <p:sp>
+        <p:nvSpPr>
+          <p:cNvPr id="17" name="CuadroTexto 16">
+            <a:extLst>
+              <a:ext uri="{FF2B5EF4-FFF2-40B4-BE49-F238E27FC236}">
+                <a16:creationId xmlns:a16="http://schemas.microsoft.com/office/drawing/2014/main" id="{93E685DB-EC08-52C8-48DB-3824CADE2599}"/>
+              </a:ext>
+            </a:extLst>
+          </p:cNvPr>
+          <p:cNvSpPr txBox="1"/>
+          <p:nvPr/>
+        </p:nvSpPr>
+        <p:spPr>
+          <a:xfrm>
+            <a:off x="635726" y="1941721"/>
+            <a:ext cx="7170179" cy="954107"/>
+          </a:xfrm>
+          <a:prstGeom prst="rect">
+            <a:avLst/>
+          </a:prstGeom>
+          <a:noFill/>
+        </p:spPr>
+        <p:txBody>
+          <a:bodyPr wrap="square" rtlCol="0">
+            <a:spAutoFit/>
+          </a:bodyPr>
+          <a:lstStyle/>
+          <a:p>
+            <a:r>
+              <a:rPr lang="es-ES" sz="2800" dirty="0"/>
+              <a:t>Análisis de sentimientos</a:t>
+            </a:r>
+          </a:p>
+          <a:p>
+            <a:endParaRPr lang="es-ES" sz="2800" dirty="0"/>
+          </a:p>
+        </p:txBody>
+      </p:sp>
+      <p:sp>
+        <p:nvSpPr>
+          <p:cNvPr id="18" name="Título 2">
+            <a:extLst>
+              <a:ext uri="{FF2B5EF4-FFF2-40B4-BE49-F238E27FC236}">
+                <a16:creationId xmlns:a16="http://schemas.microsoft.com/office/drawing/2014/main" id="{A7CA5D49-46D8-FE6A-65F0-F82ED7F59761}"/>
+              </a:ext>
+            </a:extLst>
+          </p:cNvPr>
+          <p:cNvSpPr txBox="1">
+            <a:spLocks/>
+          </p:cNvSpPr>
+          <p:nvPr/>
+        </p:nvSpPr>
+        <p:spPr>
+          <a:xfrm>
+            <a:off x="635726" y="804353"/>
+            <a:ext cx="10771632" cy="1325563"/>
+          </a:xfrm>
+          <a:prstGeom prst="rect">
+            <a:avLst/>
+          </a:prstGeom>
+        </p:spPr>
+        <p:txBody>
+          <a:bodyPr vert="horz" lIns="91440" tIns="45720" rIns="91440" bIns="45720" rtlCol="0" anchor="ctr">
+            <a:normAutofit/>
+          </a:bodyPr>
+          <a:lstStyle>
+            <a:lvl1pPr algn="l" defTabSz="914400" rtl="0" eaLnBrk="1" latinLnBrk="0" hangingPunct="1">
               <a:lnSpc>
                 <a:spcPct val="90000"/>
               </a:lnSpc>
-              <a:spcAft>
-                <a:spcPts val="600"/>
-              </a:spcAft>
-              <a:buFont typeface="Arial" panose="020B0604020202020204" pitchFamily="34" charset="0"/>
-              <a:buChar char="•"/>
-            </a:pPr>
-            <a:endParaRPr lang="es-ES" sz="2800" dirty="0">
-              <a:solidFill>
-                <a:schemeClr val="bg1"/>
-              </a:solidFill>
-            </a:endParaRPr>
-          </a:p>
-          <a:p>
-            <a:pPr indent="-228600">
-              <a:lnSpc>
-                <a:spcPct val="90000"/>
-              </a:lnSpc>
-              <a:spcAft>
-                <a:spcPts val="600"/>
-              </a:spcAft>
-              <a:buFont typeface="Arial" panose="020B0604020202020204" pitchFamily="34" charset="0"/>
-              <a:buChar char="•"/>
-            </a:pPr>
-            <a:endParaRPr lang="es-ES" sz="2800" dirty="0">
-              <a:solidFill>
-                <a:schemeClr val="bg1"/>
-              </a:solidFill>
-            </a:endParaRPr>
+              <a:spcBef>
+                <a:spcPct val="0"/>
+              </a:spcBef>
+              <a:buNone/>
+              <a:defRPr sz="5400" kern="1200">
+                <a:solidFill>
+                  <a:schemeClr val="tx1"/>
+                </a:solidFill>
+                <a:latin typeface="+mj-lt"/>
+                <a:ea typeface="+mj-ea"/>
+                <a:cs typeface="+mj-cs"/>
+              </a:defRPr>
+            </a:lvl1pPr>
+          </a:lstStyle>
+          <a:p>
+            <a:r>
+              <a:rPr lang="es-ES" b="1" cap="all" dirty="0"/>
+              <a:t>Procesamiento</a:t>
+            </a:r>
           </a:p>
         </p:txBody>
       </p:sp>
       <p:pic>
         <p:nvPicPr>
-          <p:cNvPr id="6" name="Imagen 5">
+          <p:cNvPr id="20" name="Imagen 19">
             <a:extLst>
               <a:ext uri="{FF2B5EF4-FFF2-40B4-BE49-F238E27FC236}">
-                <a16:creationId xmlns:a16="http://schemas.microsoft.com/office/drawing/2014/main" id="{EF3C6F2F-55AB-DABD-0CD6-AFE536F2E961}"/>
+                <a16:creationId xmlns:a16="http://schemas.microsoft.com/office/drawing/2014/main" id="{7B847446-0A68-5408-08C9-C883F95A081C}"/>
               </a:ext>
             </a:extLst>
           </p:cNvPr>
-          <p:cNvPicPr/>
+          <p:cNvPicPr>
+            <a:picLocks noChangeAspect="1"/>
+          </p:cNvPicPr>
           <p:nvPr/>
         </p:nvPicPr>
         <p:blipFill>
           <a:blip r:embed="rId3"/>
-          <a:stretch/>
+          <a:stretch>
+            <a:fillRect/>
+          </a:stretch>
         </p:blipFill>
         <p:spPr>
           <a:xfrm>
-            <a:off x="3762480" y="2897597"/>
-            <a:ext cx="2810880" cy="1912320"/>
+            <a:off x="267970" y="4957467"/>
+            <a:ext cx="11924030" cy="801893"/>
           </a:xfrm>
           <a:prstGeom prst="rect">
             <a:avLst/>
           </a:prstGeom>
-          <a:ln>
-            <a:noFill/>
-          </a:ln>
         </p:spPr>
       </p:pic>
       <p:pic>
         <p:nvPicPr>
-          <p:cNvPr id="7" name="Imagen 6">
+          <p:cNvPr id="22" name="Imagen 21" descr="Icono&#10;&#10;Descripción generada automáticamente">
             <a:extLst>
               <a:ext uri="{FF2B5EF4-FFF2-40B4-BE49-F238E27FC236}">
-                <a16:creationId xmlns:a16="http://schemas.microsoft.com/office/drawing/2014/main" id="{89768131-6710-EC0F-1FB0-6B965F3ACABF}"/>
+                <a16:creationId xmlns:a16="http://schemas.microsoft.com/office/drawing/2014/main" id="{0FAABA03-2702-AA52-37B5-CC593C5ABF0B}"/>
               </a:ext>
             </a:extLst>
           </p:cNvPr>
-          <p:cNvPicPr/>
+          <p:cNvPicPr>
+            <a:picLocks noChangeAspect="1"/>
+          </p:cNvPicPr>
           <p:nvPr/>
         </p:nvPicPr>
         <p:blipFill>
           <a:blip r:embed="rId4"/>
-          <a:stretch/>
+          <a:stretch>
+            <a:fillRect/>
+          </a:stretch>
         </p:blipFill>
         <p:spPr>
           <a:xfrm>
-            <a:off x="1530480" y="4049597"/>
-            <a:ext cx="864000" cy="864000"/>
+            <a:off x="5895810" y="3712768"/>
+            <a:ext cx="1015317" cy="1015317"/>
           </a:xfrm>
           <a:prstGeom prst="rect">
             <a:avLst/>
           </a:prstGeom>
-          <a:ln>
-            <a:noFill/>
-          </a:ln>
         </p:spPr>
       </p:pic>
       <p:pic>
         <p:nvPicPr>
-          <p:cNvPr id="8" name="Imagen 7">
+          <p:cNvPr id="24" name="Imagen 23" descr="Icono&#10;&#10;Descripción generada automáticamente">
             <a:extLst>
               <a:ext uri="{FF2B5EF4-FFF2-40B4-BE49-F238E27FC236}">
-                <a16:creationId xmlns:a16="http://schemas.microsoft.com/office/drawing/2014/main" id="{6851598F-AB19-5745-2C81-EA6DA4313CCB}"/>
+                <a16:creationId xmlns:a16="http://schemas.microsoft.com/office/drawing/2014/main" id="{F3C8D674-4DF1-49FE-7F69-C6DD2A9DF425}"/>
               </a:ext>
             </a:extLst>
           </p:cNvPr>
-          <p:cNvPicPr/>
+          <p:cNvPicPr>
+            <a:picLocks noChangeAspect="1"/>
+          </p:cNvPicPr>
           <p:nvPr/>
         </p:nvPicPr>
         <p:blipFill>
           <a:blip r:embed="rId5"/>
-          <a:stretch/>
+          <a:stretch>
+            <a:fillRect/>
+          </a:stretch>
         </p:blipFill>
         <p:spPr>
           <a:xfrm>
-            <a:off x="1458480" y="2681597"/>
-            <a:ext cx="1080000" cy="1080000"/>
+            <a:off x="5895810" y="2004889"/>
+            <a:ext cx="1155846" cy="1155846"/>
           </a:xfrm>
           <a:prstGeom prst="rect">
             <a:avLst/>
           </a:prstGeom>
-          <a:ln>
-            <a:noFill/>
-          </a:ln>
         </p:spPr>
       </p:pic>
       <p:pic>
         <p:nvPicPr>
-          <p:cNvPr id="12" name="Imagen 11">
+          <p:cNvPr id="25" name="Imagen 24">
             <a:extLst>
               <a:ext uri="{FF2B5EF4-FFF2-40B4-BE49-F238E27FC236}">
-                <a16:creationId xmlns:a16="http://schemas.microsoft.com/office/drawing/2014/main" id="{8B7F3DC7-209D-77AA-9737-898C96839899}"/>
+                <a16:creationId xmlns:a16="http://schemas.microsoft.com/office/drawing/2014/main" id="{26275025-4CCE-EBCA-C6C9-FDB559865C12}"/>
               </a:ext>
             </a:extLst>
           </p:cNvPr>
@@ -19881,8 +21553,8 @@
         </p:blipFill>
         <p:spPr>
           <a:xfrm>
-            <a:off x="8484670" y="2693325"/>
-            <a:ext cx="1920240" cy="1728000"/>
+            <a:off x="2820011" y="2962038"/>
+            <a:ext cx="1155846" cy="1155846"/>
           </a:xfrm>
           <a:prstGeom prst="rect">
             <a:avLst/>
@@ -19894,10 +21566,10 @@
       </p:pic>
       <p:sp>
         <p:nvSpPr>
-          <p:cNvPr id="13" name="CustomShape 4">
+          <p:cNvPr id="26" name="CustomShape 6">
             <a:extLst>
               <a:ext uri="{FF2B5EF4-FFF2-40B4-BE49-F238E27FC236}">
-                <a16:creationId xmlns:a16="http://schemas.microsoft.com/office/drawing/2014/main" id="{C8998D0D-5403-1139-E1C4-9C8628D47119}"/>
+                <a16:creationId xmlns:a16="http://schemas.microsoft.com/office/drawing/2014/main" id="{CE8E01F5-5B4F-B27F-FDB7-EFCC6F46A254}"/>
               </a:ext>
             </a:extLst>
           </p:cNvPr>
@@ -19905,9 +21577,471 @@
           <p:nvPr/>
         </p:nvSpPr>
         <p:spPr>
-          <a:xfrm rot="4800">
-            <a:off x="2898840" y="3474317"/>
-            <a:ext cx="936000" cy="646200"/>
+          <a:xfrm rot="20556871">
+            <a:off x="4530304" y="2614201"/>
+            <a:ext cx="905153" cy="695673"/>
+          </a:xfrm>
+          <a:custGeom>
+            <a:avLst/>
+            <a:gdLst/>
+            <a:ahLst/>
+            <a:cxnLst/>
+            <a:rect l="0" t="0" r="r" b="b"/>
+            <a:pathLst>
+              <a:path w="1377" h="800">
+                <a:moveTo>
+                  <a:pt x="0" y="243"/>
+                </a:moveTo>
+                <a:lnTo>
+                  <a:pt x="782" y="243"/>
+                </a:lnTo>
+                <a:lnTo>
+                  <a:pt x="782" y="0"/>
+                </a:lnTo>
+                <a:lnTo>
+                  <a:pt x="1376" y="399"/>
+                </a:lnTo>
+                <a:lnTo>
+                  <a:pt x="782" y="799"/>
+                </a:lnTo>
+                <a:lnTo>
+                  <a:pt x="782" y="555"/>
+                </a:lnTo>
+                <a:lnTo>
+                  <a:pt x="0" y="555"/>
+                </a:lnTo>
+                <a:lnTo>
+                  <a:pt x="0" y="243"/>
+                </a:lnTo>
+              </a:path>
+            </a:pathLst>
+          </a:custGeom>
+          <a:solidFill>
+            <a:srgbClr val="3465A4"/>
+          </a:solidFill>
+          <a:ln>
+            <a:solidFill>
+              <a:srgbClr val="3465A4"/>
+            </a:solidFill>
+          </a:ln>
+        </p:spPr>
+        <p:style>
+          <a:lnRef idx="0">
+            <a:scrgbClr r="0" g="0" b="0"/>
+          </a:lnRef>
+          <a:fillRef idx="0">
+            <a:scrgbClr r="0" g="0" b="0"/>
+          </a:fillRef>
+          <a:effectRef idx="0">
+            <a:scrgbClr r="0" g="0" b="0"/>
+          </a:effectRef>
+          <a:fontRef idx="minor"/>
+        </p:style>
+      </p:sp>
+      <p:sp>
+        <p:nvSpPr>
+          <p:cNvPr id="28" name="CustomShape 6">
+            <a:extLst>
+              <a:ext uri="{FF2B5EF4-FFF2-40B4-BE49-F238E27FC236}">
+                <a16:creationId xmlns:a16="http://schemas.microsoft.com/office/drawing/2014/main" id="{C8008B9D-9A75-3DCB-0B1E-4FF939901E72}"/>
+              </a:ext>
+            </a:extLst>
+          </p:cNvPr>
+          <p:cNvSpPr/>
+          <p:nvPr/>
+        </p:nvSpPr>
+        <p:spPr>
+          <a:xfrm rot="923566">
+            <a:off x="4537468" y="3640392"/>
+            <a:ext cx="905153" cy="695673"/>
+          </a:xfrm>
+          <a:custGeom>
+            <a:avLst/>
+            <a:gdLst/>
+            <a:ahLst/>
+            <a:cxnLst/>
+            <a:rect l="0" t="0" r="r" b="b"/>
+            <a:pathLst>
+              <a:path w="1377" h="800">
+                <a:moveTo>
+                  <a:pt x="0" y="243"/>
+                </a:moveTo>
+                <a:lnTo>
+                  <a:pt x="782" y="243"/>
+                </a:lnTo>
+                <a:lnTo>
+                  <a:pt x="782" y="0"/>
+                </a:lnTo>
+                <a:lnTo>
+                  <a:pt x="1376" y="399"/>
+                </a:lnTo>
+                <a:lnTo>
+                  <a:pt x="782" y="799"/>
+                </a:lnTo>
+                <a:lnTo>
+                  <a:pt x="782" y="555"/>
+                </a:lnTo>
+                <a:lnTo>
+                  <a:pt x="0" y="555"/>
+                </a:lnTo>
+                <a:lnTo>
+                  <a:pt x="0" y="243"/>
+                </a:lnTo>
+              </a:path>
+            </a:pathLst>
+          </a:custGeom>
+          <a:solidFill>
+            <a:srgbClr val="3465A4"/>
+          </a:solidFill>
+          <a:ln>
+            <a:solidFill>
+              <a:srgbClr val="3465A4"/>
+            </a:solidFill>
+          </a:ln>
+        </p:spPr>
+        <p:style>
+          <a:lnRef idx="0">
+            <a:scrgbClr r="0" g="0" b="0"/>
+          </a:lnRef>
+          <a:fillRef idx="0">
+            <a:scrgbClr r="0" g="0" b="0"/>
+          </a:fillRef>
+          <a:effectRef idx="0">
+            <a:scrgbClr r="0" g="0" b="0"/>
+          </a:effectRef>
+          <a:fontRef idx="minor"/>
+        </p:style>
+      </p:sp>
+    </p:spTree>
+    <p:extLst>
+      <p:ext uri="{BB962C8B-B14F-4D97-AF65-F5344CB8AC3E}">
+        <p14:creationId xmlns:p14="http://schemas.microsoft.com/office/powerpoint/2010/main" val="3582173401"/>
+      </p:ext>
+    </p:extLst>
+  </p:cSld>
+  <p:clrMapOvr>
+    <a:masterClrMapping/>
+  </p:clrMapOvr>
+</p:sld>
+</file>
+
+<file path=ppt/slides/slide13.xml><?xml version="1.0" encoding="utf-8"?>
+<p:sld xmlns:a="http://schemas.openxmlformats.org/drawingml/2006/main" xmlns:r="http://schemas.openxmlformats.org/officeDocument/2006/relationships" xmlns:p="http://schemas.openxmlformats.org/presentationml/2006/main">
+  <p:cSld>
+    <p:spTree>
+      <p:nvGrpSpPr>
+        <p:cNvPr id="1" name=""/>
+        <p:cNvGrpSpPr/>
+        <p:nvPr/>
+      </p:nvGrpSpPr>
+      <p:grpSpPr>
+        <a:xfrm>
+          <a:off x="0" y="0"/>
+          <a:ext cx="0" cy="0"/>
+          <a:chOff x="0" y="0"/>
+          <a:chExt cx="0" cy="0"/>
+        </a:xfrm>
+      </p:grpSpPr>
+      <p:sp>
+        <p:nvSpPr>
+          <p:cNvPr id="10" name="Marcador de pie de página 9">
+            <a:extLst>
+              <a:ext uri="{FF2B5EF4-FFF2-40B4-BE49-F238E27FC236}">
+                <a16:creationId xmlns:a16="http://schemas.microsoft.com/office/drawing/2014/main" id="{A8C7C3A0-5E78-49C8-B8D4-F3DF62B2BC93}"/>
+              </a:ext>
+            </a:extLst>
+          </p:cNvPr>
+          <p:cNvSpPr>
+            <a:spLocks noGrp="1"/>
+          </p:cNvSpPr>
+          <p:nvPr>
+            <p:ph type="ftr" sz="quarter" idx="11"/>
+          </p:nvPr>
+        </p:nvSpPr>
+        <p:spPr>
+          <a:xfrm>
+            <a:off x="6378692" y="621791"/>
+            <a:ext cx="4114800" cy="365125"/>
+          </a:xfrm>
+        </p:spPr>
+        <p:txBody>
+          <a:bodyPr rtlCol="0"/>
+          <a:lstStyle/>
+          <a:p>
+            <a:pPr rtl="0"/>
+            <a:r>
+              <a:rPr lang="es-ES" dirty="0"/>
+              <a:t>U-pick</a:t>
+            </a:r>
+          </a:p>
+        </p:txBody>
+      </p:sp>
+      <p:sp>
+        <p:nvSpPr>
+          <p:cNvPr id="11" name="Marcador de número de diapositiva 10">
+            <a:extLst>
+              <a:ext uri="{FF2B5EF4-FFF2-40B4-BE49-F238E27FC236}">
+                <a16:creationId xmlns:a16="http://schemas.microsoft.com/office/drawing/2014/main" id="{56AE2454-CE9A-4A6B-AB5A-349E0D967654}"/>
+              </a:ext>
+            </a:extLst>
+          </p:cNvPr>
+          <p:cNvSpPr>
+            <a:spLocks noGrp="1"/>
+          </p:cNvSpPr>
+          <p:nvPr>
+            <p:ph type="sldNum" sz="quarter" idx="12"/>
+          </p:nvPr>
+        </p:nvSpPr>
+        <p:spPr/>
+        <p:txBody>
+          <a:bodyPr rtlCol="0"/>
+          <a:lstStyle/>
+          <a:p>
+            <a:pPr rtl="0"/>
+            <a:fld id="{D8DA9DAA-006C-4F4B-980E-E3DF019B24E2}" type="slidenum">
+              <a:rPr lang="es-ES" smtClean="0"/>
+              <a:pPr rtl="0"/>
+              <a:t>13</a:t>
+            </a:fld>
+            <a:endParaRPr lang="es-ES" dirty="0"/>
+          </a:p>
+        </p:txBody>
+      </p:sp>
+      <p:sp>
+        <p:nvSpPr>
+          <p:cNvPr id="17" name="CuadroTexto 16">
+            <a:extLst>
+              <a:ext uri="{FF2B5EF4-FFF2-40B4-BE49-F238E27FC236}">
+                <a16:creationId xmlns:a16="http://schemas.microsoft.com/office/drawing/2014/main" id="{93E685DB-EC08-52C8-48DB-3824CADE2599}"/>
+              </a:ext>
+            </a:extLst>
+          </p:cNvPr>
+          <p:cNvSpPr txBox="1"/>
+          <p:nvPr/>
+        </p:nvSpPr>
+        <p:spPr>
+          <a:xfrm>
+            <a:off x="635726" y="2044005"/>
+            <a:ext cx="7170179" cy="1384995"/>
+          </a:xfrm>
+          <a:prstGeom prst="rect">
+            <a:avLst/>
+          </a:prstGeom>
+          <a:noFill/>
+        </p:spPr>
+        <p:txBody>
+          <a:bodyPr wrap="square" rtlCol="0">
+            <a:spAutoFit/>
+          </a:bodyPr>
+          <a:lstStyle/>
+          <a:p>
+            <a:r>
+              <a:rPr lang="es-ES" sz="2800" dirty="0"/>
+              <a:t>Sistema de recomendación</a:t>
+            </a:r>
+          </a:p>
+          <a:p>
+            <a:pPr marL="457200" indent="-457200">
+              <a:buFont typeface="Arial" panose="020B0604020202020204" pitchFamily="34" charset="0"/>
+              <a:buChar char="•"/>
+            </a:pPr>
+            <a:endParaRPr lang="es-ES" sz="2800" dirty="0"/>
+          </a:p>
+          <a:p>
+            <a:endParaRPr lang="es-ES" sz="2800" dirty="0"/>
+          </a:p>
+        </p:txBody>
+      </p:sp>
+      <p:sp>
+        <p:nvSpPr>
+          <p:cNvPr id="18" name="Título 2">
+            <a:extLst>
+              <a:ext uri="{FF2B5EF4-FFF2-40B4-BE49-F238E27FC236}">
+                <a16:creationId xmlns:a16="http://schemas.microsoft.com/office/drawing/2014/main" id="{A7CA5D49-46D8-FE6A-65F0-F82ED7F59761}"/>
+              </a:ext>
+            </a:extLst>
+          </p:cNvPr>
+          <p:cNvSpPr txBox="1">
+            <a:spLocks/>
+          </p:cNvSpPr>
+          <p:nvPr/>
+        </p:nvSpPr>
+        <p:spPr>
+          <a:xfrm>
+            <a:off x="635726" y="804353"/>
+            <a:ext cx="10771632" cy="1325563"/>
+          </a:xfrm>
+          <a:prstGeom prst="rect">
+            <a:avLst/>
+          </a:prstGeom>
+        </p:spPr>
+        <p:txBody>
+          <a:bodyPr vert="horz" lIns="91440" tIns="45720" rIns="91440" bIns="45720" rtlCol="0" anchor="ctr">
+            <a:normAutofit/>
+          </a:bodyPr>
+          <a:lstStyle>
+            <a:lvl1pPr algn="l" defTabSz="914400" rtl="0" eaLnBrk="1" latinLnBrk="0" hangingPunct="1">
+              <a:lnSpc>
+                <a:spcPct val="90000"/>
+              </a:lnSpc>
+              <a:spcBef>
+                <a:spcPct val="0"/>
+              </a:spcBef>
+              <a:buNone/>
+              <a:defRPr sz="5400" kern="1200">
+                <a:solidFill>
+                  <a:schemeClr val="tx1"/>
+                </a:solidFill>
+                <a:latin typeface="+mj-lt"/>
+                <a:ea typeface="+mj-ea"/>
+                <a:cs typeface="+mj-cs"/>
+              </a:defRPr>
+            </a:lvl1pPr>
+          </a:lstStyle>
+          <a:p>
+            <a:r>
+              <a:rPr lang="es-ES" b="1" cap="all" dirty="0"/>
+              <a:t>Procesamiento</a:t>
+            </a:r>
+          </a:p>
+        </p:txBody>
+      </p:sp>
+      <p:pic>
+        <p:nvPicPr>
+          <p:cNvPr id="3" name="Imagen 2" descr="Icono&#10;&#10;Descripción generada automáticamente">
+            <a:extLst>
+              <a:ext uri="{FF2B5EF4-FFF2-40B4-BE49-F238E27FC236}">
+                <a16:creationId xmlns:a16="http://schemas.microsoft.com/office/drawing/2014/main" id="{3626FDD5-F1A5-AE25-8012-74751641F919}"/>
+              </a:ext>
+            </a:extLst>
+          </p:cNvPr>
+          <p:cNvPicPr>
+            <a:picLocks noChangeAspect="1"/>
+          </p:cNvPicPr>
+          <p:nvPr/>
+        </p:nvPicPr>
+        <p:blipFill>
+          <a:blip r:embed="rId3"/>
+          <a:stretch>
+            <a:fillRect/>
+          </a:stretch>
+        </p:blipFill>
+        <p:spPr>
+          <a:xfrm>
+            <a:off x="2597568" y="5132491"/>
+            <a:ext cx="1223859" cy="1223859"/>
+          </a:xfrm>
+          <a:prstGeom prst="rect">
+            <a:avLst/>
+          </a:prstGeom>
+        </p:spPr>
+      </p:pic>
+      <p:pic>
+        <p:nvPicPr>
+          <p:cNvPr id="5" name="Imagen 4" descr="Imagen que contiene lego, juguete&#10;&#10;Descripción generada automáticamente">
+            <a:extLst>
+              <a:ext uri="{FF2B5EF4-FFF2-40B4-BE49-F238E27FC236}">
+                <a16:creationId xmlns:a16="http://schemas.microsoft.com/office/drawing/2014/main" id="{F9449C05-B6F2-FC9A-192A-64E86152911F}"/>
+              </a:ext>
+            </a:extLst>
+          </p:cNvPr>
+          <p:cNvPicPr>
+            <a:picLocks noChangeAspect="1"/>
+          </p:cNvPicPr>
+          <p:nvPr/>
+        </p:nvPicPr>
+        <p:blipFill>
+          <a:blip r:embed="rId4"/>
+          <a:stretch>
+            <a:fillRect/>
+          </a:stretch>
+        </p:blipFill>
+        <p:spPr>
+          <a:xfrm>
+            <a:off x="5234884" y="2489960"/>
+            <a:ext cx="1220345" cy="1220345"/>
+          </a:xfrm>
+          <a:prstGeom prst="rect">
+            <a:avLst/>
+          </a:prstGeom>
+        </p:spPr>
+      </p:pic>
+      <p:pic>
+        <p:nvPicPr>
+          <p:cNvPr id="6" name="Imagen 5" descr="Imagen que contiene lego, juguete&#10;&#10;Descripción generada automáticamente">
+            <a:extLst>
+              <a:ext uri="{FF2B5EF4-FFF2-40B4-BE49-F238E27FC236}">
+                <a16:creationId xmlns:a16="http://schemas.microsoft.com/office/drawing/2014/main" id="{D806EAA2-83C8-D4E1-3F84-D3931E44A4C5}"/>
+              </a:ext>
+            </a:extLst>
+          </p:cNvPr>
+          <p:cNvPicPr>
+            <a:picLocks noChangeAspect="1"/>
+          </p:cNvPicPr>
+          <p:nvPr/>
+        </p:nvPicPr>
+        <p:blipFill>
+          <a:blip r:embed="rId4"/>
+          <a:stretch>
+            <a:fillRect/>
+          </a:stretch>
+        </p:blipFill>
+        <p:spPr>
+          <a:xfrm>
+            <a:off x="8436092" y="5155684"/>
+            <a:ext cx="1220345" cy="1220345"/>
+          </a:xfrm>
+          <a:prstGeom prst="rect">
+            <a:avLst/>
+          </a:prstGeom>
+        </p:spPr>
+      </p:pic>
+      <p:pic>
+        <p:nvPicPr>
+          <p:cNvPr id="9" name="Imagen 8" descr="Forma, Flecha&#10;&#10;Descripción generada automáticamente">
+            <a:extLst>
+              <a:ext uri="{FF2B5EF4-FFF2-40B4-BE49-F238E27FC236}">
+                <a16:creationId xmlns:a16="http://schemas.microsoft.com/office/drawing/2014/main" id="{0DF3E9C1-A93F-4786-EC3B-E6789D2339A4}"/>
+              </a:ext>
+            </a:extLst>
+          </p:cNvPr>
+          <p:cNvPicPr>
+            <a:picLocks noChangeAspect="1"/>
+          </p:cNvPicPr>
+          <p:nvPr/>
+        </p:nvPicPr>
+        <p:blipFill>
+          <a:blip r:embed="rId5"/>
+          <a:stretch>
+            <a:fillRect/>
+          </a:stretch>
+        </p:blipFill>
+        <p:spPr>
+          <a:xfrm>
+            <a:off x="5395361" y="5112811"/>
+            <a:ext cx="1263218" cy="1263218"/>
+          </a:xfrm>
+          <a:prstGeom prst="rect">
+            <a:avLst/>
+          </a:prstGeom>
+        </p:spPr>
+      </p:pic>
+      <p:sp>
+        <p:nvSpPr>
+          <p:cNvPr id="12" name="CustomShape 4">
+            <a:extLst>
+              <a:ext uri="{FF2B5EF4-FFF2-40B4-BE49-F238E27FC236}">
+                <a16:creationId xmlns:a16="http://schemas.microsoft.com/office/drawing/2014/main" id="{A0E8E868-3BFF-5978-7FAB-1F8EC2CC78DF}"/>
+              </a:ext>
+            </a:extLst>
+          </p:cNvPr>
+          <p:cNvSpPr/>
+          <p:nvPr/>
+        </p:nvSpPr>
+        <p:spPr>
+          <a:xfrm rot="5400000">
+            <a:off x="5516093" y="4174714"/>
+            <a:ext cx="686124" cy="473689"/>
           </a:xfrm>
           <a:custGeom>
             <a:avLst/>
@@ -19968,10 +22102,10 @@
       </p:sp>
       <p:sp>
         <p:nvSpPr>
-          <p:cNvPr id="14" name="CustomShape 5">
+          <p:cNvPr id="13" name="CustomShape 4">
             <a:extLst>
               <a:ext uri="{FF2B5EF4-FFF2-40B4-BE49-F238E27FC236}">
-                <a16:creationId xmlns:a16="http://schemas.microsoft.com/office/drawing/2014/main" id="{32C39AC6-DF1C-7165-D25D-B31D10E5DC09}"/>
+                <a16:creationId xmlns:a16="http://schemas.microsoft.com/office/drawing/2014/main" id="{0150ADA0-2570-DB30-0818-9CF7C36EB44A}"/>
               </a:ext>
             </a:extLst>
           </p:cNvPr>
@@ -19979,9 +22113,9 @@
           <p:nvPr/>
         </p:nvSpPr>
         <p:spPr>
-          <a:xfrm rot="4800">
-            <a:off x="6860910" y="3532356"/>
-            <a:ext cx="936000" cy="646200"/>
+          <a:xfrm rot="10800000">
+            <a:off x="7292019" y="5744420"/>
+            <a:ext cx="686124" cy="473689"/>
           </a:xfrm>
           <a:custGeom>
             <a:avLst/>
@@ -19990,9 +22124,9 @@
             <a:cxnLst/>
             <a:rect l="0" t="0" r="r" b="b"/>
             <a:pathLst>
-              <a:path w="2602" h="1797">
+              <a:path w="2603" h="1797">
                 <a:moveTo>
-                  <a:pt x="0" y="548"/>
+                  <a:pt x="0" y="547"/>
                 </a:moveTo>
                 <a:lnTo>
                   <a:pt x="1478" y="547"/>
@@ -20001,7 +22135,7 @@
                   <a:pt x="1478" y="0"/>
                 </a:lnTo>
                 <a:lnTo>
-                  <a:pt x="2601" y="898"/>
+                  <a:pt x="2602" y="898"/>
                 </a:lnTo>
                 <a:lnTo>
                   <a:pt x="1479" y="1796"/>
@@ -20010,10 +22144,84 @@
                   <a:pt x="1479" y="1248"/>
                 </a:lnTo>
                 <a:lnTo>
-                  <a:pt x="1" y="1249"/>
+                  <a:pt x="1" y="1248"/>
                 </a:lnTo>
                 <a:lnTo>
-                  <a:pt x="0" y="548"/>
+                  <a:pt x="0" y="547"/>
+                </a:lnTo>
+              </a:path>
+            </a:pathLst>
+          </a:custGeom>
+          <a:solidFill>
+            <a:srgbClr val="3465A4"/>
+          </a:solidFill>
+          <a:ln>
+            <a:solidFill>
+              <a:srgbClr val="3465A4"/>
+            </a:solidFill>
+          </a:ln>
+        </p:spPr>
+        <p:style>
+          <a:lnRef idx="0">
+            <a:scrgbClr r="0" g="0" b="0"/>
+          </a:lnRef>
+          <a:fillRef idx="0">
+            <a:scrgbClr r="0" g="0" b="0"/>
+          </a:fillRef>
+          <a:effectRef idx="0">
+            <a:scrgbClr r="0" g="0" b="0"/>
+          </a:effectRef>
+          <a:fontRef idx="minor"/>
+        </p:style>
+      </p:sp>
+      <p:sp>
+        <p:nvSpPr>
+          <p:cNvPr id="14" name="CustomShape 4">
+            <a:extLst>
+              <a:ext uri="{FF2B5EF4-FFF2-40B4-BE49-F238E27FC236}">
+                <a16:creationId xmlns:a16="http://schemas.microsoft.com/office/drawing/2014/main" id="{0CFED096-3E20-C457-8CD9-FDD09A9D576B}"/>
+              </a:ext>
+            </a:extLst>
+          </p:cNvPr>
+          <p:cNvSpPr/>
+          <p:nvPr/>
+        </p:nvSpPr>
+        <p:spPr>
+          <a:xfrm>
+            <a:off x="4075798" y="5579958"/>
+            <a:ext cx="686124" cy="473689"/>
+          </a:xfrm>
+          <a:custGeom>
+            <a:avLst/>
+            <a:gdLst/>
+            <a:ahLst/>
+            <a:cxnLst/>
+            <a:rect l="0" t="0" r="r" b="b"/>
+            <a:pathLst>
+              <a:path w="2603" h="1797">
+                <a:moveTo>
+                  <a:pt x="0" y="547"/>
+                </a:moveTo>
+                <a:lnTo>
+                  <a:pt x="1478" y="547"/>
+                </a:lnTo>
+                <a:lnTo>
+                  <a:pt x="1478" y="0"/>
+                </a:lnTo>
+                <a:lnTo>
+                  <a:pt x="2602" y="898"/>
+                </a:lnTo>
+                <a:lnTo>
+                  <a:pt x="1479" y="1796"/>
+                </a:lnTo>
+                <a:lnTo>
+                  <a:pt x="1479" y="1248"/>
+                </a:lnTo>
+                <a:lnTo>
+                  <a:pt x="1" y="1248"/>
+                </a:lnTo>
+                <a:lnTo>
+                  <a:pt x="0" y="547"/>
                 </a:lnTo>
               </a:path>
             </a:pathLst>
@@ -20043,652 +22251,7 @@
     </p:spTree>
     <p:extLst>
       <p:ext uri="{BB962C8B-B14F-4D97-AF65-F5344CB8AC3E}">
-        <p14:creationId xmlns:p14="http://schemas.microsoft.com/office/powerpoint/2010/main" val="3052850743"/>
-      </p:ext>
-    </p:extLst>
-  </p:cSld>
-  <p:clrMapOvr>
-    <a:masterClrMapping/>
-  </p:clrMapOvr>
-</p:sld>
-</file>
-
-<file path=ppt/slides/slide11.xml><?xml version="1.0" encoding="utf-8"?>
-<p:sld xmlns:a="http://schemas.openxmlformats.org/drawingml/2006/main" xmlns:r="http://schemas.openxmlformats.org/officeDocument/2006/relationships" xmlns:p="http://schemas.openxmlformats.org/presentationml/2006/main">
-  <p:cSld>
-    <p:spTree>
-      <p:nvGrpSpPr>
-        <p:cNvPr id="1" name=""/>
-        <p:cNvGrpSpPr/>
-        <p:nvPr/>
-      </p:nvGrpSpPr>
-      <p:grpSpPr>
-        <a:xfrm>
-          <a:off x="0" y="0"/>
-          <a:ext cx="0" cy="0"/>
-          <a:chOff x="0" y="0"/>
-          <a:chExt cx="0" cy="0"/>
-        </a:xfrm>
-      </p:grpSpPr>
-      <p:sp>
-        <p:nvSpPr>
-          <p:cNvPr id="3" name="Título 2">
-            <a:extLst>
-              <a:ext uri="{FF2B5EF4-FFF2-40B4-BE49-F238E27FC236}">
-                <a16:creationId xmlns:a16="http://schemas.microsoft.com/office/drawing/2014/main" id="{0115FF41-AFA4-4D25-AB42-AB034F4B4FEC}"/>
-              </a:ext>
-            </a:extLst>
-          </p:cNvPr>
-          <p:cNvSpPr>
-            <a:spLocks noGrp="1"/>
-          </p:cNvSpPr>
-          <p:nvPr>
-            <p:ph type="title"/>
-          </p:nvPr>
-        </p:nvSpPr>
-        <p:spPr>
-          <a:xfrm>
-            <a:off x="576072" y="361028"/>
-            <a:ext cx="10771632" cy="1325563"/>
-          </a:xfrm>
-        </p:spPr>
-        <p:txBody>
-          <a:bodyPr vert="horz" lIns="91440" tIns="45720" rIns="91440" bIns="45720" rtlCol="0" anchor="ctr">
-            <a:normAutofit/>
-          </a:bodyPr>
-          <a:lstStyle/>
-          <a:p>
-            <a:r>
-              <a:rPr lang="es-ES" b="1" kern="1200" cap="all" baseline="0" dirty="0">
-                <a:latin typeface="+mj-lt"/>
-                <a:ea typeface="+mj-ea"/>
-                <a:cs typeface="+mj-cs"/>
-              </a:rPr>
-              <a:t>Procesamiento</a:t>
-            </a:r>
-          </a:p>
-        </p:txBody>
-      </p:sp>
-      <p:sp>
-        <p:nvSpPr>
-          <p:cNvPr id="10" name="Marcador de pie de página 9">
-            <a:extLst>
-              <a:ext uri="{FF2B5EF4-FFF2-40B4-BE49-F238E27FC236}">
-                <a16:creationId xmlns:a16="http://schemas.microsoft.com/office/drawing/2014/main" id="{A8C7C3A0-5E78-49C8-B8D4-F3DF62B2BC93}"/>
-              </a:ext>
-            </a:extLst>
-          </p:cNvPr>
-          <p:cNvSpPr>
-            <a:spLocks noGrp="1"/>
-          </p:cNvSpPr>
-          <p:nvPr>
-            <p:ph type="ftr" sz="quarter" idx="11"/>
-          </p:nvPr>
-        </p:nvSpPr>
-        <p:spPr>
-          <a:xfrm>
-            <a:off x="8770138" y="393175"/>
-            <a:ext cx="3630168" cy="365125"/>
-          </a:xfrm>
-        </p:spPr>
-        <p:txBody>
-          <a:bodyPr vert="horz" lIns="91440" tIns="45720" rIns="91440" bIns="45720" rtlCol="0" anchor="ctr">
-            <a:normAutofit/>
-          </a:bodyPr>
-          <a:lstStyle/>
-          <a:p>
-            <a:pPr>
-              <a:spcAft>
-                <a:spcPts val="600"/>
-              </a:spcAft>
-            </a:pPr>
-            <a:r>
-              <a:rPr lang="es-ES" b="1" i="0" kern="1200" cap="all" spc="100" baseline="0">
-                <a:latin typeface="+mn-lt"/>
-                <a:ea typeface="+mn-ea"/>
-                <a:cs typeface="+mn-cs"/>
-              </a:rPr>
-              <a:t>U-pick</a:t>
-            </a:r>
-          </a:p>
-        </p:txBody>
-      </p:sp>
-      <p:sp>
-        <p:nvSpPr>
-          <p:cNvPr id="11" name="Marcador de número de diapositiva 10">
-            <a:extLst>
-              <a:ext uri="{FF2B5EF4-FFF2-40B4-BE49-F238E27FC236}">
-                <a16:creationId xmlns:a16="http://schemas.microsoft.com/office/drawing/2014/main" id="{56AE2454-CE9A-4A6B-AB5A-349E0D967654}"/>
-              </a:ext>
-            </a:extLst>
-          </p:cNvPr>
-          <p:cNvSpPr>
-            <a:spLocks noGrp="1"/>
-          </p:cNvSpPr>
-          <p:nvPr>
-            <p:ph type="sldNum" sz="quarter" idx="12"/>
-          </p:nvPr>
-        </p:nvSpPr>
-        <p:spPr>
-          <a:xfrm>
-            <a:off x="8610600" y="6356350"/>
-            <a:ext cx="2743200" cy="365125"/>
-          </a:xfrm>
-        </p:spPr>
-        <p:txBody>
-          <a:bodyPr vert="horz" lIns="91440" tIns="45720" rIns="91440" bIns="45720" rtlCol="0" anchor="ctr">
-            <a:normAutofit/>
-          </a:bodyPr>
-          <a:lstStyle/>
-          <a:p>
-            <a:pPr>
-              <a:spcAft>
-                <a:spcPts val="600"/>
-              </a:spcAft>
-            </a:pPr>
-            <a:fld id="{D8DA9DAA-006C-4F4B-980E-E3DF019B24E2}" type="slidenum">
-              <a:rPr lang="es-ES" smtClean="0"/>
-              <a:pPr>
-                <a:spcAft>
-                  <a:spcPts val="600"/>
-                </a:spcAft>
-              </a:pPr>
-              <a:t>11</a:t>
-            </a:fld>
-            <a:endParaRPr lang="es-ES"/>
-          </a:p>
-        </p:txBody>
-      </p:sp>
-      <p:sp>
-        <p:nvSpPr>
-          <p:cNvPr id="5" name="CuadroTexto 4">
-            <a:extLst>
-              <a:ext uri="{FF2B5EF4-FFF2-40B4-BE49-F238E27FC236}">
-                <a16:creationId xmlns:a16="http://schemas.microsoft.com/office/drawing/2014/main" id="{D95601D6-BD7A-BB77-67D1-EF9AFDAA2456}"/>
-              </a:ext>
-            </a:extLst>
-          </p:cNvPr>
-          <p:cNvSpPr txBox="1"/>
-          <p:nvPr/>
-        </p:nvSpPr>
-        <p:spPr>
-          <a:xfrm>
-            <a:off x="658367" y="1809609"/>
-            <a:ext cx="7170179" cy="2246769"/>
-          </a:xfrm>
-          <a:prstGeom prst="rect">
-            <a:avLst/>
-          </a:prstGeom>
-          <a:noFill/>
-        </p:spPr>
-        <p:txBody>
-          <a:bodyPr wrap="square" rtlCol="0">
-            <a:spAutoFit/>
-          </a:bodyPr>
-          <a:lstStyle/>
-          <a:p>
-            <a:pPr marL="457200" indent="-457200">
-              <a:buFont typeface="Arial" panose="020B0604020202020204" pitchFamily="34" charset="0"/>
-              <a:buChar char="•"/>
-            </a:pPr>
-            <a:r>
-              <a:rPr lang="es-ES" sz="2800" dirty="0">
-                <a:solidFill>
-                  <a:schemeClr val="bg1"/>
-                </a:solidFill>
-              </a:rPr>
-              <a:t>Análisis de sentimientos</a:t>
-            </a:r>
-          </a:p>
-          <a:p>
-            <a:pPr marL="457200" indent="-457200">
-              <a:buFont typeface="Arial" panose="020B0604020202020204" pitchFamily="34" charset="0"/>
-              <a:buChar char="•"/>
-            </a:pPr>
-            <a:endParaRPr lang="es-ES" sz="2800" dirty="0">
-              <a:solidFill>
-                <a:schemeClr val="bg1"/>
-              </a:solidFill>
-            </a:endParaRPr>
-          </a:p>
-          <a:p>
-            <a:pPr marL="457200" indent="-457200">
-              <a:buFont typeface="Arial" panose="020B0604020202020204" pitchFamily="34" charset="0"/>
-              <a:buChar char="•"/>
-            </a:pPr>
-            <a:r>
-              <a:rPr lang="es-ES" sz="2800" dirty="0">
-                <a:solidFill>
-                  <a:schemeClr val="bg1"/>
-                </a:solidFill>
-              </a:rPr>
-              <a:t>Sistema de recomendación</a:t>
-            </a:r>
-          </a:p>
-          <a:p>
-            <a:pPr marL="457200" indent="-457200">
-              <a:buFont typeface="Arial" panose="020B0604020202020204" pitchFamily="34" charset="0"/>
-              <a:buChar char="•"/>
-            </a:pPr>
-            <a:endParaRPr lang="es-ES" sz="2800" dirty="0">
-              <a:solidFill>
-                <a:schemeClr val="bg1"/>
-              </a:solidFill>
-            </a:endParaRPr>
-          </a:p>
-          <a:p>
-            <a:pPr marL="457200" indent="-457200">
-              <a:buFont typeface="Arial" panose="020B0604020202020204" pitchFamily="34" charset="0"/>
-              <a:buChar char="•"/>
-            </a:pPr>
-            <a:r>
-              <a:rPr lang="es-ES" sz="2800" dirty="0">
-                <a:solidFill>
-                  <a:schemeClr val="bg1"/>
-                </a:solidFill>
-              </a:rPr>
-              <a:t>Predicción de nota de corte</a:t>
-            </a:r>
-          </a:p>
-        </p:txBody>
-      </p:sp>
-    </p:spTree>
-    <p:extLst>
-      <p:ext uri="{BB962C8B-B14F-4D97-AF65-F5344CB8AC3E}">
-        <p14:creationId xmlns:p14="http://schemas.microsoft.com/office/powerpoint/2010/main" val="3083373529"/>
-      </p:ext>
-    </p:extLst>
-  </p:cSld>
-  <p:clrMapOvr>
-    <a:masterClrMapping/>
-  </p:clrMapOvr>
-</p:sld>
-</file>
-
-<file path=ppt/slides/slide12.xml><?xml version="1.0" encoding="utf-8"?>
-<p:sld xmlns:a="http://schemas.openxmlformats.org/drawingml/2006/main" xmlns:r="http://schemas.openxmlformats.org/officeDocument/2006/relationships" xmlns:p="http://schemas.openxmlformats.org/presentationml/2006/main">
-  <p:cSld>
-    <p:spTree>
-      <p:nvGrpSpPr>
-        <p:cNvPr id="1" name=""/>
-        <p:cNvGrpSpPr/>
-        <p:nvPr/>
-      </p:nvGrpSpPr>
-      <p:grpSpPr>
-        <a:xfrm>
-          <a:off x="0" y="0"/>
-          <a:ext cx="0" cy="0"/>
-          <a:chOff x="0" y="0"/>
-          <a:chExt cx="0" cy="0"/>
-        </a:xfrm>
-      </p:grpSpPr>
-      <p:sp>
-        <p:nvSpPr>
-          <p:cNvPr id="3" name="Título 2">
-            <a:extLst>
-              <a:ext uri="{FF2B5EF4-FFF2-40B4-BE49-F238E27FC236}">
-                <a16:creationId xmlns:a16="http://schemas.microsoft.com/office/drawing/2014/main" id="{0115FF41-AFA4-4D25-AB42-AB034F4B4FEC}"/>
-              </a:ext>
-            </a:extLst>
-          </p:cNvPr>
-          <p:cNvSpPr>
-            <a:spLocks noGrp="1"/>
-          </p:cNvSpPr>
-          <p:nvPr>
-            <p:ph type="title"/>
-          </p:nvPr>
-        </p:nvSpPr>
-        <p:spPr>
-          <a:xfrm>
-            <a:off x="576072" y="361028"/>
-            <a:ext cx="10771632" cy="1325563"/>
-          </a:xfrm>
-        </p:spPr>
-        <p:txBody>
-          <a:bodyPr vert="horz" lIns="91440" tIns="45720" rIns="91440" bIns="45720" rtlCol="0" anchor="ctr">
-            <a:normAutofit/>
-          </a:bodyPr>
-          <a:lstStyle/>
-          <a:p>
-            <a:r>
-              <a:rPr lang="es-ES" b="1" kern="1200" cap="all" baseline="0" dirty="0">
-                <a:latin typeface="+mj-lt"/>
-                <a:ea typeface="+mj-ea"/>
-                <a:cs typeface="+mj-cs"/>
-              </a:rPr>
-              <a:t>Visualización</a:t>
-            </a:r>
-          </a:p>
-        </p:txBody>
-      </p:sp>
-      <p:sp>
-        <p:nvSpPr>
-          <p:cNvPr id="10" name="Marcador de pie de página 9">
-            <a:extLst>
-              <a:ext uri="{FF2B5EF4-FFF2-40B4-BE49-F238E27FC236}">
-                <a16:creationId xmlns:a16="http://schemas.microsoft.com/office/drawing/2014/main" id="{A8C7C3A0-5E78-49C8-B8D4-F3DF62B2BC93}"/>
-              </a:ext>
-            </a:extLst>
-          </p:cNvPr>
-          <p:cNvSpPr>
-            <a:spLocks noGrp="1"/>
-          </p:cNvSpPr>
-          <p:nvPr>
-            <p:ph type="ftr" sz="quarter" idx="11"/>
-          </p:nvPr>
-        </p:nvSpPr>
-        <p:spPr>
-          <a:xfrm>
-            <a:off x="8770138" y="393175"/>
-            <a:ext cx="3630168" cy="365125"/>
-          </a:xfrm>
-        </p:spPr>
-        <p:txBody>
-          <a:bodyPr vert="horz" lIns="91440" tIns="45720" rIns="91440" bIns="45720" rtlCol="0" anchor="ctr">
-            <a:normAutofit/>
-          </a:bodyPr>
-          <a:lstStyle/>
-          <a:p>
-            <a:pPr>
-              <a:spcAft>
-                <a:spcPts val="600"/>
-              </a:spcAft>
-            </a:pPr>
-            <a:r>
-              <a:rPr lang="es-ES" b="1" i="0" kern="1200" cap="all" spc="100" baseline="0">
-                <a:latin typeface="+mn-lt"/>
-                <a:ea typeface="+mn-ea"/>
-                <a:cs typeface="+mn-cs"/>
-              </a:rPr>
-              <a:t>U-pick</a:t>
-            </a:r>
-          </a:p>
-        </p:txBody>
-      </p:sp>
-      <p:sp>
-        <p:nvSpPr>
-          <p:cNvPr id="11" name="Marcador de número de diapositiva 10">
-            <a:extLst>
-              <a:ext uri="{FF2B5EF4-FFF2-40B4-BE49-F238E27FC236}">
-                <a16:creationId xmlns:a16="http://schemas.microsoft.com/office/drawing/2014/main" id="{56AE2454-CE9A-4A6B-AB5A-349E0D967654}"/>
-              </a:ext>
-            </a:extLst>
-          </p:cNvPr>
-          <p:cNvSpPr>
-            <a:spLocks noGrp="1"/>
-          </p:cNvSpPr>
-          <p:nvPr>
-            <p:ph type="sldNum" sz="quarter" idx="12"/>
-          </p:nvPr>
-        </p:nvSpPr>
-        <p:spPr>
-          <a:xfrm>
-            <a:off x="8610600" y="6356350"/>
-            <a:ext cx="2743200" cy="365125"/>
-          </a:xfrm>
-        </p:spPr>
-        <p:txBody>
-          <a:bodyPr vert="horz" lIns="91440" tIns="45720" rIns="91440" bIns="45720" rtlCol="0" anchor="ctr">
-            <a:normAutofit/>
-          </a:bodyPr>
-          <a:lstStyle/>
-          <a:p>
-            <a:pPr>
-              <a:spcAft>
-                <a:spcPts val="600"/>
-              </a:spcAft>
-            </a:pPr>
-            <a:fld id="{D8DA9DAA-006C-4F4B-980E-E3DF019B24E2}" type="slidenum">
-              <a:rPr lang="es-ES" smtClean="0"/>
-              <a:pPr>
-                <a:spcAft>
-                  <a:spcPts val="600"/>
-                </a:spcAft>
-              </a:pPr>
-              <a:t>12</a:t>
-            </a:fld>
-            <a:endParaRPr lang="es-ES"/>
-          </a:p>
-        </p:txBody>
-      </p:sp>
-      <p:sp>
-        <p:nvSpPr>
-          <p:cNvPr id="5" name="CuadroTexto 4">
-            <a:extLst>
-              <a:ext uri="{FF2B5EF4-FFF2-40B4-BE49-F238E27FC236}">
-                <a16:creationId xmlns:a16="http://schemas.microsoft.com/office/drawing/2014/main" id="{D95601D6-BD7A-BB77-67D1-EF9AFDAA2456}"/>
-              </a:ext>
-            </a:extLst>
-          </p:cNvPr>
-          <p:cNvSpPr txBox="1"/>
-          <p:nvPr/>
-        </p:nvSpPr>
-        <p:spPr>
-          <a:xfrm>
-            <a:off x="1526115" y="1930907"/>
-            <a:ext cx="4652210" cy="954107"/>
-          </a:xfrm>
-          <a:prstGeom prst="rect">
-            <a:avLst/>
-          </a:prstGeom>
-          <a:noFill/>
-        </p:spPr>
-        <p:txBody>
-          <a:bodyPr wrap="square" rtlCol="0">
-            <a:spAutoFit/>
-          </a:bodyPr>
-          <a:lstStyle/>
-          <a:p>
-            <a:pPr marL="457200" indent="-457200">
-              <a:buFont typeface="Arial" panose="020B0604020202020204" pitchFamily="34" charset="0"/>
-              <a:buChar char="•"/>
-            </a:pPr>
-            <a:r>
-              <a:rPr lang="es-ES" sz="2800" dirty="0">
-                <a:solidFill>
-                  <a:schemeClr val="bg1"/>
-                </a:solidFill>
-              </a:rPr>
-              <a:t>Herramientas</a:t>
-            </a:r>
-          </a:p>
-          <a:p>
-            <a:pPr marL="457200" indent="-457200">
-              <a:buFont typeface="Arial" panose="020B0604020202020204" pitchFamily="34" charset="0"/>
-              <a:buChar char="•"/>
-            </a:pPr>
-            <a:r>
-              <a:rPr lang="es-ES" sz="2800" dirty="0">
-                <a:solidFill>
-                  <a:schemeClr val="bg1"/>
-                </a:solidFill>
-              </a:rPr>
-              <a:t>Python  </a:t>
-            </a:r>
-            <a:r>
-              <a:rPr lang="es-ES" sz="2800" dirty="0" err="1">
-                <a:solidFill>
-                  <a:schemeClr val="bg1"/>
-                </a:solidFill>
-              </a:rPr>
-              <a:t>matplotlib</a:t>
-            </a:r>
-            <a:endParaRPr lang="es-ES" sz="2800" dirty="0">
-              <a:solidFill>
-                <a:schemeClr val="bg1"/>
-              </a:solidFill>
-            </a:endParaRPr>
-          </a:p>
-        </p:txBody>
-      </p:sp>
-    </p:spTree>
-    <p:extLst>
-      <p:ext uri="{BB962C8B-B14F-4D97-AF65-F5344CB8AC3E}">
-        <p14:creationId xmlns:p14="http://schemas.microsoft.com/office/powerpoint/2010/main" val="811357671"/>
-      </p:ext>
-    </p:extLst>
-  </p:cSld>
-  <p:clrMapOvr>
-    <a:masterClrMapping/>
-  </p:clrMapOvr>
-</p:sld>
-</file>
-
-<file path=ppt/slides/slide13.xml><?xml version="1.0" encoding="utf-8"?>
-<p:sld xmlns:a="http://schemas.openxmlformats.org/drawingml/2006/main" xmlns:r="http://schemas.openxmlformats.org/officeDocument/2006/relationships" xmlns:p="http://schemas.openxmlformats.org/presentationml/2006/main">
-  <p:cSld>
-    <p:spTree>
-      <p:nvGrpSpPr>
-        <p:cNvPr id="1" name=""/>
-        <p:cNvGrpSpPr/>
-        <p:nvPr/>
-      </p:nvGrpSpPr>
-      <p:grpSpPr>
-        <a:xfrm>
-          <a:off x="0" y="0"/>
-          <a:ext cx="0" cy="0"/>
-          <a:chOff x="0" y="0"/>
-          <a:chExt cx="0" cy="0"/>
-        </a:xfrm>
-      </p:grpSpPr>
-      <p:sp>
-        <p:nvSpPr>
-          <p:cNvPr id="4" name="Título 3">
-            <a:extLst>
-              <a:ext uri="{FF2B5EF4-FFF2-40B4-BE49-F238E27FC236}">
-                <a16:creationId xmlns:a16="http://schemas.microsoft.com/office/drawing/2014/main" id="{55E27C7C-4B68-4BBC-BF36-8959D8493E4A}"/>
-              </a:ext>
-            </a:extLst>
-          </p:cNvPr>
-          <p:cNvSpPr>
-            <a:spLocks noGrp="1"/>
-          </p:cNvSpPr>
-          <p:nvPr>
-            <p:ph type="title"/>
-          </p:nvPr>
-        </p:nvSpPr>
-        <p:spPr/>
-        <p:txBody>
-          <a:bodyPr rtlCol="0">
-            <a:normAutofit/>
-          </a:bodyPr>
-          <a:lstStyle/>
-          <a:p>
-            <a:pPr rtl="0"/>
-            <a:r>
-              <a:rPr lang="es-ES" sz="5400" dirty="0"/>
-              <a:t>Gráficos</a:t>
-            </a:r>
-          </a:p>
-        </p:txBody>
-      </p:sp>
-      <p:sp>
-        <p:nvSpPr>
-          <p:cNvPr id="9" name="Marcador de número de diapositiva 5">
-            <a:extLst>
-              <a:ext uri="{FF2B5EF4-FFF2-40B4-BE49-F238E27FC236}">
-                <a16:creationId xmlns:a16="http://schemas.microsoft.com/office/drawing/2014/main" id="{4FC290B8-BF94-4636-BFAB-9FD67F4AAC6D}"/>
-              </a:ext>
-            </a:extLst>
-          </p:cNvPr>
-          <p:cNvSpPr>
-            <a:spLocks noGrp="1"/>
-          </p:cNvSpPr>
-          <p:nvPr>
-            <p:ph type="sldNum" sz="quarter" idx="12"/>
-          </p:nvPr>
-        </p:nvSpPr>
-        <p:spPr>
-          <a:xfrm>
-            <a:off x="8610600" y="6356350"/>
-            <a:ext cx="2743200" cy="365125"/>
-          </a:xfrm>
-        </p:spPr>
-        <p:txBody>
-          <a:bodyPr rtlCol="0"/>
-          <a:lstStyle/>
-          <a:p>
-            <a:pPr rtl="0"/>
-            <a:fld id="{D8DA9DAA-006C-4F4B-980E-E3DF019B24E2}" type="slidenum">
-              <a:rPr lang="es-ES" b="1" cap="all" spc="100" smtClean="0">
-                <a:solidFill>
-                  <a:schemeClr val="accent2"/>
-                </a:solidFill>
-              </a:rPr>
-              <a:t>13</a:t>
-            </a:fld>
-            <a:endParaRPr lang="es-ES" b="1" cap="all" spc="100" dirty="0">
-              <a:solidFill>
-                <a:schemeClr val="accent2"/>
-              </a:solidFill>
-            </a:endParaRPr>
-          </a:p>
-        </p:txBody>
-      </p:sp>
-      <p:pic>
-        <p:nvPicPr>
-          <p:cNvPr id="2" name="Imagen 1" descr="Gráfico&#10;&#10;Descripción generada automáticamente">
-            <a:extLst>
-              <a:ext uri="{FF2B5EF4-FFF2-40B4-BE49-F238E27FC236}">
-                <a16:creationId xmlns:a16="http://schemas.microsoft.com/office/drawing/2014/main" id="{A9643E03-4A4B-8451-7CC9-94CE2D332922}"/>
-              </a:ext>
-            </a:extLst>
-          </p:cNvPr>
-          <p:cNvPicPr>
-            <a:picLocks noChangeAspect="1"/>
-          </p:cNvPicPr>
-          <p:nvPr/>
-        </p:nvPicPr>
-        <p:blipFill>
-          <a:blip r:embed="rId3"/>
-          <a:stretch>
-            <a:fillRect/>
-          </a:stretch>
-        </p:blipFill>
-        <p:spPr>
-          <a:xfrm>
-            <a:off x="6673047" y="1769268"/>
-            <a:ext cx="5147478" cy="4958050"/>
-          </a:xfrm>
-          <a:prstGeom prst="rect">
-            <a:avLst/>
-          </a:prstGeom>
-        </p:spPr>
-      </p:pic>
-      <p:pic>
-        <p:nvPicPr>
-          <p:cNvPr id="3" name="Imagen 2" descr="Imagen que contiene Forma&#10;&#10;Descripción generada automáticamente">
-            <a:extLst>
-              <a:ext uri="{FF2B5EF4-FFF2-40B4-BE49-F238E27FC236}">
-                <a16:creationId xmlns:a16="http://schemas.microsoft.com/office/drawing/2014/main" id="{C2B8440D-EED0-6F45-5565-52304C9D2516}"/>
-              </a:ext>
-            </a:extLst>
-          </p:cNvPr>
-          <p:cNvPicPr>
-            <a:picLocks noChangeAspect="1"/>
-          </p:cNvPicPr>
-          <p:nvPr/>
-        </p:nvPicPr>
-        <p:blipFill>
-          <a:blip r:embed="rId4"/>
-          <a:stretch>
-            <a:fillRect/>
-          </a:stretch>
-        </p:blipFill>
-        <p:spPr>
-          <a:xfrm>
-            <a:off x="838200" y="1769268"/>
-            <a:ext cx="5337935" cy="4508501"/>
-          </a:xfrm>
-          <a:prstGeom prst="rect">
-            <a:avLst/>
-          </a:prstGeom>
-        </p:spPr>
-      </p:pic>
-    </p:spTree>
-    <p:extLst>
-      <p:ext uri="{BB962C8B-B14F-4D97-AF65-F5344CB8AC3E}">
-        <p14:creationId xmlns:p14="http://schemas.microsoft.com/office/powerpoint/2010/main" val="783914445"/>
+        <p14:creationId xmlns:p14="http://schemas.microsoft.com/office/powerpoint/2010/main" val="3870912265"/>
       </p:ext>
     </p:extLst>
   </p:cSld>
@@ -20717,10 +22280,10 @@
       </p:grpSpPr>
       <p:sp>
         <p:nvSpPr>
-          <p:cNvPr id="4" name="Título 3">
+          <p:cNvPr id="10" name="Marcador de pie de página 9">
             <a:extLst>
               <a:ext uri="{FF2B5EF4-FFF2-40B4-BE49-F238E27FC236}">
-                <a16:creationId xmlns:a16="http://schemas.microsoft.com/office/drawing/2014/main" id="{55E27C7C-4B68-4BBC-BF36-8959D8493E4A}"/>
+                <a16:creationId xmlns:a16="http://schemas.microsoft.com/office/drawing/2014/main" id="{A8C7C3A0-5E78-49C8-B8D4-F3DF62B2BC93}"/>
               </a:ext>
             </a:extLst>
           </p:cNvPr>
@@ -20728,30 +22291,33 @@
             <a:spLocks noGrp="1"/>
           </p:cNvSpPr>
           <p:nvPr>
-            <p:ph type="title"/>
+            <p:ph type="ftr" sz="quarter" idx="11"/>
           </p:nvPr>
         </p:nvSpPr>
-        <p:spPr/>
+        <p:spPr>
+          <a:xfrm>
+            <a:off x="6378692" y="621791"/>
+            <a:ext cx="4114800" cy="365125"/>
+          </a:xfrm>
+        </p:spPr>
         <p:txBody>
-          <a:bodyPr rtlCol="0">
-            <a:normAutofit/>
-          </a:bodyPr>
+          <a:bodyPr rtlCol="0"/>
           <a:lstStyle/>
           <a:p>
             <a:pPr rtl="0"/>
             <a:r>
-              <a:rPr lang="es-ES" sz="5400" dirty="0"/>
-              <a:t>Gráficos</a:t>
+              <a:rPr lang="es-ES" dirty="0"/>
+              <a:t>U-pick</a:t>
             </a:r>
           </a:p>
         </p:txBody>
       </p:sp>
       <p:sp>
         <p:nvSpPr>
-          <p:cNvPr id="9" name="Marcador de número de diapositiva 5">
+          <p:cNvPr id="11" name="Marcador de número de diapositiva 10">
             <a:extLst>
               <a:ext uri="{FF2B5EF4-FFF2-40B4-BE49-F238E27FC236}">
-                <a16:creationId xmlns:a16="http://schemas.microsoft.com/office/drawing/2014/main" id="{4FC290B8-BF94-4636-BFAB-9FD67F4AAC6D}"/>
+                <a16:creationId xmlns:a16="http://schemas.microsoft.com/office/drawing/2014/main" id="{56AE2454-CE9A-4A6B-AB5A-349E0D967654}"/>
               </a:ext>
             </a:extLst>
           </p:cNvPr>
@@ -20762,97 +22328,305 @@
             <p:ph type="sldNum" sz="quarter" idx="12"/>
           </p:nvPr>
         </p:nvSpPr>
-        <p:spPr>
-          <a:xfrm>
-            <a:off x="8610600" y="6356350"/>
-            <a:ext cx="2743200" cy="365125"/>
-          </a:xfrm>
-        </p:spPr>
+        <p:spPr/>
         <p:txBody>
           <a:bodyPr rtlCol="0"/>
           <a:lstStyle/>
           <a:p>
             <a:pPr rtl="0"/>
             <a:fld id="{D8DA9DAA-006C-4F4B-980E-E3DF019B24E2}" type="slidenum">
-              <a:rPr lang="es-ES" b="1" cap="all" spc="100" smtClean="0">
-                <a:solidFill>
-                  <a:schemeClr val="accent2"/>
-                </a:solidFill>
-              </a:rPr>
+              <a:rPr lang="es-ES" smtClean="0"/>
+              <a:pPr rtl="0"/>
               <a:t>14</a:t>
             </a:fld>
-            <a:endParaRPr lang="es-ES" b="1" cap="all" spc="100" dirty="0">
-              <a:solidFill>
-                <a:schemeClr val="accent2"/>
-              </a:solidFill>
-            </a:endParaRPr>
+            <a:endParaRPr lang="es-ES" dirty="0"/>
           </a:p>
         </p:txBody>
       </p:sp>
-      <p:pic>
-        <p:nvPicPr>
-          <p:cNvPr id="6" name="Imagen 5" descr="Gráfico, Gráfico de barras&#10;&#10;Descripción generada automáticamente">
+      <p:sp>
+        <p:nvSpPr>
+          <p:cNvPr id="17" name="CuadroTexto 16">
             <a:extLst>
               <a:ext uri="{FF2B5EF4-FFF2-40B4-BE49-F238E27FC236}">
-                <a16:creationId xmlns:a16="http://schemas.microsoft.com/office/drawing/2014/main" id="{ACBE42D8-ADF9-8491-144A-9D1359C0F39D}"/>
+                <a16:creationId xmlns:a16="http://schemas.microsoft.com/office/drawing/2014/main" id="{93E685DB-EC08-52C8-48DB-3824CADE2599}"/>
               </a:ext>
             </a:extLst>
           </p:cNvPr>
-          <p:cNvPicPr>
-            <a:picLocks noChangeAspect="1"/>
-          </p:cNvPicPr>
+          <p:cNvSpPr txBox="1"/>
           <p:nvPr/>
-        </p:nvPicPr>
-        <p:blipFill>
-          <a:blip r:embed="rId3"/>
-          <a:stretch>
-            <a:fillRect/>
-          </a:stretch>
-        </p:blipFill>
+        </p:nvSpPr>
         <p:spPr>
           <a:xfrm>
-            <a:off x="970345" y="1473200"/>
-            <a:ext cx="5051179" cy="3311525"/>
+            <a:off x="635726" y="1715137"/>
+            <a:ext cx="7170179" cy="1384995"/>
+          </a:xfrm>
+          <a:prstGeom prst="rect">
+            <a:avLst/>
+          </a:prstGeom>
+          <a:noFill/>
+        </p:spPr>
+        <p:txBody>
+          <a:bodyPr wrap="square" rtlCol="0">
+            <a:spAutoFit/>
+          </a:bodyPr>
+          <a:lstStyle/>
+          <a:p>
+            <a:endParaRPr lang="es-ES" sz="2800" dirty="0"/>
+          </a:p>
+          <a:p>
+            <a:r>
+              <a:rPr lang="es-ES" sz="2800" dirty="0"/>
+              <a:t>Predicción de nota de corte</a:t>
+            </a:r>
+          </a:p>
+          <a:p>
+            <a:pPr marL="457200" indent="-457200">
+              <a:buFont typeface="Arial" panose="020B0604020202020204" pitchFamily="34" charset="0"/>
+              <a:buChar char="•"/>
+            </a:pPr>
+            <a:endParaRPr lang="es-ES" sz="2800" dirty="0"/>
+          </a:p>
+        </p:txBody>
+      </p:sp>
+      <p:sp>
+        <p:nvSpPr>
+          <p:cNvPr id="18" name="Título 2">
+            <a:extLst>
+              <a:ext uri="{FF2B5EF4-FFF2-40B4-BE49-F238E27FC236}">
+                <a16:creationId xmlns:a16="http://schemas.microsoft.com/office/drawing/2014/main" id="{A7CA5D49-46D8-FE6A-65F0-F82ED7F59761}"/>
+              </a:ext>
+            </a:extLst>
+          </p:cNvPr>
+          <p:cNvSpPr txBox="1">
+            <a:spLocks/>
+          </p:cNvSpPr>
+          <p:nvPr/>
+        </p:nvSpPr>
+        <p:spPr>
+          <a:xfrm>
+            <a:off x="635726" y="804353"/>
+            <a:ext cx="10771632" cy="1325563"/>
           </a:xfrm>
           <a:prstGeom prst="rect">
             <a:avLst/>
           </a:prstGeom>
         </p:spPr>
-      </p:pic>
-      <p:pic>
-        <p:nvPicPr>
-          <p:cNvPr id="11" name="Imagen 10" descr="Interfaz de usuario gráfica&#10;&#10;Descripción generada automáticamente">
+        <p:txBody>
+          <a:bodyPr vert="horz" lIns="91440" tIns="45720" rIns="91440" bIns="45720" rtlCol="0" anchor="ctr">
+            <a:normAutofit/>
+          </a:bodyPr>
+          <a:lstStyle>
+            <a:lvl1pPr algn="l" defTabSz="914400" rtl="0" eaLnBrk="1" latinLnBrk="0" hangingPunct="1">
+              <a:lnSpc>
+                <a:spcPct val="90000"/>
+              </a:lnSpc>
+              <a:spcBef>
+                <a:spcPct val="0"/>
+              </a:spcBef>
+              <a:buNone/>
+              <a:defRPr sz="5400" kern="1200">
+                <a:solidFill>
+                  <a:schemeClr val="tx1"/>
+                </a:solidFill>
+                <a:latin typeface="+mj-lt"/>
+                <a:ea typeface="+mj-ea"/>
+                <a:cs typeface="+mj-cs"/>
+              </a:defRPr>
+            </a:lvl1pPr>
+          </a:lstStyle>
+          <a:p>
+            <a:r>
+              <a:rPr lang="es-ES" b="1" cap="all" dirty="0"/>
+              <a:t>Procesamiento</a:t>
+            </a:r>
+          </a:p>
+        </p:txBody>
+      </p:sp>
+      <p:grpSp>
+        <p:nvGrpSpPr>
+          <p:cNvPr id="13" name="Grupo 12">
             <a:extLst>
               <a:ext uri="{FF2B5EF4-FFF2-40B4-BE49-F238E27FC236}">
-                <a16:creationId xmlns:a16="http://schemas.microsoft.com/office/drawing/2014/main" id="{7FD3FBA0-C664-414E-4F9E-07CAE2C9D1B3}"/>
+                <a16:creationId xmlns:a16="http://schemas.microsoft.com/office/drawing/2014/main" id="{95CDA190-E660-1BAE-B556-7555D2F95748}"/>
               </a:ext>
             </a:extLst>
           </p:cNvPr>
-          <p:cNvPicPr>
-            <a:picLocks noChangeAspect="1"/>
-          </p:cNvPicPr>
+          <p:cNvGrpSpPr/>
           <p:nvPr/>
-        </p:nvPicPr>
-        <p:blipFill>
-          <a:blip r:embed="rId4"/>
-          <a:stretch>
-            <a:fillRect/>
-          </a:stretch>
-        </p:blipFill>
-        <p:spPr>
+        </p:nvGrpSpPr>
+        <p:grpSpPr>
           <a:xfrm>
-            <a:off x="6021524" y="1473200"/>
-            <a:ext cx="5989312" cy="5248276"/>
+            <a:off x="2486050" y="3429000"/>
+            <a:ext cx="7785283" cy="2020078"/>
+            <a:chOff x="3310715" y="3420366"/>
+            <a:chExt cx="6622958" cy="1718485"/>
           </a:xfrm>
-          <a:prstGeom prst="rect">
-            <a:avLst/>
-          </a:prstGeom>
-        </p:spPr>
-      </p:pic>
+        </p:grpSpPr>
+        <p:pic>
+          <p:nvPicPr>
+            <p:cNvPr id="3" name="Imagen 2" descr="Icono&#10;&#10;Descripción generada automáticamente con confianza media">
+              <a:extLst>
+                <a:ext uri="{FF2B5EF4-FFF2-40B4-BE49-F238E27FC236}">
+                  <a16:creationId xmlns:a16="http://schemas.microsoft.com/office/drawing/2014/main" id="{124A8C66-1CED-AE8B-081F-04F9451B072C}"/>
+                </a:ext>
+              </a:extLst>
+            </p:cNvPr>
+            <p:cNvPicPr>
+              <a:picLocks noChangeAspect="1"/>
+            </p:cNvPicPr>
+            <p:nvPr/>
+          </p:nvPicPr>
+          <p:blipFill>
+            <a:blip r:embed="rId3"/>
+            <a:stretch>
+              <a:fillRect/>
+            </a:stretch>
+          </p:blipFill>
+          <p:spPr>
+            <a:xfrm>
+              <a:off x="3310715" y="3420366"/>
+              <a:ext cx="1718485" cy="1718485"/>
+            </a:xfrm>
+            <a:prstGeom prst="rect">
+              <a:avLst/>
+            </a:prstGeom>
+          </p:spPr>
+        </p:pic>
+        <p:grpSp>
+          <p:nvGrpSpPr>
+            <p:cNvPr id="6" name="Grupo 5">
+              <a:extLst>
+                <a:ext uri="{FF2B5EF4-FFF2-40B4-BE49-F238E27FC236}">
+                  <a16:creationId xmlns:a16="http://schemas.microsoft.com/office/drawing/2014/main" id="{E44B4FA8-7957-077F-0670-64B77B0EC21B}"/>
+                </a:ext>
+              </a:extLst>
+            </p:cNvPr>
+            <p:cNvGrpSpPr/>
+            <p:nvPr/>
+          </p:nvGrpSpPr>
+          <p:grpSpPr>
+            <a:xfrm>
+              <a:off x="5809348" y="3919967"/>
+              <a:ext cx="4124325" cy="646331"/>
+              <a:chOff x="5809348" y="3919967"/>
+              <a:chExt cx="4124325" cy="646331"/>
+            </a:xfrm>
+          </p:grpSpPr>
+          <p:sp>
+            <p:nvSpPr>
+              <p:cNvPr id="4" name="CustomShape 4">
+                <a:extLst>
+                  <a:ext uri="{FF2B5EF4-FFF2-40B4-BE49-F238E27FC236}">
+                    <a16:creationId xmlns:a16="http://schemas.microsoft.com/office/drawing/2014/main" id="{107FE618-1333-1DCC-2289-B7E7F581446C}"/>
+                  </a:ext>
+                </a:extLst>
+              </p:cNvPr>
+              <p:cNvSpPr/>
+              <p:nvPr/>
+            </p:nvSpPr>
+            <p:spPr>
+              <a:xfrm>
+                <a:off x="5809348" y="3971388"/>
+                <a:ext cx="686124" cy="473689"/>
+              </a:xfrm>
+              <a:custGeom>
+                <a:avLst/>
+                <a:gdLst/>
+                <a:ahLst/>
+                <a:cxnLst/>
+                <a:rect l="0" t="0" r="r" b="b"/>
+                <a:pathLst>
+                  <a:path w="2603" h="1797">
+                    <a:moveTo>
+                      <a:pt x="0" y="547"/>
+                    </a:moveTo>
+                    <a:lnTo>
+                      <a:pt x="1478" y="547"/>
+                    </a:lnTo>
+                    <a:lnTo>
+                      <a:pt x="1478" y="0"/>
+                    </a:lnTo>
+                    <a:lnTo>
+                      <a:pt x="2602" y="898"/>
+                    </a:lnTo>
+                    <a:lnTo>
+                      <a:pt x="1479" y="1796"/>
+                    </a:lnTo>
+                    <a:lnTo>
+                      <a:pt x="1479" y="1248"/>
+                    </a:lnTo>
+                    <a:lnTo>
+                      <a:pt x="1" y="1248"/>
+                    </a:lnTo>
+                    <a:lnTo>
+                      <a:pt x="0" y="547"/>
+                    </a:lnTo>
+                  </a:path>
+                </a:pathLst>
+              </a:custGeom>
+              <a:solidFill>
+                <a:srgbClr val="3465A4"/>
+              </a:solidFill>
+              <a:ln>
+                <a:solidFill>
+                  <a:srgbClr val="3465A4"/>
+                </a:solidFill>
+              </a:ln>
+            </p:spPr>
+            <p:style>
+              <a:lnRef idx="0">
+                <a:scrgbClr r="0" g="0" b="0"/>
+              </a:lnRef>
+              <a:fillRef idx="0">
+                <a:scrgbClr r="0" g="0" b="0"/>
+              </a:fillRef>
+              <a:effectRef idx="0">
+                <a:scrgbClr r="0" g="0" b="0"/>
+              </a:effectRef>
+              <a:fontRef idx="minor"/>
+            </p:style>
+          </p:sp>
+          <p:sp>
+            <p:nvSpPr>
+              <p:cNvPr id="5" name="CuadroTexto 4">
+                <a:extLst>
+                  <a:ext uri="{FF2B5EF4-FFF2-40B4-BE49-F238E27FC236}">
+                    <a16:creationId xmlns:a16="http://schemas.microsoft.com/office/drawing/2014/main" id="{5FA261E3-3D17-1123-104D-16A5CAD3DB4F}"/>
+                  </a:ext>
+                </a:extLst>
+              </p:cNvPr>
+              <p:cNvSpPr txBox="1"/>
+              <p:nvPr/>
+            </p:nvSpPr>
+            <p:spPr>
+              <a:xfrm>
+                <a:off x="7275620" y="3919967"/>
+                <a:ext cx="2658053" cy="646331"/>
+              </a:xfrm>
+              <a:prstGeom prst="rect">
+                <a:avLst/>
+              </a:prstGeom>
+              <a:noFill/>
+            </p:spPr>
+            <p:txBody>
+              <a:bodyPr wrap="square" rtlCol="0">
+                <a:spAutoFit/>
+              </a:bodyPr>
+              <a:lstStyle/>
+              <a:p>
+                <a:r>
+                  <a:rPr lang="es-ES_tradnl" sz="3600" b="1" dirty="0"/>
+                  <a:t>11,5</a:t>
+                </a:r>
+              </a:p>
+            </p:txBody>
+          </p:sp>
+        </p:grpSp>
+      </p:grpSp>
     </p:spTree>
     <p:extLst>
       <p:ext uri="{BB962C8B-B14F-4D97-AF65-F5344CB8AC3E}">
-        <p14:creationId xmlns:p14="http://schemas.microsoft.com/office/powerpoint/2010/main" val="343408591"/>
+        <p14:creationId xmlns:p14="http://schemas.microsoft.com/office/powerpoint/2010/main" val="3444672517"/>
       </p:ext>
     </p:extLst>
   </p:cSld>
@@ -20881,6 +22655,227 @@
       </p:grpSpPr>
       <p:sp>
         <p:nvSpPr>
+          <p:cNvPr id="10" name="Marcador de pie de página 9">
+            <a:extLst>
+              <a:ext uri="{FF2B5EF4-FFF2-40B4-BE49-F238E27FC236}">
+                <a16:creationId xmlns:a16="http://schemas.microsoft.com/office/drawing/2014/main" id="{A8C7C3A0-5E78-49C8-B8D4-F3DF62B2BC93}"/>
+              </a:ext>
+            </a:extLst>
+          </p:cNvPr>
+          <p:cNvSpPr>
+            <a:spLocks noGrp="1"/>
+          </p:cNvSpPr>
+          <p:nvPr>
+            <p:ph type="ftr" sz="quarter" idx="11"/>
+          </p:nvPr>
+        </p:nvSpPr>
+        <p:spPr>
+          <a:xfrm>
+            <a:off x="6378692" y="621791"/>
+            <a:ext cx="4114800" cy="365125"/>
+          </a:xfrm>
+        </p:spPr>
+        <p:txBody>
+          <a:bodyPr rtlCol="0"/>
+          <a:lstStyle/>
+          <a:p>
+            <a:pPr rtl="0"/>
+            <a:r>
+              <a:rPr lang="es-ES" dirty="0"/>
+              <a:t>U-pick</a:t>
+            </a:r>
+          </a:p>
+        </p:txBody>
+      </p:sp>
+      <p:sp>
+        <p:nvSpPr>
+          <p:cNvPr id="11" name="Marcador de número de diapositiva 10">
+            <a:extLst>
+              <a:ext uri="{FF2B5EF4-FFF2-40B4-BE49-F238E27FC236}">
+                <a16:creationId xmlns:a16="http://schemas.microsoft.com/office/drawing/2014/main" id="{56AE2454-CE9A-4A6B-AB5A-349E0D967654}"/>
+              </a:ext>
+            </a:extLst>
+          </p:cNvPr>
+          <p:cNvSpPr>
+            <a:spLocks noGrp="1"/>
+          </p:cNvSpPr>
+          <p:nvPr>
+            <p:ph type="sldNum" sz="quarter" idx="12"/>
+          </p:nvPr>
+        </p:nvSpPr>
+        <p:spPr/>
+        <p:txBody>
+          <a:bodyPr rtlCol="0"/>
+          <a:lstStyle/>
+          <a:p>
+            <a:pPr rtl="0"/>
+            <a:fld id="{D8DA9DAA-006C-4F4B-980E-E3DF019B24E2}" type="slidenum">
+              <a:rPr lang="es-ES" smtClean="0"/>
+              <a:pPr rtl="0"/>
+              <a:t>15</a:t>
+            </a:fld>
+            <a:endParaRPr lang="es-ES" dirty="0"/>
+          </a:p>
+        </p:txBody>
+      </p:sp>
+      <p:sp>
+        <p:nvSpPr>
+          <p:cNvPr id="2" name="Título 2">
+            <a:extLst>
+              <a:ext uri="{FF2B5EF4-FFF2-40B4-BE49-F238E27FC236}">
+                <a16:creationId xmlns:a16="http://schemas.microsoft.com/office/drawing/2014/main" id="{23818484-8645-C4D3-11D0-ACD19E960AA0}"/>
+              </a:ext>
+            </a:extLst>
+          </p:cNvPr>
+          <p:cNvSpPr txBox="1">
+            <a:spLocks/>
+          </p:cNvSpPr>
+          <p:nvPr/>
+        </p:nvSpPr>
+        <p:spPr>
+          <a:xfrm>
+            <a:off x="427493" y="804353"/>
+            <a:ext cx="10771632" cy="1325563"/>
+          </a:xfrm>
+          <a:prstGeom prst="rect">
+            <a:avLst/>
+          </a:prstGeom>
+        </p:spPr>
+        <p:txBody>
+          <a:bodyPr vert="horz" lIns="91440" tIns="45720" rIns="91440" bIns="45720" rtlCol="0" anchor="ctr">
+            <a:normAutofit/>
+          </a:bodyPr>
+          <a:lstStyle>
+            <a:lvl1pPr algn="l" defTabSz="914400" rtl="0" eaLnBrk="1" latinLnBrk="0" hangingPunct="1">
+              <a:lnSpc>
+                <a:spcPct val="90000"/>
+              </a:lnSpc>
+              <a:spcBef>
+                <a:spcPct val="0"/>
+              </a:spcBef>
+              <a:buNone/>
+              <a:defRPr sz="5400" kern="1200">
+                <a:solidFill>
+                  <a:schemeClr val="tx1"/>
+                </a:solidFill>
+                <a:latin typeface="+mj-lt"/>
+                <a:ea typeface="+mj-ea"/>
+                <a:cs typeface="+mj-cs"/>
+              </a:defRPr>
+            </a:lvl1pPr>
+          </a:lstStyle>
+          <a:p>
+            <a:r>
+              <a:rPr lang="es-ES" b="1" cap="all" dirty="0"/>
+              <a:t>Visualización</a:t>
+            </a:r>
+          </a:p>
+        </p:txBody>
+      </p:sp>
+      <p:pic>
+        <p:nvPicPr>
+          <p:cNvPr id="3" name="Imagen 2" descr="Gráfico, Gráfico de barras&#10;&#10;Descripción generada automáticamente">
+            <a:extLst>
+              <a:ext uri="{FF2B5EF4-FFF2-40B4-BE49-F238E27FC236}">
+                <a16:creationId xmlns:a16="http://schemas.microsoft.com/office/drawing/2014/main" id="{A9C27DD7-0921-4FBA-9ED1-CFEAD90BE1E7}"/>
+              </a:ext>
+            </a:extLst>
+          </p:cNvPr>
+          <p:cNvPicPr>
+            <a:picLocks noChangeAspect="1"/>
+          </p:cNvPicPr>
+          <p:nvPr/>
+        </p:nvPicPr>
+        <p:blipFill>
+          <a:blip r:embed="rId3">
+            <a:extLst>
+              <a:ext uri="{28A0092B-C50C-407E-A947-70E740481C1C}">
+                <a14:useLocalDpi xmlns:a14="http://schemas.microsoft.com/office/drawing/2010/main" val="0"/>
+              </a:ext>
+            </a:extLst>
+          </a:blip>
+          <a:stretch>
+            <a:fillRect/>
+          </a:stretch>
+        </p:blipFill>
+        <p:spPr>
+          <a:xfrm>
+            <a:off x="959336" y="2387282"/>
+            <a:ext cx="4580635" cy="3491123"/>
+          </a:xfrm>
+          <a:prstGeom prst="rect">
+            <a:avLst/>
+          </a:prstGeom>
+        </p:spPr>
+      </p:pic>
+      <p:pic>
+        <p:nvPicPr>
+          <p:cNvPr id="4" name="Imagen 3" descr="Gráfico de líneas&#10;&#10;Descripción generada automáticamente">
+            <a:extLst>
+              <a:ext uri="{FF2B5EF4-FFF2-40B4-BE49-F238E27FC236}">
+                <a16:creationId xmlns:a16="http://schemas.microsoft.com/office/drawing/2014/main" id="{FEA7C928-317D-96D4-CF2C-336A60704152}"/>
+              </a:ext>
+            </a:extLst>
+          </p:cNvPr>
+          <p:cNvPicPr>
+            <a:picLocks noChangeAspect="1"/>
+          </p:cNvPicPr>
+          <p:nvPr/>
+        </p:nvPicPr>
+        <p:blipFill>
+          <a:blip r:embed="rId4">
+            <a:extLst>
+              <a:ext uri="{28A0092B-C50C-407E-A947-70E740481C1C}">
+                <a14:useLocalDpi xmlns:a14="http://schemas.microsoft.com/office/drawing/2010/main" val="0"/>
+              </a:ext>
+            </a:extLst>
+          </a:blip>
+          <a:stretch>
+            <a:fillRect/>
+          </a:stretch>
+        </p:blipFill>
+        <p:spPr>
+          <a:xfrm>
+            <a:off x="5904876" y="2387283"/>
+            <a:ext cx="5062431" cy="3491123"/>
+          </a:xfrm>
+          <a:prstGeom prst="rect">
+            <a:avLst/>
+          </a:prstGeom>
+        </p:spPr>
+      </p:pic>
+    </p:spTree>
+    <p:extLst>
+      <p:ext uri="{BB962C8B-B14F-4D97-AF65-F5344CB8AC3E}">
+        <p14:creationId xmlns:p14="http://schemas.microsoft.com/office/powerpoint/2010/main" val="3664611863"/>
+      </p:ext>
+    </p:extLst>
+  </p:cSld>
+  <p:clrMapOvr>
+    <a:masterClrMapping/>
+  </p:clrMapOvr>
+</p:sld>
+</file>
+
+<file path=ppt/slides/slide16.xml><?xml version="1.0" encoding="utf-8"?>
+<p:sld xmlns:a="http://schemas.openxmlformats.org/drawingml/2006/main" xmlns:r="http://schemas.openxmlformats.org/officeDocument/2006/relationships" xmlns:p="http://schemas.openxmlformats.org/presentationml/2006/main">
+  <p:cSld>
+    <p:spTree>
+      <p:nvGrpSpPr>
+        <p:cNvPr id="1" name=""/>
+        <p:cNvGrpSpPr/>
+        <p:nvPr/>
+      </p:nvGrpSpPr>
+      <p:grpSpPr>
+        <a:xfrm>
+          <a:off x="0" y="0"/>
+          <a:ext cx="0" cy="0"/>
+          <a:chOff x="0" y="0"/>
+          <a:chExt cx="0" cy="0"/>
+        </a:xfrm>
+      </p:grpSpPr>
+      <p:sp>
+        <p:nvSpPr>
           <p:cNvPr id="9" name="Marcador de número de diapositiva 5">
             <a:extLst>
               <a:ext uri="{FF2B5EF4-FFF2-40B4-BE49-F238E27FC236}">
@@ -20912,7 +22907,321 @@
                   <a:schemeClr val="accent2"/>
                 </a:solidFill>
               </a:rPr>
-              <a:t>15</a:t>
+              <a:t>16</a:t>
+            </a:fld>
+            <a:endParaRPr lang="es-ES" b="1" cap="all" spc="100" dirty="0">
+              <a:solidFill>
+                <a:schemeClr val="accent2"/>
+              </a:solidFill>
+            </a:endParaRPr>
+          </a:p>
+        </p:txBody>
+      </p:sp>
+      <p:sp>
+        <p:nvSpPr>
+          <p:cNvPr id="7" name="Título 2">
+            <a:extLst>
+              <a:ext uri="{FF2B5EF4-FFF2-40B4-BE49-F238E27FC236}">
+                <a16:creationId xmlns:a16="http://schemas.microsoft.com/office/drawing/2014/main" id="{1B387C5E-1E0E-AE83-662E-BB602078CCAD}"/>
+              </a:ext>
+            </a:extLst>
+          </p:cNvPr>
+          <p:cNvSpPr txBox="1">
+            <a:spLocks/>
+          </p:cNvSpPr>
+          <p:nvPr/>
+        </p:nvSpPr>
+        <p:spPr>
+          <a:xfrm>
+            <a:off x="1099297" y="431129"/>
+            <a:ext cx="10771632" cy="1325563"/>
+          </a:xfrm>
+          <a:prstGeom prst="rect">
+            <a:avLst/>
+          </a:prstGeom>
+        </p:spPr>
+        <p:txBody>
+          <a:bodyPr vert="horz" lIns="91440" tIns="45720" rIns="91440" bIns="45720" rtlCol="0" anchor="ctr">
+            <a:normAutofit/>
+          </a:bodyPr>
+          <a:lstStyle>
+            <a:lvl1pPr algn="l" defTabSz="914400" rtl="0" eaLnBrk="1" latinLnBrk="0" hangingPunct="1">
+              <a:lnSpc>
+                <a:spcPct val="90000"/>
+              </a:lnSpc>
+              <a:spcBef>
+                <a:spcPct val="0"/>
+              </a:spcBef>
+              <a:buNone/>
+              <a:defRPr sz="5400" kern="1200">
+                <a:solidFill>
+                  <a:schemeClr val="tx1"/>
+                </a:solidFill>
+                <a:latin typeface="+mj-lt"/>
+                <a:ea typeface="+mj-ea"/>
+                <a:cs typeface="+mj-cs"/>
+              </a:defRPr>
+            </a:lvl1pPr>
+          </a:lstStyle>
+          <a:p>
+            <a:r>
+              <a:rPr lang="es-ES" b="1" cap="all" dirty="0"/>
+              <a:t>Visualización</a:t>
+            </a:r>
+          </a:p>
+        </p:txBody>
+      </p:sp>
+      <p:pic>
+        <p:nvPicPr>
+          <p:cNvPr id="8" name="Imagen 7" descr="Gráfico, Gráfico circular&#10;&#10;Descripción generada automáticamente">
+            <a:extLst>
+              <a:ext uri="{FF2B5EF4-FFF2-40B4-BE49-F238E27FC236}">
+                <a16:creationId xmlns:a16="http://schemas.microsoft.com/office/drawing/2014/main" id="{91D887BF-6BA7-E26C-AC4D-E9B88E59C098}"/>
+              </a:ext>
+            </a:extLst>
+          </p:cNvPr>
+          <p:cNvPicPr>
+            <a:picLocks noChangeAspect="1"/>
+          </p:cNvPicPr>
+          <p:nvPr/>
+        </p:nvPicPr>
+        <p:blipFill>
+          <a:blip r:embed="rId3"/>
+          <a:stretch>
+            <a:fillRect/>
+          </a:stretch>
+        </p:blipFill>
+        <p:spPr>
+          <a:xfrm>
+            <a:off x="2409151" y="2164323"/>
+            <a:ext cx="7789208" cy="3948971"/>
+          </a:xfrm>
+          <a:prstGeom prst="rect">
+            <a:avLst/>
+          </a:prstGeom>
+        </p:spPr>
+      </p:pic>
+    </p:spTree>
+    <p:extLst>
+      <p:ext uri="{BB962C8B-B14F-4D97-AF65-F5344CB8AC3E}">
+        <p14:creationId xmlns:p14="http://schemas.microsoft.com/office/powerpoint/2010/main" val="783914445"/>
+      </p:ext>
+    </p:extLst>
+  </p:cSld>
+  <p:clrMapOvr>
+    <a:masterClrMapping/>
+  </p:clrMapOvr>
+</p:sld>
+</file>
+
+<file path=ppt/slides/slide17.xml><?xml version="1.0" encoding="utf-8"?>
+<p:sld xmlns:a="http://schemas.openxmlformats.org/drawingml/2006/main" xmlns:r="http://schemas.openxmlformats.org/officeDocument/2006/relationships" xmlns:p="http://schemas.openxmlformats.org/presentationml/2006/main">
+  <p:cSld>
+    <p:spTree>
+      <p:nvGrpSpPr>
+        <p:cNvPr id="1" name=""/>
+        <p:cNvGrpSpPr/>
+        <p:nvPr/>
+      </p:nvGrpSpPr>
+      <p:grpSpPr>
+        <a:xfrm>
+          <a:off x="0" y="0"/>
+          <a:ext cx="0" cy="0"/>
+          <a:chOff x="0" y="0"/>
+          <a:chExt cx="0" cy="0"/>
+        </a:xfrm>
+      </p:grpSpPr>
+      <p:sp>
+        <p:nvSpPr>
+          <p:cNvPr id="9" name="Marcador de número de diapositiva 5">
+            <a:extLst>
+              <a:ext uri="{FF2B5EF4-FFF2-40B4-BE49-F238E27FC236}">
+                <a16:creationId xmlns:a16="http://schemas.microsoft.com/office/drawing/2014/main" id="{4FC290B8-BF94-4636-BFAB-9FD67F4AAC6D}"/>
+              </a:ext>
+            </a:extLst>
+          </p:cNvPr>
+          <p:cNvSpPr>
+            <a:spLocks noGrp="1"/>
+          </p:cNvSpPr>
+          <p:nvPr>
+            <p:ph type="sldNum" sz="quarter" idx="12"/>
+          </p:nvPr>
+        </p:nvSpPr>
+        <p:spPr>
+          <a:xfrm>
+            <a:off x="8610600" y="6356350"/>
+            <a:ext cx="2743200" cy="365125"/>
+          </a:xfrm>
+        </p:spPr>
+        <p:txBody>
+          <a:bodyPr rtlCol="0"/>
+          <a:lstStyle/>
+          <a:p>
+            <a:pPr rtl="0"/>
+            <a:fld id="{D8DA9DAA-006C-4F4B-980E-E3DF019B24E2}" type="slidenum">
+              <a:rPr lang="es-ES" b="1" cap="all" spc="100" smtClean="0">
+                <a:solidFill>
+                  <a:schemeClr val="accent2"/>
+                </a:solidFill>
+              </a:rPr>
+              <a:t>17</a:t>
+            </a:fld>
+            <a:endParaRPr lang="es-ES" b="1" cap="all" spc="100" dirty="0">
+              <a:solidFill>
+                <a:schemeClr val="accent2"/>
+              </a:solidFill>
+            </a:endParaRPr>
+          </a:p>
+        </p:txBody>
+      </p:sp>
+      <p:sp>
+        <p:nvSpPr>
+          <p:cNvPr id="5" name="Título 2">
+            <a:extLst>
+              <a:ext uri="{FF2B5EF4-FFF2-40B4-BE49-F238E27FC236}">
+                <a16:creationId xmlns:a16="http://schemas.microsoft.com/office/drawing/2014/main" id="{8FD0B7A1-E9B9-C88B-1701-08B534932470}"/>
+              </a:ext>
+            </a:extLst>
+          </p:cNvPr>
+          <p:cNvSpPr txBox="1">
+            <a:spLocks/>
+          </p:cNvSpPr>
+          <p:nvPr/>
+        </p:nvSpPr>
+        <p:spPr>
+          <a:xfrm>
+            <a:off x="1099297" y="431129"/>
+            <a:ext cx="10771632" cy="1325563"/>
+          </a:xfrm>
+          <a:prstGeom prst="rect">
+            <a:avLst/>
+          </a:prstGeom>
+        </p:spPr>
+        <p:txBody>
+          <a:bodyPr vert="horz" lIns="91440" tIns="45720" rIns="91440" bIns="45720" rtlCol="0" anchor="ctr">
+            <a:normAutofit/>
+          </a:bodyPr>
+          <a:lstStyle>
+            <a:lvl1pPr algn="l" defTabSz="914400" rtl="0" eaLnBrk="1" latinLnBrk="0" hangingPunct="1">
+              <a:lnSpc>
+                <a:spcPct val="90000"/>
+              </a:lnSpc>
+              <a:spcBef>
+                <a:spcPct val="0"/>
+              </a:spcBef>
+              <a:buNone/>
+              <a:defRPr sz="5400" kern="1200">
+                <a:solidFill>
+                  <a:schemeClr val="tx1"/>
+                </a:solidFill>
+                <a:latin typeface="+mj-lt"/>
+                <a:ea typeface="+mj-ea"/>
+                <a:cs typeface="+mj-cs"/>
+              </a:defRPr>
+            </a:lvl1pPr>
+          </a:lstStyle>
+          <a:p>
+            <a:r>
+              <a:rPr lang="es-ES" b="1" cap="all" dirty="0"/>
+              <a:t>Visualización</a:t>
+            </a:r>
+          </a:p>
+        </p:txBody>
+      </p:sp>
+      <p:pic>
+        <p:nvPicPr>
+          <p:cNvPr id="7" name="Imagen 6" descr="Gráfico&#10;&#10;Descripción generada automáticamente">
+            <a:extLst>
+              <a:ext uri="{FF2B5EF4-FFF2-40B4-BE49-F238E27FC236}">
+                <a16:creationId xmlns:a16="http://schemas.microsoft.com/office/drawing/2014/main" id="{28CFBD6C-1F66-152F-FB3C-73FA81419626}"/>
+              </a:ext>
+            </a:extLst>
+          </p:cNvPr>
+          <p:cNvPicPr>
+            <a:picLocks noChangeAspect="1"/>
+          </p:cNvPicPr>
+          <p:nvPr/>
+        </p:nvPicPr>
+        <p:blipFill>
+          <a:blip r:embed="rId3"/>
+          <a:stretch>
+            <a:fillRect/>
+          </a:stretch>
+        </p:blipFill>
+        <p:spPr>
+          <a:xfrm>
+            <a:off x="1961877" y="1887705"/>
+            <a:ext cx="8268246" cy="4065419"/>
+          </a:xfrm>
+          <a:prstGeom prst="rect">
+            <a:avLst/>
+          </a:prstGeom>
+        </p:spPr>
+      </p:pic>
+    </p:spTree>
+    <p:extLst>
+      <p:ext uri="{BB962C8B-B14F-4D97-AF65-F5344CB8AC3E}">
+        <p14:creationId xmlns:p14="http://schemas.microsoft.com/office/powerpoint/2010/main" val="343408591"/>
+      </p:ext>
+    </p:extLst>
+  </p:cSld>
+  <p:clrMapOvr>
+    <a:masterClrMapping/>
+  </p:clrMapOvr>
+</p:sld>
+</file>
+
+<file path=ppt/slides/slide18.xml><?xml version="1.0" encoding="utf-8"?>
+<p:sld xmlns:a="http://schemas.openxmlformats.org/drawingml/2006/main" xmlns:r="http://schemas.openxmlformats.org/officeDocument/2006/relationships" xmlns:p="http://schemas.openxmlformats.org/presentationml/2006/main">
+  <p:cSld>
+    <p:spTree>
+      <p:nvGrpSpPr>
+        <p:cNvPr id="1" name=""/>
+        <p:cNvGrpSpPr/>
+        <p:nvPr/>
+      </p:nvGrpSpPr>
+      <p:grpSpPr>
+        <a:xfrm>
+          <a:off x="0" y="0"/>
+          <a:ext cx="0" cy="0"/>
+          <a:chOff x="0" y="0"/>
+          <a:chExt cx="0" cy="0"/>
+        </a:xfrm>
+      </p:grpSpPr>
+      <p:sp>
+        <p:nvSpPr>
+          <p:cNvPr id="9" name="Marcador de número de diapositiva 5">
+            <a:extLst>
+              <a:ext uri="{FF2B5EF4-FFF2-40B4-BE49-F238E27FC236}">
+                <a16:creationId xmlns:a16="http://schemas.microsoft.com/office/drawing/2014/main" id="{4FC290B8-BF94-4636-BFAB-9FD67F4AAC6D}"/>
+              </a:ext>
+            </a:extLst>
+          </p:cNvPr>
+          <p:cNvSpPr>
+            <a:spLocks noGrp="1"/>
+          </p:cNvSpPr>
+          <p:nvPr>
+            <p:ph type="sldNum" sz="quarter" idx="12"/>
+          </p:nvPr>
+        </p:nvSpPr>
+        <p:spPr>
+          <a:xfrm>
+            <a:off x="8610600" y="6356350"/>
+            <a:ext cx="2743200" cy="365125"/>
+          </a:xfrm>
+        </p:spPr>
+        <p:txBody>
+          <a:bodyPr rtlCol="0"/>
+          <a:lstStyle/>
+          <a:p>
+            <a:pPr rtl="0"/>
+            <a:fld id="{D8DA9DAA-006C-4F4B-980E-E3DF019B24E2}" type="slidenum">
+              <a:rPr lang="es-ES" b="1" cap="all" spc="100" smtClean="0">
+                <a:solidFill>
+                  <a:schemeClr val="accent2"/>
+                </a:solidFill>
+              </a:rPr>
+              <a:t>18</a:t>
             </a:fld>
             <a:endParaRPr lang="es-ES" b="1" cap="all" spc="100" dirty="0">
               <a:solidFill>
@@ -21075,7 +23384,7 @@
 </p:sld>
 </file>
 
-<file path=ppt/slides/slide16.xml><?xml version="1.0" encoding="utf-8"?>
+<file path=ppt/slides/slide19.xml><?xml version="1.0" encoding="utf-8"?>
 <p:sld xmlns:a="http://schemas.openxmlformats.org/drawingml/2006/main" xmlns:r="http://schemas.openxmlformats.org/officeDocument/2006/relationships" xmlns:p="http://schemas.openxmlformats.org/presentationml/2006/main">
   <p:cSld>
     <p:spTree>
@@ -21146,7 +23455,7 @@
             <a:fld id="{D8DA9DAA-006C-4F4B-980E-E3DF019B24E2}" type="slidenum">
               <a:rPr lang="es-ES" smtClean="0"/>
               <a:pPr rtl="0"/>
-              <a:t>16</a:t>
+              <a:t>19</a:t>
             </a:fld>
             <a:endParaRPr lang="es-ES" dirty="0"/>
           </a:p>
@@ -21330,7 +23639,7 @@
         </p:nvSpPr>
         <p:spPr>
           <a:xfrm>
-            <a:off x="1396139" y="154686"/>
+            <a:off x="1150253" y="766285"/>
             <a:ext cx="4010857" cy="1723737"/>
           </a:xfrm>
         </p:spPr>
@@ -21370,19 +23679,21 @@
         </p:nvSpPr>
         <p:spPr>
           <a:xfrm>
-            <a:off x="1665676" y="2102614"/>
+            <a:off x="1544378" y="2875282"/>
             <a:ext cx="5833872" cy="3118104"/>
           </a:xfrm>
         </p:spPr>
         <p:txBody>
-          <a:bodyPr rtlCol="0"/>
+          <a:bodyPr rtlCol="0">
+            <a:normAutofit/>
+          </a:bodyPr>
           <a:lstStyle/>
           <a:p>
             <a:pPr marL="342900" indent="-342900" algn="l" rtl="0">
               <a:buAutoNum type="arabicPeriod"/>
             </a:pPr>
             <a:r>
-              <a:rPr lang="es-ES" sz="1800" dirty="0">
+              <a:rPr lang="es-ES" sz="2400" dirty="0">
                 <a:solidFill>
                   <a:schemeClr val="bg1"/>
                 </a:solidFill>
@@ -21395,10 +23706,10 @@
               <a:buAutoNum type="arabicPeriod"/>
             </a:pPr>
             <a:r>
-              <a:rPr lang="es-ES" dirty="0"/>
+              <a:rPr lang="es-ES" sz="2400" dirty="0"/>
               <a:t>Aplicaciones</a:t>
             </a:r>
-            <a:endParaRPr lang="es-ES" sz="1800" dirty="0">
+            <a:endParaRPr lang="es-ES" sz="2400" dirty="0">
               <a:solidFill>
                 <a:schemeClr val="bg1"/>
               </a:solidFill>
@@ -21409,7 +23720,7 @@
               <a:buAutoNum type="arabicPeriod"/>
             </a:pPr>
             <a:r>
-              <a:rPr lang="es-ES" dirty="0"/>
+              <a:rPr lang="es-ES" sz="2400" dirty="0"/>
               <a:t>Proceso</a:t>
             </a:r>
           </a:p>
@@ -21418,7 +23729,7 @@
               <a:buAutoNum type="arabicPeriod"/>
             </a:pPr>
             <a:r>
-              <a:rPr lang="es-ES" sz="1800" dirty="0">
+              <a:rPr lang="es-ES" sz="2400" dirty="0">
                 <a:solidFill>
                   <a:schemeClr val="bg1"/>
                 </a:solidFill>
@@ -22268,6 +24579,255 @@
       </p:grpSpPr>
       <p:sp>
         <p:nvSpPr>
+          <p:cNvPr id="3" name="Título 2">
+            <a:extLst>
+              <a:ext uri="{FF2B5EF4-FFF2-40B4-BE49-F238E27FC236}">
+                <a16:creationId xmlns:a16="http://schemas.microsoft.com/office/drawing/2014/main" id="{0115FF41-AFA4-4D25-AB42-AB034F4B4FEC}"/>
+              </a:ext>
+            </a:extLst>
+          </p:cNvPr>
+          <p:cNvSpPr>
+            <a:spLocks noGrp="1"/>
+          </p:cNvSpPr>
+          <p:nvPr>
+            <p:ph type="title"/>
+          </p:nvPr>
+        </p:nvSpPr>
+        <p:spPr>
+          <a:xfrm>
+            <a:off x="838200" y="365125"/>
+            <a:ext cx="10515600" cy="1325563"/>
+          </a:xfrm>
+        </p:spPr>
+        <p:txBody>
+          <a:bodyPr rtlCol="0" anchor="ctr">
+            <a:normAutofit/>
+          </a:bodyPr>
+          <a:lstStyle/>
+          <a:p>
+            <a:pPr rtl="0"/>
+            <a:r>
+              <a:rPr lang="es-ES" sz="4600" dirty="0"/>
+              <a:t>Metodología:</a:t>
+            </a:r>
+          </a:p>
+        </p:txBody>
+      </p:sp>
+      <p:sp>
+        <p:nvSpPr>
+          <p:cNvPr id="11" name="Marcador de número de diapositiva 10">
+            <a:extLst>
+              <a:ext uri="{FF2B5EF4-FFF2-40B4-BE49-F238E27FC236}">
+                <a16:creationId xmlns:a16="http://schemas.microsoft.com/office/drawing/2014/main" id="{56AE2454-CE9A-4A6B-AB5A-349E0D967654}"/>
+              </a:ext>
+            </a:extLst>
+          </p:cNvPr>
+          <p:cNvSpPr>
+            <a:spLocks noGrp="1"/>
+          </p:cNvSpPr>
+          <p:nvPr>
+            <p:ph type="sldNum" sz="quarter" idx="12"/>
+          </p:nvPr>
+        </p:nvSpPr>
+        <p:spPr>
+          <a:xfrm>
+            <a:off x="8610600" y="6356350"/>
+            <a:ext cx="2743200" cy="365125"/>
+          </a:xfrm>
+        </p:spPr>
+        <p:txBody>
+          <a:bodyPr rtlCol="0" anchor="ctr">
+            <a:normAutofit/>
+          </a:bodyPr>
+          <a:lstStyle/>
+          <a:p>
+            <a:pPr rtl="0">
+              <a:spcAft>
+                <a:spcPts val="600"/>
+              </a:spcAft>
+            </a:pPr>
+            <a:fld id="{D8DA9DAA-006C-4F4B-980E-E3DF019B24E2}" type="slidenum">
+              <a:rPr lang="es-ES" smtClean="0"/>
+              <a:pPr rtl="0">
+                <a:spcAft>
+                  <a:spcPts val="600"/>
+                </a:spcAft>
+              </a:pPr>
+              <a:t>6</a:t>
+            </a:fld>
+            <a:endParaRPr lang="es-ES"/>
+          </a:p>
+        </p:txBody>
+      </p:sp>
+      <p:sp>
+        <p:nvSpPr>
+          <p:cNvPr id="9" name="Marcador de fecha 8" hidden="1">
+            <a:extLst>
+              <a:ext uri="{FF2B5EF4-FFF2-40B4-BE49-F238E27FC236}">
+                <a16:creationId xmlns:a16="http://schemas.microsoft.com/office/drawing/2014/main" id="{D45C472E-4078-40A0-83A2-652E8356EDCB}"/>
+              </a:ext>
+            </a:extLst>
+          </p:cNvPr>
+          <p:cNvSpPr>
+            <a:spLocks noGrp="1"/>
+          </p:cNvSpPr>
+          <p:nvPr>
+            <p:ph type="dt" sz="half" idx="4294967295"/>
+          </p:nvPr>
+        </p:nvSpPr>
+        <p:spPr>
+          <a:xfrm>
+            <a:off x="838200" y="6356350"/>
+            <a:ext cx="2743200" cy="365125"/>
+          </a:xfrm>
+        </p:spPr>
+        <p:txBody>
+          <a:bodyPr rtlCol="0"/>
+          <a:lstStyle/>
+          <a:p>
+            <a:pPr rtl="0">
+              <a:spcAft>
+                <a:spcPts val="600"/>
+              </a:spcAft>
+            </a:pPr>
+            <a:r>
+              <a:rPr lang="es-ES" dirty="0"/>
+              <a:t>28/07/23</a:t>
+            </a:r>
+            <a:endParaRPr lang="es-ES"/>
+          </a:p>
+        </p:txBody>
+      </p:sp>
+      <p:sp>
+        <p:nvSpPr>
+          <p:cNvPr id="10" name="Marcador de pie de página 9">
+            <a:extLst>
+              <a:ext uri="{FF2B5EF4-FFF2-40B4-BE49-F238E27FC236}">
+                <a16:creationId xmlns:a16="http://schemas.microsoft.com/office/drawing/2014/main" id="{A8C7C3A0-5E78-49C8-B8D4-F3DF62B2BC93}"/>
+              </a:ext>
+            </a:extLst>
+          </p:cNvPr>
+          <p:cNvSpPr>
+            <a:spLocks noGrp="1"/>
+          </p:cNvSpPr>
+          <p:nvPr>
+            <p:ph type="ftr" sz="quarter" idx="4294967295"/>
+          </p:nvPr>
+        </p:nvSpPr>
+        <p:spPr>
+          <a:xfrm>
+            <a:off x="-1017530" y="0"/>
+            <a:ext cx="4114800" cy="365125"/>
+          </a:xfrm>
+        </p:spPr>
+        <p:txBody>
+          <a:bodyPr rtlCol="0"/>
+          <a:lstStyle/>
+          <a:p>
+            <a:pPr rtl="0">
+              <a:spcAft>
+                <a:spcPts val="600"/>
+              </a:spcAft>
+            </a:pPr>
+            <a:r>
+              <a:rPr lang="es-ES" dirty="0"/>
+              <a:t>U-pick</a:t>
+            </a:r>
+          </a:p>
+        </p:txBody>
+      </p:sp>
+      <p:pic>
+        <p:nvPicPr>
+          <p:cNvPr id="5" name="Imagen 4" descr="Diagrama&#10;&#10;Descripción generada automáticamente">
+            <a:extLst>
+              <a:ext uri="{FF2B5EF4-FFF2-40B4-BE49-F238E27FC236}">
+                <a16:creationId xmlns:a16="http://schemas.microsoft.com/office/drawing/2014/main" id="{3727C741-72A0-C831-8514-C6106DAA61D8}"/>
+              </a:ext>
+            </a:extLst>
+          </p:cNvPr>
+          <p:cNvPicPr>
+            <a:picLocks noChangeAspect="1"/>
+          </p:cNvPicPr>
+          <p:nvPr/>
+        </p:nvPicPr>
+        <p:blipFill>
+          <a:blip r:embed="rId3"/>
+          <a:stretch>
+            <a:fillRect/>
+          </a:stretch>
+        </p:blipFill>
+        <p:spPr>
+          <a:xfrm>
+            <a:off x="7832360" y="782637"/>
+            <a:ext cx="3521440" cy="4876483"/>
+          </a:xfrm>
+          <a:prstGeom prst="rect">
+            <a:avLst/>
+          </a:prstGeom>
+        </p:spPr>
+      </p:pic>
+      <p:pic>
+        <p:nvPicPr>
+          <p:cNvPr id="7" name="Imagen 6">
+            <a:extLst>
+              <a:ext uri="{FF2B5EF4-FFF2-40B4-BE49-F238E27FC236}">
+                <a16:creationId xmlns:a16="http://schemas.microsoft.com/office/drawing/2014/main" id="{02567B4A-D032-A175-3F74-CD19CA2E53BA}"/>
+              </a:ext>
+            </a:extLst>
+          </p:cNvPr>
+          <p:cNvPicPr>
+            <a:picLocks noChangeAspect="1"/>
+          </p:cNvPicPr>
+          <p:nvPr/>
+        </p:nvPicPr>
+        <p:blipFill>
+          <a:blip r:embed="rId4"/>
+          <a:stretch>
+            <a:fillRect/>
+          </a:stretch>
+        </p:blipFill>
+        <p:spPr>
+          <a:xfrm>
+            <a:off x="928013" y="2055813"/>
+            <a:ext cx="6488143" cy="3445510"/>
+          </a:xfrm>
+          <a:prstGeom prst="rect">
+            <a:avLst/>
+          </a:prstGeom>
+        </p:spPr>
+      </p:pic>
+    </p:spTree>
+    <p:extLst>
+      <p:ext uri="{BB962C8B-B14F-4D97-AF65-F5344CB8AC3E}">
+        <p14:creationId xmlns:p14="http://schemas.microsoft.com/office/powerpoint/2010/main" val="2383717792"/>
+      </p:ext>
+    </p:extLst>
+  </p:cSld>
+  <p:clrMapOvr>
+    <a:masterClrMapping/>
+  </p:clrMapOvr>
+</p:sld>
+</file>
+
+<file path=ppt/slides/slide7.xml><?xml version="1.0" encoding="utf-8"?>
+<p:sld xmlns:a="http://schemas.openxmlformats.org/drawingml/2006/main" xmlns:r="http://schemas.openxmlformats.org/officeDocument/2006/relationships" xmlns:p="http://schemas.openxmlformats.org/presentationml/2006/main">
+  <p:cSld>
+    <p:spTree>
+      <p:nvGrpSpPr>
+        <p:cNvPr id="1" name=""/>
+        <p:cNvGrpSpPr/>
+        <p:nvPr/>
+      </p:nvGrpSpPr>
+      <p:grpSpPr>
+        <a:xfrm>
+          <a:off x="0" y="0"/>
+          <a:ext cx="0" cy="0"/>
+          <a:chOff x="0" y="0"/>
+          <a:chExt cx="0" cy="0"/>
+        </a:xfrm>
+      </p:grpSpPr>
+      <p:sp>
+        <p:nvSpPr>
           <p:cNvPr id="46" name="Forma en L 45">
             <a:extLst>
               <a:ext uri="{FF2B5EF4-FFF2-40B4-BE49-F238E27FC236}">
@@ -22280,7 +24840,7 @@
         </p:nvSpPr>
         <p:spPr>
           <a:xfrm rot="5400000">
-            <a:off x="2169068" y="2888317"/>
+            <a:off x="2169068" y="3632953"/>
             <a:ext cx="1988820" cy="165035"/>
           </a:xfrm>
           <a:prstGeom prst="corner">
@@ -22339,7 +24899,7 @@
         </p:nvSpPr>
         <p:spPr>
           <a:xfrm rot="5400000">
-            <a:off x="7714851" y="2723641"/>
+            <a:off x="7714851" y="3468277"/>
             <a:ext cx="1988820" cy="165035"/>
           </a:xfrm>
           <a:prstGeom prst="corner">
@@ -22398,7 +24958,7 @@
         </p:nvSpPr>
         <p:spPr>
           <a:xfrm rot="5400000">
-            <a:off x="5781824" y="2725933"/>
+            <a:off x="5781824" y="3470569"/>
             <a:ext cx="1988820" cy="165035"/>
           </a:xfrm>
           <a:prstGeom prst="corner">
@@ -22536,7 +25096,7 @@
             <a:fld id="{D8DA9DAA-006C-4F4B-980E-E3DF019B24E2}" type="slidenum">
               <a:rPr lang="es-ES" smtClean="0"/>
               <a:pPr rtl="0"/>
-              <a:t>6</a:t>
+              <a:t>7</a:t>
             </a:fld>
             <a:endParaRPr lang="es-ES"/>
           </a:p>
@@ -22564,7 +25124,7 @@
         </p:blipFill>
         <p:spPr>
           <a:xfrm>
-            <a:off x="4305047" y="2203047"/>
+            <a:off x="4305047" y="2947683"/>
             <a:ext cx="1225953" cy="1225953"/>
           </a:xfrm>
           <a:prstGeom prst="rect">
@@ -22586,7 +25146,7 @@
         </p:nvGrpSpPr>
         <p:grpSpPr>
           <a:xfrm>
-            <a:off x="371200" y="3715470"/>
+            <a:off x="371200" y="4460106"/>
             <a:ext cx="2897576" cy="665752"/>
             <a:chOff x="1934" y="2843973"/>
             <a:chExt cx="2062943" cy="691707"/>
@@ -22718,7 +25278,7 @@
         </p:nvGrpSpPr>
         <p:grpSpPr>
           <a:xfrm>
-            <a:off x="3089307" y="3727189"/>
+            <a:off x="3089307" y="4471825"/>
             <a:ext cx="3813255" cy="662940"/>
             <a:chOff x="1961731" y="2872740"/>
             <a:chExt cx="2062943" cy="662940"/>
@@ -22850,7 +25410,7 @@
         </p:nvGrpSpPr>
         <p:grpSpPr>
           <a:xfrm>
-            <a:off x="6711519" y="3727189"/>
+            <a:off x="6711519" y="4471825"/>
             <a:ext cx="2089666" cy="662940"/>
             <a:chOff x="3921528" y="2872740"/>
             <a:chExt cx="2062943" cy="662940"/>
@@ -22982,7 +25542,7 @@
         </p:nvGrpSpPr>
         <p:grpSpPr>
           <a:xfrm>
-            <a:off x="8633303" y="3727189"/>
+            <a:off x="8633303" y="4471825"/>
             <a:ext cx="2062943" cy="662940"/>
             <a:chOff x="5881324" y="2872740"/>
             <a:chExt cx="2062943" cy="662940"/>
@@ -23115,7 +25675,7 @@
         </p:nvSpPr>
         <p:spPr>
           <a:xfrm rot="5400000">
-            <a:off x="-537347" y="2955632"/>
+            <a:off x="-537347" y="3700268"/>
             <a:ext cx="1988820" cy="165035"/>
           </a:xfrm>
           <a:prstGeom prst="corner">
@@ -23194,7 +25754,7 @@
         </p:blipFill>
         <p:spPr>
           <a:xfrm>
-            <a:off x="9045372" y="2213102"/>
+            <a:off x="9045372" y="2957738"/>
             <a:ext cx="1122260" cy="1122260"/>
           </a:xfrm>
           <a:prstGeom prst="rect">
@@ -23224,7 +25784,7 @@
         </p:blipFill>
         <p:spPr>
           <a:xfrm>
-            <a:off x="10979627" y="3715470"/>
+            <a:off x="10841765" y="4460106"/>
             <a:ext cx="748345" cy="748345"/>
           </a:xfrm>
           <a:prstGeom prst="rect">
@@ -23254,7 +25814,7 @@
         </p:blipFill>
         <p:spPr>
           <a:xfrm>
-            <a:off x="7172157" y="2276811"/>
+            <a:off x="7172157" y="3021447"/>
             <a:ext cx="994842" cy="994842"/>
           </a:xfrm>
           <a:prstGeom prst="rect">
@@ -23284,7 +25844,7 @@
         </p:blipFill>
         <p:spPr>
           <a:xfrm>
-            <a:off x="1158911" y="2349155"/>
+            <a:off x="1158911" y="3093791"/>
             <a:ext cx="1086771" cy="1086771"/>
           </a:xfrm>
           <a:prstGeom prst="rect">
@@ -23296,594 +25856,6 @@
     <p:extLst>
       <p:ext uri="{BB962C8B-B14F-4D97-AF65-F5344CB8AC3E}">
         <p14:creationId xmlns:p14="http://schemas.microsoft.com/office/powerpoint/2010/main" val="397510742"/>
-      </p:ext>
-    </p:extLst>
-  </p:cSld>
-  <p:clrMapOvr>
-    <a:masterClrMapping/>
-  </p:clrMapOvr>
-</p:sld>
-</file>
-
-<file path=ppt/slides/slide7.xml><?xml version="1.0" encoding="utf-8"?>
-<p:sld xmlns:a="http://schemas.openxmlformats.org/drawingml/2006/main" xmlns:r="http://schemas.openxmlformats.org/officeDocument/2006/relationships" xmlns:p="http://schemas.openxmlformats.org/presentationml/2006/main">
-  <p:cSld>
-    <p:spTree>
-      <p:nvGrpSpPr>
-        <p:cNvPr id="1" name=""/>
-        <p:cNvGrpSpPr/>
-        <p:nvPr/>
-      </p:nvGrpSpPr>
-      <p:grpSpPr>
-        <a:xfrm>
-          <a:off x="0" y="0"/>
-          <a:ext cx="0" cy="0"/>
-          <a:chOff x="0" y="0"/>
-          <a:chExt cx="0" cy="0"/>
-        </a:xfrm>
-      </p:grpSpPr>
-      <p:sp>
-        <p:nvSpPr>
-          <p:cNvPr id="3" name="Título 2">
-            <a:extLst>
-              <a:ext uri="{FF2B5EF4-FFF2-40B4-BE49-F238E27FC236}">
-                <a16:creationId xmlns:a16="http://schemas.microsoft.com/office/drawing/2014/main" id="{0115FF41-AFA4-4D25-AB42-AB034F4B4FEC}"/>
-              </a:ext>
-            </a:extLst>
-          </p:cNvPr>
-          <p:cNvSpPr>
-            <a:spLocks noGrp="1"/>
-          </p:cNvSpPr>
-          <p:nvPr>
-            <p:ph type="title"/>
-          </p:nvPr>
-        </p:nvSpPr>
-        <p:spPr>
-          <a:xfrm>
-            <a:off x="576072" y="361028"/>
-            <a:ext cx="10771632" cy="1325563"/>
-          </a:xfrm>
-        </p:spPr>
-        <p:txBody>
-          <a:bodyPr vert="horz" lIns="91440" tIns="45720" rIns="91440" bIns="45720" rtlCol="0" anchor="ctr">
-            <a:normAutofit/>
-          </a:bodyPr>
-          <a:lstStyle/>
-          <a:p>
-            <a:r>
-              <a:rPr lang="es-ES" b="1" kern="1200" cap="all" baseline="0">
-                <a:latin typeface="+mj-lt"/>
-                <a:ea typeface="+mj-ea"/>
-                <a:cs typeface="+mj-cs"/>
-              </a:rPr>
-              <a:t>Investigación</a:t>
-            </a:r>
-          </a:p>
-        </p:txBody>
-      </p:sp>
-      <p:sp>
-        <p:nvSpPr>
-          <p:cNvPr id="2" name="CuadroTexto 1">
-            <a:extLst>
-              <a:ext uri="{FF2B5EF4-FFF2-40B4-BE49-F238E27FC236}">
-                <a16:creationId xmlns:a16="http://schemas.microsoft.com/office/drawing/2014/main" id="{96DAB9BC-8524-2B56-9B63-11757BDED860}"/>
-              </a:ext>
-            </a:extLst>
-          </p:cNvPr>
-          <p:cNvSpPr txBox="1"/>
-          <p:nvPr/>
-        </p:nvSpPr>
-        <p:spPr>
-          <a:xfrm>
-            <a:off x="1706029" y="2106993"/>
-            <a:ext cx="3824214" cy="4351338"/>
-          </a:xfrm>
-          <a:prstGeom prst="rect">
-            <a:avLst/>
-          </a:prstGeom>
-        </p:spPr>
-        <p:txBody>
-          <a:bodyPr vert="horz" lIns="91440" tIns="45720" rIns="91440" bIns="45720" rtlCol="0">
-            <a:normAutofit/>
-          </a:bodyPr>
-          <a:lstStyle/>
-          <a:p>
-            <a:pPr>
-              <a:lnSpc>
-                <a:spcPct val="90000"/>
-              </a:lnSpc>
-              <a:spcAft>
-                <a:spcPts val="600"/>
-              </a:spcAft>
-            </a:pPr>
-            <a:r>
-              <a:rPr lang="es-ES" sz="2800" dirty="0">
-                <a:solidFill>
-                  <a:schemeClr val="bg1"/>
-                </a:solidFill>
-              </a:rPr>
-              <a:t>Fuente de datos utilizados:</a:t>
-            </a:r>
-          </a:p>
-          <a:p>
-            <a:pPr indent="-228600">
-              <a:lnSpc>
-                <a:spcPct val="90000"/>
-              </a:lnSpc>
-              <a:spcAft>
-                <a:spcPts val="600"/>
-              </a:spcAft>
-              <a:buFont typeface="Arial" panose="020B0604020202020204" pitchFamily="34" charset="0"/>
-              <a:buChar char="•"/>
-            </a:pPr>
-            <a:endParaRPr lang="es-ES" sz="2800" dirty="0">
-              <a:solidFill>
-                <a:schemeClr val="bg1"/>
-              </a:solidFill>
-            </a:endParaRPr>
-          </a:p>
-          <a:p>
-            <a:pPr marL="285750" indent="-228600">
-              <a:lnSpc>
-                <a:spcPct val="90000"/>
-              </a:lnSpc>
-              <a:spcAft>
-                <a:spcPts val="600"/>
-              </a:spcAft>
-              <a:buFont typeface="Arial" panose="020B0604020202020204" pitchFamily="34" charset="0"/>
-              <a:buChar char="•"/>
-            </a:pPr>
-            <a:r>
-              <a:rPr lang="es-ES" dirty="0">
-                <a:solidFill>
-                  <a:schemeClr val="bg1"/>
-                </a:solidFill>
-              </a:rPr>
-              <a:t>Datos estructurados: INE, Datos del Gobierno de España, </a:t>
-            </a:r>
-            <a:r>
-              <a:rPr lang="es-ES" dirty="0" err="1">
-                <a:solidFill>
-                  <a:schemeClr val="bg1"/>
-                </a:solidFill>
-              </a:rPr>
-              <a:t>Scientific</a:t>
-            </a:r>
-            <a:r>
-              <a:rPr lang="es-ES" dirty="0">
-                <a:solidFill>
-                  <a:schemeClr val="bg1"/>
-                </a:solidFill>
-              </a:rPr>
-              <a:t> Index, QEDU.</a:t>
-            </a:r>
-          </a:p>
-          <a:p>
-            <a:pPr marL="285750" indent="-228600">
-              <a:lnSpc>
-                <a:spcPct val="90000"/>
-              </a:lnSpc>
-              <a:spcAft>
-                <a:spcPts val="600"/>
-              </a:spcAft>
-              <a:buFont typeface="Arial" panose="020B0604020202020204" pitchFamily="34" charset="0"/>
-              <a:buChar char="•"/>
-            </a:pPr>
-            <a:r>
-              <a:rPr lang="es-ES" dirty="0">
-                <a:solidFill>
-                  <a:schemeClr val="bg1"/>
-                </a:solidFill>
-              </a:rPr>
-              <a:t>Datos no estructurados:  Tweets</a:t>
-            </a:r>
-          </a:p>
-          <a:p>
-            <a:pPr marL="285750" indent="-228600">
-              <a:lnSpc>
-                <a:spcPct val="90000"/>
-              </a:lnSpc>
-              <a:spcAft>
-                <a:spcPts val="600"/>
-              </a:spcAft>
-              <a:buFont typeface="Arial" panose="020B0604020202020204" pitchFamily="34" charset="0"/>
-              <a:buChar char="•"/>
-            </a:pPr>
-            <a:endParaRPr lang="es-ES" dirty="0">
-              <a:solidFill>
-                <a:schemeClr val="bg1"/>
-              </a:solidFill>
-            </a:endParaRPr>
-          </a:p>
-          <a:p>
-            <a:pPr marL="57150">
-              <a:lnSpc>
-                <a:spcPct val="90000"/>
-              </a:lnSpc>
-              <a:spcAft>
-                <a:spcPts val="600"/>
-              </a:spcAft>
-            </a:pPr>
-            <a:r>
-              <a:rPr lang="es-ES" dirty="0">
-                <a:solidFill>
-                  <a:schemeClr val="bg1"/>
-                </a:solidFill>
-              </a:rPr>
-              <a:t>	</a:t>
-            </a:r>
-          </a:p>
-          <a:p>
-            <a:pPr indent="-228600">
-              <a:lnSpc>
-                <a:spcPct val="90000"/>
-              </a:lnSpc>
-              <a:spcAft>
-                <a:spcPts val="600"/>
-              </a:spcAft>
-              <a:buFont typeface="Arial" panose="020B0604020202020204" pitchFamily="34" charset="0"/>
-              <a:buChar char="•"/>
-            </a:pPr>
-            <a:endParaRPr lang="es-ES" sz="2800" dirty="0">
-              <a:solidFill>
-                <a:schemeClr val="bg1"/>
-              </a:solidFill>
-            </a:endParaRPr>
-          </a:p>
-          <a:p>
-            <a:pPr indent="-228600">
-              <a:lnSpc>
-                <a:spcPct val="90000"/>
-              </a:lnSpc>
-              <a:spcAft>
-                <a:spcPts val="600"/>
-              </a:spcAft>
-              <a:buFont typeface="Arial" panose="020B0604020202020204" pitchFamily="34" charset="0"/>
-              <a:buChar char="•"/>
-            </a:pPr>
-            <a:endParaRPr lang="es-ES" sz="2800" dirty="0">
-              <a:solidFill>
-                <a:schemeClr val="bg1"/>
-              </a:solidFill>
-            </a:endParaRPr>
-          </a:p>
-          <a:p>
-            <a:pPr indent="-228600">
-              <a:lnSpc>
-                <a:spcPct val="90000"/>
-              </a:lnSpc>
-              <a:spcAft>
-                <a:spcPts val="600"/>
-              </a:spcAft>
-              <a:buFont typeface="Arial" panose="020B0604020202020204" pitchFamily="34" charset="0"/>
-              <a:buChar char="•"/>
-            </a:pPr>
-            <a:endParaRPr lang="es-ES" sz="2800" dirty="0">
-              <a:solidFill>
-                <a:schemeClr val="bg1"/>
-              </a:solidFill>
-            </a:endParaRPr>
-          </a:p>
-          <a:p>
-            <a:pPr indent="-228600">
-              <a:lnSpc>
-                <a:spcPct val="90000"/>
-              </a:lnSpc>
-              <a:spcAft>
-                <a:spcPts val="600"/>
-              </a:spcAft>
-              <a:buFont typeface="Arial" panose="020B0604020202020204" pitchFamily="34" charset="0"/>
-              <a:buChar char="•"/>
-            </a:pPr>
-            <a:endParaRPr lang="es-ES" sz="2800" dirty="0">
-              <a:solidFill>
-                <a:schemeClr val="bg1"/>
-              </a:solidFill>
-            </a:endParaRPr>
-          </a:p>
-        </p:txBody>
-      </p:sp>
-      <p:sp>
-        <p:nvSpPr>
-          <p:cNvPr id="10" name="Marcador de pie de página 9">
-            <a:extLst>
-              <a:ext uri="{FF2B5EF4-FFF2-40B4-BE49-F238E27FC236}">
-                <a16:creationId xmlns:a16="http://schemas.microsoft.com/office/drawing/2014/main" id="{A8C7C3A0-5E78-49C8-B8D4-F3DF62B2BC93}"/>
-              </a:ext>
-            </a:extLst>
-          </p:cNvPr>
-          <p:cNvSpPr>
-            <a:spLocks noGrp="1"/>
-          </p:cNvSpPr>
-          <p:nvPr>
-            <p:ph type="ftr" sz="quarter" idx="11"/>
-          </p:nvPr>
-        </p:nvSpPr>
-        <p:spPr>
-          <a:xfrm>
-            <a:off x="8770138" y="393175"/>
-            <a:ext cx="3630168" cy="365125"/>
-          </a:xfrm>
-        </p:spPr>
-        <p:txBody>
-          <a:bodyPr vert="horz" lIns="91440" tIns="45720" rIns="91440" bIns="45720" rtlCol="0" anchor="ctr">
-            <a:normAutofit/>
-          </a:bodyPr>
-          <a:lstStyle/>
-          <a:p>
-            <a:pPr>
-              <a:spcAft>
-                <a:spcPts val="600"/>
-              </a:spcAft>
-            </a:pPr>
-            <a:r>
-              <a:rPr lang="es-ES" b="1" i="0" kern="1200" cap="all" spc="100" baseline="0">
-                <a:latin typeface="+mn-lt"/>
-                <a:ea typeface="+mn-ea"/>
-                <a:cs typeface="+mn-cs"/>
-              </a:rPr>
-              <a:t>U-pick</a:t>
-            </a:r>
-          </a:p>
-        </p:txBody>
-      </p:sp>
-      <p:sp>
-        <p:nvSpPr>
-          <p:cNvPr id="11" name="Marcador de número de diapositiva 10">
-            <a:extLst>
-              <a:ext uri="{FF2B5EF4-FFF2-40B4-BE49-F238E27FC236}">
-                <a16:creationId xmlns:a16="http://schemas.microsoft.com/office/drawing/2014/main" id="{56AE2454-CE9A-4A6B-AB5A-349E0D967654}"/>
-              </a:ext>
-            </a:extLst>
-          </p:cNvPr>
-          <p:cNvSpPr>
-            <a:spLocks noGrp="1"/>
-          </p:cNvSpPr>
-          <p:nvPr>
-            <p:ph type="sldNum" sz="quarter" idx="12"/>
-          </p:nvPr>
-        </p:nvSpPr>
-        <p:spPr>
-          <a:xfrm>
-            <a:off x="8610600" y="6356350"/>
-            <a:ext cx="2743200" cy="365125"/>
-          </a:xfrm>
-        </p:spPr>
-        <p:txBody>
-          <a:bodyPr vert="horz" lIns="91440" tIns="45720" rIns="91440" bIns="45720" rtlCol="0" anchor="ctr">
-            <a:normAutofit/>
-          </a:bodyPr>
-          <a:lstStyle/>
-          <a:p>
-            <a:pPr>
-              <a:spcAft>
-                <a:spcPts val="600"/>
-              </a:spcAft>
-            </a:pPr>
-            <a:fld id="{D8DA9DAA-006C-4F4B-980E-E3DF019B24E2}" type="slidenum">
-              <a:rPr lang="es-ES" smtClean="0"/>
-              <a:pPr>
-                <a:spcAft>
-                  <a:spcPts val="600"/>
-                </a:spcAft>
-              </a:pPr>
-              <a:t>7</a:t>
-            </a:fld>
-            <a:endParaRPr lang="es-ES"/>
-          </a:p>
-        </p:txBody>
-      </p:sp>
-      <p:pic>
-        <p:nvPicPr>
-          <p:cNvPr id="6" name="Imagen 5">
-            <a:extLst>
-              <a:ext uri="{FF2B5EF4-FFF2-40B4-BE49-F238E27FC236}">
-                <a16:creationId xmlns:a16="http://schemas.microsoft.com/office/drawing/2014/main" id="{5E592B21-D049-17B1-BAF5-D6AC4ED2DDE2}"/>
-              </a:ext>
-            </a:extLst>
-          </p:cNvPr>
-          <p:cNvPicPr/>
-          <p:nvPr/>
-        </p:nvPicPr>
-        <p:blipFill>
-          <a:blip r:embed="rId3"/>
-          <a:stretch/>
-        </p:blipFill>
-        <p:spPr>
-          <a:xfrm>
-            <a:off x="3185642" y="5022535"/>
-            <a:ext cx="433136" cy="367032"/>
-          </a:xfrm>
-          <a:prstGeom prst="rect">
-            <a:avLst/>
-          </a:prstGeom>
-          <a:ln>
-            <a:noFill/>
-          </a:ln>
-        </p:spPr>
-      </p:pic>
-      <p:sp>
-        <p:nvSpPr>
-          <p:cNvPr id="5" name="CuadroTexto 4">
-            <a:extLst>
-              <a:ext uri="{FF2B5EF4-FFF2-40B4-BE49-F238E27FC236}">
-                <a16:creationId xmlns:a16="http://schemas.microsoft.com/office/drawing/2014/main" id="{D95601D6-BD7A-BB77-67D1-EF9AFDAA2456}"/>
-              </a:ext>
-            </a:extLst>
-          </p:cNvPr>
-          <p:cNvSpPr txBox="1"/>
-          <p:nvPr/>
-        </p:nvSpPr>
-        <p:spPr>
-          <a:xfrm>
-            <a:off x="6472877" y="2026926"/>
-            <a:ext cx="4652210" cy="1077218"/>
-          </a:xfrm>
-          <a:prstGeom prst="rect">
-            <a:avLst/>
-          </a:prstGeom>
-          <a:noFill/>
-        </p:spPr>
-        <p:txBody>
-          <a:bodyPr wrap="square" rtlCol="0">
-            <a:spAutoFit/>
-          </a:bodyPr>
-          <a:lstStyle/>
-          <a:p>
-            <a:r>
-              <a:rPr lang="es-ES" sz="2800" dirty="0">
-                <a:solidFill>
-                  <a:schemeClr val="bg1"/>
-                </a:solidFill>
-              </a:rPr>
-              <a:t>Métodos de recolección:</a:t>
-            </a:r>
-          </a:p>
-          <a:p>
-            <a:r>
-              <a:rPr lang="es-ES" dirty="0">
-                <a:solidFill>
-                  <a:schemeClr val="bg1"/>
-                </a:solidFill>
-              </a:rPr>
-              <a:t>Web </a:t>
-            </a:r>
-            <a:r>
-              <a:rPr lang="es-ES" dirty="0" err="1">
-                <a:solidFill>
-                  <a:schemeClr val="bg1"/>
-                </a:solidFill>
-              </a:rPr>
-              <a:t>Scraping</a:t>
-            </a:r>
-            <a:endParaRPr lang="es-ES" dirty="0">
-              <a:solidFill>
-                <a:schemeClr val="bg1"/>
-              </a:solidFill>
-            </a:endParaRPr>
-          </a:p>
-          <a:p>
-            <a:r>
-              <a:rPr lang="es-ES" sz="1800" dirty="0">
-                <a:solidFill>
-                  <a:schemeClr val="bg1"/>
-                </a:solidFill>
-              </a:rPr>
-              <a:t>Python</a:t>
-            </a:r>
-          </a:p>
-        </p:txBody>
-      </p:sp>
-      <p:sp>
-        <p:nvSpPr>
-          <p:cNvPr id="7" name="CuadroTexto 6">
-            <a:extLst>
-              <a:ext uri="{FF2B5EF4-FFF2-40B4-BE49-F238E27FC236}">
-                <a16:creationId xmlns:a16="http://schemas.microsoft.com/office/drawing/2014/main" id="{D147A7D1-4BA8-2358-953A-25C269FCA283}"/>
-              </a:ext>
-            </a:extLst>
-          </p:cNvPr>
-          <p:cNvSpPr txBox="1"/>
-          <p:nvPr/>
-        </p:nvSpPr>
-        <p:spPr>
-          <a:xfrm>
-            <a:off x="6472877" y="4044326"/>
-            <a:ext cx="4652210" cy="1354217"/>
-          </a:xfrm>
-          <a:prstGeom prst="rect">
-            <a:avLst/>
-          </a:prstGeom>
-          <a:noFill/>
-        </p:spPr>
-        <p:txBody>
-          <a:bodyPr wrap="square" rtlCol="0">
-            <a:spAutoFit/>
-          </a:bodyPr>
-          <a:lstStyle/>
-          <a:p>
-            <a:r>
-              <a:rPr lang="es-ES" sz="2800" dirty="0">
-                <a:solidFill>
-                  <a:schemeClr val="bg1"/>
-                </a:solidFill>
-              </a:rPr>
-              <a:t>Desafíos:</a:t>
-            </a:r>
-          </a:p>
-          <a:p>
-            <a:r>
-              <a:rPr lang="es-ES" dirty="0">
-                <a:solidFill>
-                  <a:schemeClr val="bg1"/>
-                </a:solidFill>
-              </a:rPr>
-              <a:t>No poder adquirir tweets reales</a:t>
-            </a:r>
-          </a:p>
-          <a:p>
-            <a:r>
-              <a:rPr lang="es-ES" dirty="0">
-                <a:solidFill>
-                  <a:schemeClr val="bg1"/>
-                </a:solidFill>
-              </a:rPr>
-              <a:t>Estructuración de los datos</a:t>
-            </a:r>
-          </a:p>
-          <a:p>
-            <a:endParaRPr lang="es-ES" dirty="0">
-              <a:solidFill>
-                <a:schemeClr val="bg1"/>
-              </a:solidFill>
-            </a:endParaRPr>
-          </a:p>
-        </p:txBody>
-      </p:sp>
-      <p:sp>
-        <p:nvSpPr>
-          <p:cNvPr id="8" name="CuadroTexto 7">
-            <a:extLst>
-              <a:ext uri="{FF2B5EF4-FFF2-40B4-BE49-F238E27FC236}">
-                <a16:creationId xmlns:a16="http://schemas.microsoft.com/office/drawing/2014/main" id="{009752A1-FE8D-15C4-D4A5-F333F9ECB8AE}"/>
-              </a:ext>
-            </a:extLst>
-          </p:cNvPr>
-          <p:cNvSpPr txBox="1"/>
-          <p:nvPr/>
-        </p:nvSpPr>
-        <p:spPr>
-          <a:xfrm>
-            <a:off x="1706029" y="5617029"/>
-            <a:ext cx="3379155" cy="369332"/>
-          </a:xfrm>
-          <a:prstGeom prst="rect">
-            <a:avLst/>
-          </a:prstGeom>
-          <a:noFill/>
-        </p:spPr>
-        <p:txBody>
-          <a:bodyPr wrap="square" rtlCol="0">
-            <a:spAutoFit/>
-          </a:bodyPr>
-          <a:lstStyle/>
-          <a:p>
-            <a:r>
-              <a:rPr lang="es-ES_tradnl" dirty="0"/>
-              <a:t>Control de versiones: </a:t>
-            </a:r>
-            <a:r>
-              <a:rPr lang="es-ES_tradnl" dirty="0" err="1"/>
-              <a:t>github</a:t>
-            </a:r>
-            <a:endParaRPr lang="es-ES_tradnl" dirty="0"/>
-          </a:p>
-        </p:txBody>
-      </p:sp>
-    </p:spTree>
-    <p:extLst>
-      <p:ext uri="{BB962C8B-B14F-4D97-AF65-F5344CB8AC3E}">
-        <p14:creationId xmlns:p14="http://schemas.microsoft.com/office/powerpoint/2010/main" val="4137366771"/>
       </p:ext>
     </p:extLst>
   </p:cSld>
@@ -23912,10 +25884,75 @@
       </p:grpSpPr>
       <p:sp>
         <p:nvSpPr>
-          <p:cNvPr id="3" name="Título 2">
+          <p:cNvPr id="10" name="Marcador de pie de página 9">
             <a:extLst>
               <a:ext uri="{FF2B5EF4-FFF2-40B4-BE49-F238E27FC236}">
-                <a16:creationId xmlns:a16="http://schemas.microsoft.com/office/drawing/2014/main" id="{0115FF41-AFA4-4D25-AB42-AB034F4B4FEC}"/>
+                <a16:creationId xmlns:a16="http://schemas.microsoft.com/office/drawing/2014/main" id="{A8C7C3A0-5E78-49C8-B8D4-F3DF62B2BC93}"/>
+              </a:ext>
+            </a:extLst>
+          </p:cNvPr>
+          <p:cNvSpPr>
+            <a:spLocks noGrp="1"/>
+          </p:cNvSpPr>
+          <p:nvPr>
+            <p:ph type="ftr" sz="quarter" idx="11"/>
+          </p:nvPr>
+        </p:nvSpPr>
+        <p:spPr>
+          <a:xfrm>
+            <a:off x="6378692" y="621791"/>
+            <a:ext cx="4114800" cy="365125"/>
+          </a:xfrm>
+        </p:spPr>
+        <p:txBody>
+          <a:bodyPr rtlCol="0"/>
+          <a:lstStyle/>
+          <a:p>
+            <a:pPr rtl="0"/>
+            <a:r>
+              <a:rPr lang="es-ES" dirty="0"/>
+              <a:t>U-pick</a:t>
+            </a:r>
+          </a:p>
+        </p:txBody>
+      </p:sp>
+      <p:sp>
+        <p:nvSpPr>
+          <p:cNvPr id="11" name="Marcador de número de diapositiva 10">
+            <a:extLst>
+              <a:ext uri="{FF2B5EF4-FFF2-40B4-BE49-F238E27FC236}">
+                <a16:creationId xmlns:a16="http://schemas.microsoft.com/office/drawing/2014/main" id="{56AE2454-CE9A-4A6B-AB5A-349E0D967654}"/>
+              </a:ext>
+            </a:extLst>
+          </p:cNvPr>
+          <p:cNvSpPr>
+            <a:spLocks noGrp="1"/>
+          </p:cNvSpPr>
+          <p:nvPr>
+            <p:ph type="sldNum" sz="quarter" idx="12"/>
+          </p:nvPr>
+        </p:nvSpPr>
+        <p:spPr/>
+        <p:txBody>
+          <a:bodyPr rtlCol="0"/>
+          <a:lstStyle/>
+          <a:p>
+            <a:pPr rtl="0"/>
+            <a:fld id="{D8DA9DAA-006C-4F4B-980E-E3DF019B24E2}" type="slidenum">
+              <a:rPr lang="es-ES" smtClean="0"/>
+              <a:pPr rtl="0"/>
+              <a:t>8</a:t>
+            </a:fld>
+            <a:endParaRPr lang="es-ES"/>
+          </a:p>
+        </p:txBody>
+      </p:sp>
+      <p:sp>
+        <p:nvSpPr>
+          <p:cNvPr id="2" name="Título 2">
+            <a:extLst>
+              <a:ext uri="{FF2B5EF4-FFF2-40B4-BE49-F238E27FC236}">
+                <a16:creationId xmlns:a16="http://schemas.microsoft.com/office/drawing/2014/main" id="{31E957C0-B161-750D-0F24-A459C02A75C0}"/>
               </a:ext>
             </a:extLst>
           </p:cNvPr>
@@ -23928,7 +25965,7 @@
         </p:nvSpPr>
         <p:spPr>
           <a:xfrm>
-            <a:off x="576072" y="361028"/>
+            <a:off x="492098" y="884903"/>
             <a:ext cx="10771632" cy="1325563"/>
           </a:xfrm>
         </p:spPr>
@@ -23944,17 +25981,17 @@
                 <a:ea typeface="+mj-ea"/>
                 <a:cs typeface="+mj-cs"/>
               </a:rPr>
-              <a:t>Ingesta</a:t>
+              <a:t>Investigación</a:t>
             </a:r>
           </a:p>
         </p:txBody>
       </p:sp>
       <p:sp>
         <p:nvSpPr>
-          <p:cNvPr id="2" name="CuadroTexto 1">
+          <p:cNvPr id="4" name="CuadroTexto 3">
             <a:extLst>
               <a:ext uri="{FF2B5EF4-FFF2-40B4-BE49-F238E27FC236}">
-                <a16:creationId xmlns:a16="http://schemas.microsoft.com/office/drawing/2014/main" id="{96DAB9BC-8524-2B56-9B63-11757BDED860}"/>
+                <a16:creationId xmlns:a16="http://schemas.microsoft.com/office/drawing/2014/main" id="{FB807445-79BA-5DCF-99E0-905EE374E04A}"/>
               </a:ext>
             </a:extLst>
           </p:cNvPr>
@@ -23963,8 +26000,8 @@
         </p:nvSpPr>
         <p:spPr>
           <a:xfrm>
-            <a:off x="576072" y="1686591"/>
-            <a:ext cx="3824214" cy="4351338"/>
+            <a:off x="626772" y="2103792"/>
+            <a:ext cx="9419058" cy="4351338"/>
           </a:xfrm>
           <a:prstGeom prst="rect">
             <a:avLst/>
@@ -23976,6 +26013,87 @@
           </a:bodyPr>
           <a:lstStyle/>
           <a:p>
+            <a:pPr>
+              <a:lnSpc>
+                <a:spcPct val="90000"/>
+              </a:lnSpc>
+              <a:spcAft>
+                <a:spcPts val="600"/>
+              </a:spcAft>
+            </a:pPr>
+            <a:r>
+              <a:rPr lang="es-ES" sz="2800" dirty="0"/>
+              <a:t>Fuente de datos utilizados:</a:t>
+            </a:r>
+          </a:p>
+          <a:p>
+            <a:pPr marL="285750" indent="-228600">
+              <a:lnSpc>
+                <a:spcPct val="90000"/>
+              </a:lnSpc>
+              <a:spcAft>
+                <a:spcPts val="600"/>
+              </a:spcAft>
+              <a:buFont typeface="Arial" panose="020B0604020202020204" pitchFamily="34" charset="0"/>
+              <a:buChar char="•"/>
+            </a:pPr>
+            <a:r>
+              <a:rPr lang="es-ES" dirty="0"/>
+              <a:t>Datos estructurados: INE, Datos del Gobierno de España, </a:t>
+            </a:r>
+            <a:r>
+              <a:rPr lang="es-ES" dirty="0" err="1"/>
+              <a:t>Scientific</a:t>
+            </a:r>
+            <a:r>
+              <a:rPr lang="es-ES" dirty="0"/>
+              <a:t> Index, QEDU.</a:t>
+            </a:r>
+          </a:p>
+          <a:p>
+            <a:pPr marL="285750" indent="-228600">
+              <a:lnSpc>
+                <a:spcPct val="90000"/>
+              </a:lnSpc>
+              <a:spcAft>
+                <a:spcPts val="600"/>
+              </a:spcAft>
+              <a:buFont typeface="Arial" panose="020B0604020202020204" pitchFamily="34" charset="0"/>
+              <a:buChar char="•"/>
+            </a:pPr>
+            <a:r>
+              <a:rPr lang="es-ES" dirty="0"/>
+              <a:t>Datos no estructurados:  Tweets</a:t>
+            </a:r>
+          </a:p>
+          <a:p>
+            <a:pPr marL="285750" indent="-228600">
+              <a:lnSpc>
+                <a:spcPct val="90000"/>
+              </a:lnSpc>
+              <a:spcAft>
+                <a:spcPts val="600"/>
+              </a:spcAft>
+              <a:buFont typeface="Arial" panose="020B0604020202020204" pitchFamily="34" charset="0"/>
+              <a:buChar char="•"/>
+            </a:pPr>
+            <a:endParaRPr lang="es-ES" dirty="0"/>
+          </a:p>
+          <a:p>
+            <a:pPr marL="57150">
+              <a:lnSpc>
+                <a:spcPct val="90000"/>
+              </a:lnSpc>
+              <a:spcAft>
+                <a:spcPts val="600"/>
+              </a:spcAft>
+            </a:pPr>
+            <a:r>
+              <a:rPr lang="es-ES" dirty="0"/>
+              <a:t>	</a:t>
+            </a:r>
+          </a:p>
+          <a:p>
             <a:pPr indent="-228600">
               <a:lnSpc>
                 <a:spcPct val="90000"/>
@@ -23986,14 +26104,7 @@
               <a:buFont typeface="Arial" panose="020B0604020202020204" pitchFamily="34" charset="0"/>
               <a:buChar char="•"/>
             </a:pPr>
-            <a:r>
-              <a:rPr lang="es-ES" sz="2800" dirty="0">
-                <a:solidFill>
-                  <a:schemeClr val="bg1"/>
-                </a:solidFill>
-              </a:rPr>
-              <a:t>Tecnologías de almacenamiento:</a:t>
-            </a:r>
+            <a:endParaRPr lang="es-ES" sz="2800" dirty="0"/>
           </a:p>
           <a:p>
             <a:pPr indent="-228600">
@@ -24006,47 +26117,10 @@
               <a:buFont typeface="Arial" panose="020B0604020202020204" pitchFamily="34" charset="0"/>
               <a:buChar char="•"/>
             </a:pPr>
-            <a:r>
-              <a:rPr lang="es-ES" sz="2800" dirty="0">
-                <a:solidFill>
-                  <a:schemeClr val="bg1"/>
-                </a:solidFill>
-              </a:rPr>
-              <a:t>estructurados</a:t>
-            </a:r>
-          </a:p>
-          <a:p>
-            <a:pPr>
-              <a:lnSpc>
-                <a:spcPct val="90000"/>
-              </a:lnSpc>
-              <a:spcAft>
-                <a:spcPts val="600"/>
-              </a:spcAft>
-            </a:pPr>
-            <a:endParaRPr lang="es-ES" sz="2800" dirty="0">
-              <a:solidFill>
-                <a:schemeClr val="bg1"/>
-              </a:solidFill>
-            </a:endParaRPr>
-          </a:p>
-          <a:p>
-            <a:pPr>
-              <a:lnSpc>
-                <a:spcPct val="90000"/>
-              </a:lnSpc>
-              <a:spcAft>
-                <a:spcPts val="600"/>
-              </a:spcAft>
-            </a:pPr>
-            <a:endParaRPr lang="es-ES" sz="2800" dirty="0">
-              <a:solidFill>
-                <a:schemeClr val="bg1"/>
-              </a:solidFill>
-            </a:endParaRPr>
-          </a:p>
-          <a:p>
-            <a:pPr marL="285750" indent="-228600">
+            <a:endParaRPr lang="es-ES" sz="2800" dirty="0"/>
+          </a:p>
+          <a:p>
+            <a:pPr indent="-228600">
               <a:lnSpc>
                 <a:spcPct val="90000"/>
               </a:lnSpc>
@@ -24056,29 +26130,7 @@
               <a:buFont typeface="Arial" panose="020B0604020202020204" pitchFamily="34" charset="0"/>
               <a:buChar char="•"/>
             </a:pPr>
-            <a:endParaRPr lang="es-ES" dirty="0">
-              <a:solidFill>
-                <a:schemeClr val="bg1"/>
-              </a:solidFill>
-            </a:endParaRPr>
-          </a:p>
-          <a:p>
-            <a:pPr marL="57150">
-              <a:lnSpc>
-                <a:spcPct val="90000"/>
-              </a:lnSpc>
-              <a:spcAft>
-                <a:spcPts val="600"/>
-              </a:spcAft>
-            </a:pPr>
-            <a:r>
-              <a:rPr lang="es-ES" dirty="0">
-                <a:solidFill>
-                  <a:schemeClr val="bg1"/>
-                </a:solidFill>
-              </a:rPr>
-              <a:t>	</a:t>
-            </a:r>
+            <a:endParaRPr lang="es-ES" sz="2800" dirty="0"/>
           </a:p>
           <a:p>
             <a:pPr indent="-228600">
@@ -24097,155 +26149,14 @@
               </a:solidFill>
             </a:endParaRPr>
           </a:p>
-          <a:p>
-            <a:pPr indent="-228600">
-              <a:lnSpc>
-                <a:spcPct val="90000"/>
-              </a:lnSpc>
-              <a:spcAft>
-                <a:spcPts val="600"/>
-              </a:spcAft>
-              <a:buFont typeface="Arial" panose="020B0604020202020204" pitchFamily="34" charset="0"/>
-              <a:buChar char="•"/>
-            </a:pPr>
-            <a:endParaRPr lang="es-ES" sz="2800" dirty="0">
-              <a:solidFill>
-                <a:schemeClr val="bg1"/>
-              </a:solidFill>
-            </a:endParaRPr>
-          </a:p>
-          <a:p>
-            <a:pPr indent="-228600">
-              <a:lnSpc>
-                <a:spcPct val="90000"/>
-              </a:lnSpc>
-              <a:spcAft>
-                <a:spcPts val="600"/>
-              </a:spcAft>
-              <a:buFont typeface="Arial" panose="020B0604020202020204" pitchFamily="34" charset="0"/>
-              <a:buChar char="•"/>
-            </a:pPr>
-            <a:endParaRPr lang="es-ES" sz="2800" dirty="0">
-              <a:solidFill>
-                <a:schemeClr val="bg1"/>
-              </a:solidFill>
-            </a:endParaRPr>
-          </a:p>
-          <a:p>
-            <a:pPr indent="-228600">
-              <a:lnSpc>
-                <a:spcPct val="90000"/>
-              </a:lnSpc>
-              <a:spcAft>
-                <a:spcPts val="600"/>
-              </a:spcAft>
-              <a:buFont typeface="Arial" panose="020B0604020202020204" pitchFamily="34" charset="0"/>
-              <a:buChar char="•"/>
-            </a:pPr>
-            <a:endParaRPr lang="es-ES" sz="2800" dirty="0">
-              <a:solidFill>
-                <a:schemeClr val="bg1"/>
-              </a:solidFill>
-            </a:endParaRPr>
-          </a:p>
-        </p:txBody>
-      </p:sp>
-      <p:sp>
-        <p:nvSpPr>
-          <p:cNvPr id="10" name="Marcador de pie de página 9">
-            <a:extLst>
-              <a:ext uri="{FF2B5EF4-FFF2-40B4-BE49-F238E27FC236}">
-                <a16:creationId xmlns:a16="http://schemas.microsoft.com/office/drawing/2014/main" id="{A8C7C3A0-5E78-49C8-B8D4-F3DF62B2BC93}"/>
-              </a:ext>
-            </a:extLst>
-          </p:cNvPr>
-          <p:cNvSpPr>
-            <a:spLocks noGrp="1"/>
-          </p:cNvSpPr>
-          <p:nvPr>
-            <p:ph type="ftr" sz="quarter" idx="11"/>
-          </p:nvPr>
-        </p:nvSpPr>
-        <p:spPr>
-          <a:xfrm>
-            <a:off x="8770138" y="393175"/>
-            <a:ext cx="3630168" cy="365125"/>
-          </a:xfrm>
-        </p:spPr>
-        <p:txBody>
-          <a:bodyPr vert="horz" lIns="91440" tIns="45720" rIns="91440" bIns="45720" rtlCol="0" anchor="ctr">
-            <a:normAutofit/>
-          </a:bodyPr>
-          <a:lstStyle/>
-          <a:p>
-            <a:pPr>
-              <a:spcAft>
-                <a:spcPts val="600"/>
-              </a:spcAft>
-            </a:pPr>
-            <a:r>
-              <a:rPr lang="es-ES" b="1" i="0" kern="1200" cap="all" spc="100" baseline="0">
-                <a:latin typeface="+mn-lt"/>
-                <a:ea typeface="+mn-ea"/>
-                <a:cs typeface="+mn-cs"/>
-              </a:rPr>
-              <a:t>U-pick</a:t>
-            </a:r>
-          </a:p>
-        </p:txBody>
-      </p:sp>
-      <p:sp>
-        <p:nvSpPr>
-          <p:cNvPr id="11" name="Marcador de número de diapositiva 10">
-            <a:extLst>
-              <a:ext uri="{FF2B5EF4-FFF2-40B4-BE49-F238E27FC236}">
-                <a16:creationId xmlns:a16="http://schemas.microsoft.com/office/drawing/2014/main" id="{56AE2454-CE9A-4A6B-AB5A-349E0D967654}"/>
-              </a:ext>
-            </a:extLst>
-          </p:cNvPr>
-          <p:cNvSpPr>
-            <a:spLocks noGrp="1"/>
-          </p:cNvSpPr>
-          <p:nvPr>
-            <p:ph type="sldNum" sz="quarter" idx="12"/>
-          </p:nvPr>
-        </p:nvSpPr>
-        <p:spPr>
-          <a:xfrm>
-            <a:off x="8610600" y="6356350"/>
-            <a:ext cx="2743200" cy="365125"/>
-          </a:xfrm>
-        </p:spPr>
-        <p:txBody>
-          <a:bodyPr vert="horz" lIns="91440" tIns="45720" rIns="91440" bIns="45720" rtlCol="0" anchor="ctr">
-            <a:normAutofit/>
-          </a:bodyPr>
-          <a:lstStyle/>
-          <a:p>
-            <a:pPr>
-              <a:spcAft>
-                <a:spcPts val="600"/>
-              </a:spcAft>
-            </a:pPr>
-            <a:fld id="{D8DA9DAA-006C-4F4B-980E-E3DF019B24E2}" type="slidenum">
-              <a:rPr lang="es-ES" smtClean="0"/>
-              <a:pPr>
-                <a:spcAft>
-                  <a:spcPts val="600"/>
-                </a:spcAft>
-              </a:pPr>
-              <a:t>8</a:t>
-            </a:fld>
-            <a:endParaRPr lang="es-ES"/>
-          </a:p>
         </p:txBody>
       </p:sp>
       <p:pic>
         <p:nvPicPr>
-          <p:cNvPr id="8" name="Imagen 7">
+          <p:cNvPr id="5" name="Imagen 4">
             <a:extLst>
               <a:ext uri="{FF2B5EF4-FFF2-40B4-BE49-F238E27FC236}">
-                <a16:creationId xmlns:a16="http://schemas.microsoft.com/office/drawing/2014/main" id="{ED747128-B71F-C98E-E2FB-5ECD5B4F027C}"/>
+                <a16:creationId xmlns:a16="http://schemas.microsoft.com/office/drawing/2014/main" id="{B70478EC-DC39-9912-5569-AC99E37C3253}"/>
               </a:ext>
             </a:extLst>
           </p:cNvPr>
@@ -24258,8 +26169,188 @@
         </p:blipFill>
         <p:spPr>
           <a:xfrm>
-            <a:off x="5496289" y="3301755"/>
-            <a:ext cx="1725840" cy="1439431"/>
+            <a:off x="4583496" y="2836809"/>
+            <a:ext cx="433136" cy="367032"/>
+          </a:xfrm>
+          <a:prstGeom prst="rect">
+            <a:avLst/>
+          </a:prstGeom>
+          <a:ln>
+            <a:noFill/>
+          </a:ln>
+        </p:spPr>
+      </p:pic>
+      <p:sp>
+        <p:nvSpPr>
+          <p:cNvPr id="6" name="CuadroTexto 5">
+            <a:extLst>
+              <a:ext uri="{FF2B5EF4-FFF2-40B4-BE49-F238E27FC236}">
+                <a16:creationId xmlns:a16="http://schemas.microsoft.com/office/drawing/2014/main" id="{3149EAC0-0985-74C1-2A0C-16FF2E18F635}"/>
+              </a:ext>
+            </a:extLst>
+          </p:cNvPr>
+          <p:cNvSpPr txBox="1"/>
+          <p:nvPr/>
+        </p:nvSpPr>
+        <p:spPr>
+          <a:xfrm>
+            <a:off x="626772" y="3629769"/>
+            <a:ext cx="4652210" cy="1077218"/>
+          </a:xfrm>
+          <a:prstGeom prst="rect">
+            <a:avLst/>
+          </a:prstGeom>
+          <a:noFill/>
+        </p:spPr>
+        <p:txBody>
+          <a:bodyPr wrap="square" rtlCol="0">
+            <a:spAutoFit/>
+          </a:bodyPr>
+          <a:lstStyle/>
+          <a:p>
+            <a:r>
+              <a:rPr lang="es-ES" sz="2800" dirty="0"/>
+              <a:t>Métodos de recolección:</a:t>
+            </a:r>
+          </a:p>
+          <a:p>
+            <a:pPr marL="285750" indent="-285750">
+              <a:buFont typeface="Arial" panose="020B0604020202020204" pitchFamily="34" charset="0"/>
+              <a:buChar char="•"/>
+            </a:pPr>
+            <a:r>
+              <a:rPr lang="es-ES" dirty="0"/>
+              <a:t>Web </a:t>
+            </a:r>
+            <a:r>
+              <a:rPr lang="es-ES" dirty="0" err="1"/>
+              <a:t>Scraping</a:t>
+            </a:r>
+            <a:endParaRPr lang="es-ES" dirty="0"/>
+          </a:p>
+          <a:p>
+            <a:pPr marL="285750" indent="-285750">
+              <a:buFont typeface="Arial" panose="020B0604020202020204" pitchFamily="34" charset="0"/>
+              <a:buChar char="•"/>
+            </a:pPr>
+            <a:r>
+              <a:rPr lang="es-ES" sz="1800" dirty="0"/>
+              <a:t>Python</a:t>
+            </a:r>
+          </a:p>
+        </p:txBody>
+      </p:sp>
+      <p:sp>
+        <p:nvSpPr>
+          <p:cNvPr id="7" name="CuadroTexto 6">
+            <a:extLst>
+              <a:ext uri="{FF2B5EF4-FFF2-40B4-BE49-F238E27FC236}">
+                <a16:creationId xmlns:a16="http://schemas.microsoft.com/office/drawing/2014/main" id="{49243085-683E-3D59-57D4-A620B93C32DC}"/>
+              </a:ext>
+            </a:extLst>
+          </p:cNvPr>
+          <p:cNvSpPr txBox="1"/>
+          <p:nvPr/>
+        </p:nvSpPr>
+        <p:spPr>
+          <a:xfrm>
+            <a:off x="577780" y="5062094"/>
+            <a:ext cx="8641801" cy="1354217"/>
+          </a:xfrm>
+          <a:prstGeom prst="rect">
+            <a:avLst/>
+          </a:prstGeom>
+          <a:noFill/>
+        </p:spPr>
+        <p:txBody>
+          <a:bodyPr wrap="square" rtlCol="0">
+            <a:spAutoFit/>
+          </a:bodyPr>
+          <a:lstStyle/>
+          <a:p>
+            <a:r>
+              <a:rPr lang="es-ES" sz="2800" dirty="0"/>
+              <a:t>Desafíos:</a:t>
+            </a:r>
+          </a:p>
+          <a:p>
+            <a:pPr marL="285750" indent="-285750">
+              <a:buFont typeface="Arial" panose="020B0604020202020204" pitchFamily="34" charset="0"/>
+              <a:buChar char="•"/>
+            </a:pPr>
+            <a:r>
+              <a:rPr lang="es-ES" dirty="0"/>
+              <a:t>No poder adquirir tweets reales</a:t>
+            </a:r>
+          </a:p>
+          <a:p>
+            <a:pPr marL="285750" indent="-285750">
+              <a:buFont typeface="Arial" panose="020B0604020202020204" pitchFamily="34" charset="0"/>
+              <a:buChar char="•"/>
+            </a:pPr>
+            <a:r>
+              <a:rPr lang="es-ES" dirty="0"/>
+              <a:t>Estructuración de los datos</a:t>
+            </a:r>
+          </a:p>
+          <a:p>
+            <a:endParaRPr lang="es-ES" dirty="0">
+              <a:solidFill>
+                <a:schemeClr val="bg1"/>
+              </a:solidFill>
+            </a:endParaRPr>
+          </a:p>
+        </p:txBody>
+      </p:sp>
+      <p:pic>
+        <p:nvPicPr>
+          <p:cNvPr id="8" name="Imagen 7">
+            <a:extLst>
+              <a:ext uri="{FF2B5EF4-FFF2-40B4-BE49-F238E27FC236}">
+                <a16:creationId xmlns:a16="http://schemas.microsoft.com/office/drawing/2014/main" id="{B2EB0632-830B-9850-7E84-3627161995A4}"/>
+              </a:ext>
+            </a:extLst>
+          </p:cNvPr>
+          <p:cNvPicPr/>
+          <p:nvPr/>
+        </p:nvPicPr>
+        <p:blipFill>
+          <a:blip r:embed="rId4"/>
+          <a:stretch/>
+        </p:blipFill>
+        <p:spPr>
+          <a:xfrm>
+            <a:off x="5324542" y="3899014"/>
+            <a:ext cx="1751806" cy="621300"/>
+          </a:xfrm>
+          <a:prstGeom prst="rect">
+            <a:avLst/>
+          </a:prstGeom>
+          <a:ln>
+            <a:noFill/>
+          </a:ln>
+        </p:spPr>
+      </p:pic>
+      <p:pic>
+        <p:nvPicPr>
+          <p:cNvPr id="9" name="Imagen 8">
+            <a:extLst>
+              <a:ext uri="{FF2B5EF4-FFF2-40B4-BE49-F238E27FC236}">
+                <a16:creationId xmlns:a16="http://schemas.microsoft.com/office/drawing/2014/main" id="{261FAF9C-A9D9-0AA2-B4B0-1EAC1647C267}"/>
+              </a:ext>
+            </a:extLst>
+          </p:cNvPr>
+          <p:cNvPicPr/>
+          <p:nvPr/>
+        </p:nvPicPr>
+        <p:blipFill>
+          <a:blip r:embed="rId5"/>
+          <a:stretch/>
+        </p:blipFill>
+        <p:spPr>
+          <a:xfrm>
+            <a:off x="5507275" y="4697267"/>
+            <a:ext cx="1569073" cy="821257"/>
           </a:xfrm>
           <a:prstGeom prst="rect">
             <a:avLst/>
@@ -24274,7 +26365,7 @@
           <p:cNvPr id="12" name="Imagen 11">
             <a:extLst>
               <a:ext uri="{FF2B5EF4-FFF2-40B4-BE49-F238E27FC236}">
-                <a16:creationId xmlns:a16="http://schemas.microsoft.com/office/drawing/2014/main" id="{8D4386F6-4D7E-AD90-87B1-C0B510BC9C98}"/>
+                <a16:creationId xmlns:a16="http://schemas.microsoft.com/office/drawing/2014/main" id="{7F6BE28B-8BCD-0C42-AC5E-58A2A744A47C}"/>
               </a:ext>
             </a:extLst>
           </p:cNvPr>
@@ -24282,13 +26373,42 @@
           <p:nvPr/>
         </p:nvPicPr>
         <p:blipFill>
-          <a:blip r:embed="rId4"/>
+          <a:blip r:embed="rId6"/>
           <a:stretch/>
         </p:blipFill>
         <p:spPr>
           <a:xfrm>
-            <a:off x="3033275" y="3177000"/>
-            <a:ext cx="1967040" cy="504000"/>
+            <a:off x="5660445" y="5594675"/>
+            <a:ext cx="718247" cy="718247"/>
+          </a:xfrm>
+          <a:prstGeom prst="rect">
+            <a:avLst/>
+          </a:prstGeom>
+          <a:ln>
+            <a:noFill/>
+          </a:ln>
+        </p:spPr>
+      </p:pic>
+      <p:pic>
+        <p:nvPicPr>
+          <p:cNvPr id="13" name="Imagen 12">
+            <a:extLst>
+              <a:ext uri="{FF2B5EF4-FFF2-40B4-BE49-F238E27FC236}">
+                <a16:creationId xmlns:a16="http://schemas.microsoft.com/office/drawing/2014/main" id="{453A8362-65E0-EBB3-3CAF-45C42BC00337}"/>
+              </a:ext>
+            </a:extLst>
+          </p:cNvPr>
+          <p:cNvPicPr/>
+          <p:nvPr/>
+        </p:nvPicPr>
+        <p:blipFill>
+          <a:blip r:embed="rId7"/>
+          <a:stretch/>
+        </p:blipFill>
+        <p:spPr>
+          <a:xfrm>
+            <a:off x="7788092" y="5229851"/>
+            <a:ext cx="648000" cy="648000"/>
           </a:xfrm>
           <a:prstGeom prst="rect">
             <a:avLst/>
@@ -24300,10 +26420,10 @@
       </p:pic>
       <p:sp>
         <p:nvSpPr>
-          <p:cNvPr id="13" name="CustomShape 4">
+          <p:cNvPr id="14" name="CustomShape 6">
             <a:extLst>
               <a:ext uri="{FF2B5EF4-FFF2-40B4-BE49-F238E27FC236}">
-                <a16:creationId xmlns:a16="http://schemas.microsoft.com/office/drawing/2014/main" id="{2DDA5877-4AB0-DAE7-2AEA-15AAADA865E3}"/>
+                <a16:creationId xmlns:a16="http://schemas.microsoft.com/office/drawing/2014/main" id="{E5EBE2E3-958B-B668-2F73-A08D23D58057}"/>
               </a:ext>
             </a:extLst>
           </p:cNvPr>
@@ -24311,9 +26431,9 @@
           <p:nvPr/>
         </p:nvSpPr>
         <p:spPr>
-          <a:xfrm rot="4800">
-            <a:off x="3619850" y="3888117"/>
-            <a:ext cx="1080000" cy="646560"/>
+          <a:xfrm rot="1225033">
+            <a:off x="7057141" y="5095727"/>
+            <a:ext cx="495000" cy="287280"/>
           </a:xfrm>
           <a:custGeom>
             <a:avLst/>
@@ -24322,30 +26442,259 @@
             <a:cxnLst/>
             <a:rect l="0" t="0" r="r" b="b"/>
             <a:pathLst>
-              <a:path w="3003" h="1798">
+              <a:path w="1377" h="800">
                 <a:moveTo>
-                  <a:pt x="0" y="548"/>
+                  <a:pt x="0" y="243"/>
                 </a:moveTo>
                 <a:lnTo>
-                  <a:pt x="1706" y="547"/>
+                  <a:pt x="782" y="243"/>
                 </a:lnTo>
                 <a:lnTo>
-                  <a:pt x="1706" y="0"/>
+                  <a:pt x="782" y="0"/>
                 </a:lnTo>
                 <a:lnTo>
-                  <a:pt x="3002" y="897"/>
+                  <a:pt x="1376" y="399"/>
                 </a:lnTo>
                 <a:lnTo>
-                  <a:pt x="1708" y="1797"/>
+                  <a:pt x="782" y="799"/>
                 </a:lnTo>
                 <a:lnTo>
-                  <a:pt x="1708" y="1249"/>
+                  <a:pt x="782" y="555"/>
                 </a:lnTo>
                 <a:lnTo>
-                  <a:pt x="2" y="1250"/>
+                  <a:pt x="0" y="555"/>
                 </a:lnTo>
                 <a:lnTo>
-                  <a:pt x="0" y="548"/>
+                  <a:pt x="0" y="243"/>
+                </a:lnTo>
+              </a:path>
+            </a:pathLst>
+          </a:custGeom>
+          <a:solidFill>
+            <a:srgbClr val="3465A4"/>
+          </a:solidFill>
+          <a:ln>
+            <a:solidFill>
+              <a:srgbClr val="3465A4"/>
+            </a:solidFill>
+          </a:ln>
+        </p:spPr>
+        <p:style>
+          <a:lnRef idx="0">
+            <a:scrgbClr r="0" g="0" b="0"/>
+          </a:lnRef>
+          <a:fillRef idx="0">
+            <a:scrgbClr r="0" g="0" b="0"/>
+          </a:fillRef>
+          <a:effectRef idx="0">
+            <a:scrgbClr r="0" g="0" b="0"/>
+          </a:effectRef>
+          <a:fontRef idx="minor"/>
+        </p:style>
+        <p:txBody>
+          <a:bodyPr/>
+          <a:lstStyle/>
+          <a:p>
+            <a:endParaRPr lang="es-ES_tradnl" dirty="0"/>
+          </a:p>
+        </p:txBody>
+      </p:sp>
+      <p:sp>
+        <p:nvSpPr>
+          <p:cNvPr id="22" name="CustomShape 6">
+            <a:extLst>
+              <a:ext uri="{FF2B5EF4-FFF2-40B4-BE49-F238E27FC236}">
+                <a16:creationId xmlns:a16="http://schemas.microsoft.com/office/drawing/2014/main" id="{AE74E28E-7322-EE21-E6B5-ABE1A7B9311A}"/>
+              </a:ext>
+            </a:extLst>
+          </p:cNvPr>
+          <p:cNvSpPr/>
+          <p:nvPr/>
+        </p:nvSpPr>
+        <p:spPr>
+          <a:xfrm rot="20320534">
+            <a:off x="7065643" y="5717359"/>
+            <a:ext cx="495000" cy="287280"/>
+          </a:xfrm>
+          <a:custGeom>
+            <a:avLst/>
+            <a:gdLst/>
+            <a:ahLst/>
+            <a:cxnLst/>
+            <a:rect l="0" t="0" r="r" b="b"/>
+            <a:pathLst>
+              <a:path w="1377" h="800">
+                <a:moveTo>
+                  <a:pt x="0" y="243"/>
+                </a:moveTo>
+                <a:lnTo>
+                  <a:pt x="782" y="243"/>
+                </a:lnTo>
+                <a:lnTo>
+                  <a:pt x="782" y="0"/>
+                </a:lnTo>
+                <a:lnTo>
+                  <a:pt x="1376" y="399"/>
+                </a:lnTo>
+                <a:lnTo>
+                  <a:pt x="782" y="799"/>
+                </a:lnTo>
+                <a:lnTo>
+                  <a:pt x="782" y="555"/>
+                </a:lnTo>
+                <a:lnTo>
+                  <a:pt x="0" y="555"/>
+                </a:lnTo>
+                <a:lnTo>
+                  <a:pt x="0" y="243"/>
+                </a:lnTo>
+              </a:path>
+            </a:pathLst>
+          </a:custGeom>
+          <a:solidFill>
+            <a:srgbClr val="3465A4"/>
+          </a:solidFill>
+          <a:ln>
+            <a:solidFill>
+              <a:srgbClr val="3465A4"/>
+            </a:solidFill>
+          </a:ln>
+        </p:spPr>
+        <p:style>
+          <a:lnRef idx="0">
+            <a:scrgbClr r="0" g="0" b="0"/>
+          </a:lnRef>
+          <a:fillRef idx="0">
+            <a:scrgbClr r="0" g="0" b="0"/>
+          </a:fillRef>
+          <a:effectRef idx="0">
+            <a:scrgbClr r="0" g="0" b="0"/>
+          </a:effectRef>
+          <a:fontRef idx="minor"/>
+        </p:style>
+      </p:sp>
+      <p:sp>
+        <p:nvSpPr>
+          <p:cNvPr id="23" name="CustomShape 6">
+            <a:extLst>
+              <a:ext uri="{FF2B5EF4-FFF2-40B4-BE49-F238E27FC236}">
+                <a16:creationId xmlns:a16="http://schemas.microsoft.com/office/drawing/2014/main" id="{01C23F27-5DA0-51A8-D00C-9804E74BC20E}"/>
+              </a:ext>
+            </a:extLst>
+          </p:cNvPr>
+          <p:cNvSpPr/>
+          <p:nvPr/>
+        </p:nvSpPr>
+        <p:spPr>
+          <a:xfrm>
+            <a:off x="7414906" y="4029051"/>
+            <a:ext cx="495000" cy="287280"/>
+          </a:xfrm>
+          <a:custGeom>
+            <a:avLst/>
+            <a:gdLst/>
+            <a:ahLst/>
+            <a:cxnLst/>
+            <a:rect l="0" t="0" r="r" b="b"/>
+            <a:pathLst>
+              <a:path w="1377" h="800">
+                <a:moveTo>
+                  <a:pt x="0" y="243"/>
+                </a:moveTo>
+                <a:lnTo>
+                  <a:pt x="782" y="243"/>
+                </a:lnTo>
+                <a:lnTo>
+                  <a:pt x="782" y="0"/>
+                </a:lnTo>
+                <a:lnTo>
+                  <a:pt x="1376" y="399"/>
+                </a:lnTo>
+                <a:lnTo>
+                  <a:pt x="782" y="799"/>
+                </a:lnTo>
+                <a:lnTo>
+                  <a:pt x="782" y="555"/>
+                </a:lnTo>
+                <a:lnTo>
+                  <a:pt x="0" y="555"/>
+                </a:lnTo>
+                <a:lnTo>
+                  <a:pt x="0" y="243"/>
+                </a:lnTo>
+              </a:path>
+            </a:pathLst>
+          </a:custGeom>
+          <a:solidFill>
+            <a:srgbClr val="3465A4"/>
+          </a:solidFill>
+          <a:ln>
+            <a:solidFill>
+              <a:srgbClr val="3465A4"/>
+            </a:solidFill>
+          </a:ln>
+        </p:spPr>
+        <p:style>
+          <a:lnRef idx="0">
+            <a:scrgbClr r="0" g="0" b="0"/>
+          </a:lnRef>
+          <a:fillRef idx="0">
+            <a:scrgbClr r="0" g="0" b="0"/>
+          </a:fillRef>
+          <a:effectRef idx="0">
+            <a:scrgbClr r="0" g="0" b="0"/>
+          </a:effectRef>
+          <a:fontRef idx="minor"/>
+        </p:style>
+      </p:sp>
+      <p:sp>
+        <p:nvSpPr>
+          <p:cNvPr id="24" name="CustomShape 6">
+            <a:extLst>
+              <a:ext uri="{FF2B5EF4-FFF2-40B4-BE49-F238E27FC236}">
+                <a16:creationId xmlns:a16="http://schemas.microsoft.com/office/drawing/2014/main" id="{FFB00AE7-09CE-103F-3D23-BA360D76E9C1}"/>
+              </a:ext>
+            </a:extLst>
+          </p:cNvPr>
+          <p:cNvSpPr/>
+          <p:nvPr/>
+        </p:nvSpPr>
+        <p:spPr>
+          <a:xfrm rot="21449252">
+            <a:off x="8666830" y="5374884"/>
+            <a:ext cx="495000" cy="287280"/>
+          </a:xfrm>
+          <a:custGeom>
+            <a:avLst/>
+            <a:gdLst/>
+            <a:ahLst/>
+            <a:cxnLst/>
+            <a:rect l="0" t="0" r="r" b="b"/>
+            <a:pathLst>
+              <a:path w="1377" h="800">
+                <a:moveTo>
+                  <a:pt x="0" y="243"/>
+                </a:moveTo>
+                <a:lnTo>
+                  <a:pt x="782" y="243"/>
+                </a:lnTo>
+                <a:lnTo>
+                  <a:pt x="782" y="0"/>
+                </a:lnTo>
+                <a:lnTo>
+                  <a:pt x="1376" y="399"/>
+                </a:lnTo>
+                <a:lnTo>
+                  <a:pt x="782" y="799"/>
+                </a:lnTo>
+                <a:lnTo>
+                  <a:pt x="782" y="555"/>
+                </a:lnTo>
+                <a:lnTo>
+                  <a:pt x="0" y="555"/>
+                </a:lnTo>
+                <a:lnTo>
+                  <a:pt x="0" y="243"/>
                 </a:lnTo>
               </a:path>
             </a:pathLst>
@@ -24374,10 +26723,10 @@
       </p:sp>
       <p:pic>
         <p:nvPicPr>
-          <p:cNvPr id="14" name="Imagen 13">
+          <p:cNvPr id="25" name="Imagen 24">
             <a:extLst>
               <a:ext uri="{FF2B5EF4-FFF2-40B4-BE49-F238E27FC236}">
-                <a16:creationId xmlns:a16="http://schemas.microsoft.com/office/drawing/2014/main" id="{5DF0B2B5-C2B9-43CA-982C-1D99DB16FEFF}"/>
+                <a16:creationId xmlns:a16="http://schemas.microsoft.com/office/drawing/2014/main" id="{8127732F-FDDE-9A2E-E5E5-AC83E9B9FE1C}"/>
               </a:ext>
             </a:extLst>
           </p:cNvPr>
@@ -24385,13 +26734,13 @@
           <p:nvPr/>
         </p:nvPicPr>
         <p:blipFill>
-          <a:blip r:embed="rId5"/>
+          <a:blip r:embed="rId8"/>
           <a:stretch/>
         </p:blipFill>
         <p:spPr>
           <a:xfrm>
-            <a:off x="172000" y="3149564"/>
-            <a:ext cx="2651411" cy="1325563"/>
+            <a:off x="8093389" y="3720945"/>
+            <a:ext cx="685406" cy="776810"/>
           </a:xfrm>
           <a:prstGeom prst="rect">
             <a:avLst/>
@@ -24401,204 +26750,39 @@
           </a:ln>
         </p:spPr>
       </p:pic>
-      <p:sp>
-        <p:nvSpPr>
-          <p:cNvPr id="15" name="CuadroTexto 14">
+      <p:pic>
+        <p:nvPicPr>
+          <p:cNvPr id="26" name="Imagen 25">
             <a:extLst>
               <a:ext uri="{FF2B5EF4-FFF2-40B4-BE49-F238E27FC236}">
-                <a16:creationId xmlns:a16="http://schemas.microsoft.com/office/drawing/2014/main" id="{A38B877A-434A-C027-BD55-58F2240149C1}"/>
+                <a16:creationId xmlns:a16="http://schemas.microsoft.com/office/drawing/2014/main" id="{B9231323-2F2D-AECB-A4A8-AF4C34DED1D6}"/>
               </a:ext>
             </a:extLst>
           </p:cNvPr>
-          <p:cNvSpPr txBox="1"/>
+          <p:cNvPicPr/>
           <p:nvPr/>
-        </p:nvSpPr>
+        </p:nvPicPr>
+        <p:blipFill>
+          <a:blip r:embed="rId8"/>
+          <a:stretch/>
+        </p:blipFill>
         <p:spPr>
           <a:xfrm>
-            <a:off x="7523490" y="1253331"/>
-            <a:ext cx="3824214" cy="4351338"/>
+            <a:off x="9306943" y="5149080"/>
+            <a:ext cx="738887" cy="738887"/>
           </a:xfrm>
           <a:prstGeom prst="rect">
             <a:avLst/>
           </a:prstGeom>
+          <a:ln>
+            <a:noFill/>
+          </a:ln>
         </p:spPr>
-        <p:txBody>
-          <a:bodyPr vert="horz" lIns="91440" tIns="45720" rIns="91440" bIns="45720" rtlCol="0">
-            <a:normAutofit/>
-          </a:bodyPr>
-          <a:lstStyle/>
-          <a:p>
-            <a:pPr>
-              <a:lnSpc>
-                <a:spcPct val="90000"/>
-              </a:lnSpc>
-              <a:spcAft>
-                <a:spcPts val="600"/>
-              </a:spcAft>
-            </a:pPr>
-            <a:endParaRPr lang="es-ES" sz="2800" dirty="0">
-              <a:solidFill>
-                <a:schemeClr val="bg1"/>
-              </a:solidFill>
-            </a:endParaRPr>
-          </a:p>
-          <a:p>
-            <a:pPr>
-              <a:lnSpc>
-                <a:spcPct val="90000"/>
-              </a:lnSpc>
-              <a:spcAft>
-                <a:spcPts val="600"/>
-              </a:spcAft>
-            </a:pPr>
-            <a:r>
-              <a:rPr lang="es-ES" sz="2800" dirty="0">
-                <a:solidFill>
-                  <a:schemeClr val="bg1"/>
-                </a:solidFill>
-              </a:rPr>
-              <a:t>NO estructurados</a:t>
-            </a:r>
-          </a:p>
-          <a:p>
-            <a:pPr>
-              <a:lnSpc>
-                <a:spcPct val="90000"/>
-              </a:lnSpc>
-              <a:spcAft>
-                <a:spcPts val="600"/>
-              </a:spcAft>
-            </a:pPr>
-            <a:endParaRPr lang="es-ES" sz="2800" dirty="0">
-              <a:solidFill>
-                <a:schemeClr val="bg1"/>
-              </a:solidFill>
-            </a:endParaRPr>
-          </a:p>
-          <a:p>
-            <a:pPr>
-              <a:lnSpc>
-                <a:spcPct val="90000"/>
-              </a:lnSpc>
-              <a:spcAft>
-                <a:spcPts val="600"/>
-              </a:spcAft>
-            </a:pPr>
-            <a:endParaRPr lang="es-ES" sz="2800" dirty="0">
-              <a:solidFill>
-                <a:schemeClr val="bg1"/>
-              </a:solidFill>
-            </a:endParaRPr>
-          </a:p>
-          <a:p>
-            <a:pPr marL="285750" indent="-228600">
-              <a:lnSpc>
-                <a:spcPct val="90000"/>
-              </a:lnSpc>
-              <a:spcAft>
-                <a:spcPts val="600"/>
-              </a:spcAft>
-              <a:buFont typeface="Arial" panose="020B0604020202020204" pitchFamily="34" charset="0"/>
-              <a:buChar char="•"/>
-            </a:pPr>
-            <a:endParaRPr lang="es-ES" dirty="0">
-              <a:solidFill>
-                <a:schemeClr val="bg1"/>
-              </a:solidFill>
-            </a:endParaRPr>
-          </a:p>
-          <a:p>
-            <a:pPr marL="57150">
-              <a:lnSpc>
-                <a:spcPct val="90000"/>
-              </a:lnSpc>
-              <a:spcAft>
-                <a:spcPts val="600"/>
-              </a:spcAft>
-            </a:pPr>
-            <a:r>
-              <a:rPr lang="es-ES" dirty="0">
-                <a:solidFill>
-                  <a:schemeClr val="bg1"/>
-                </a:solidFill>
-              </a:rPr>
-              <a:t>	</a:t>
-            </a:r>
-          </a:p>
-          <a:p>
-            <a:pPr indent="-228600">
-              <a:lnSpc>
-                <a:spcPct val="90000"/>
-              </a:lnSpc>
-              <a:spcAft>
-                <a:spcPts val="600"/>
-              </a:spcAft>
-              <a:buFont typeface="Arial" panose="020B0604020202020204" pitchFamily="34" charset="0"/>
-              <a:buChar char="•"/>
-            </a:pPr>
-            <a:endParaRPr lang="es-ES" sz="2800" dirty="0">
-              <a:solidFill>
-                <a:schemeClr val="bg1"/>
-              </a:solidFill>
-            </a:endParaRPr>
-          </a:p>
-          <a:p>
-            <a:pPr indent="-228600">
-              <a:lnSpc>
-                <a:spcPct val="90000"/>
-              </a:lnSpc>
-              <a:spcAft>
-                <a:spcPts val="600"/>
-              </a:spcAft>
-              <a:buFont typeface="Arial" panose="020B0604020202020204" pitchFamily="34" charset="0"/>
-              <a:buChar char="•"/>
-            </a:pPr>
-            <a:endParaRPr lang="es-ES" sz="2800" dirty="0">
-              <a:solidFill>
-                <a:schemeClr val="bg1"/>
-              </a:solidFill>
-            </a:endParaRPr>
-          </a:p>
-          <a:p>
-            <a:pPr indent="-228600">
-              <a:lnSpc>
-                <a:spcPct val="90000"/>
-              </a:lnSpc>
-              <a:spcAft>
-                <a:spcPts val="600"/>
-              </a:spcAft>
-              <a:buFont typeface="Arial" panose="020B0604020202020204" pitchFamily="34" charset="0"/>
-              <a:buChar char="•"/>
-            </a:pPr>
-            <a:endParaRPr lang="es-ES" sz="2800" dirty="0">
-              <a:solidFill>
-                <a:schemeClr val="bg1"/>
-              </a:solidFill>
-            </a:endParaRPr>
-          </a:p>
-          <a:p>
-            <a:pPr indent="-228600">
-              <a:lnSpc>
-                <a:spcPct val="90000"/>
-              </a:lnSpc>
-              <a:spcAft>
-                <a:spcPts val="600"/>
-              </a:spcAft>
-              <a:buFont typeface="Arial" panose="020B0604020202020204" pitchFamily="34" charset="0"/>
-              <a:buChar char="•"/>
-            </a:pPr>
-            <a:endParaRPr lang="es-ES" sz="2800" dirty="0">
-              <a:solidFill>
-                <a:schemeClr val="bg1"/>
-              </a:solidFill>
-            </a:endParaRPr>
-          </a:p>
-        </p:txBody>
-      </p:sp>
+      </p:pic>
     </p:spTree>
     <p:extLst>
       <p:ext uri="{BB962C8B-B14F-4D97-AF65-F5344CB8AC3E}">
-        <p14:creationId xmlns:p14="http://schemas.microsoft.com/office/powerpoint/2010/main" val="124796702"/>
+        <p14:creationId xmlns:p14="http://schemas.microsoft.com/office/powerpoint/2010/main" val="1333593732"/>
       </p:ext>
     </p:extLst>
   </p:cSld>
@@ -24627,10 +26811,75 @@
       </p:grpSpPr>
       <p:sp>
         <p:nvSpPr>
-          <p:cNvPr id="3" name="Título 2">
+          <p:cNvPr id="10" name="Marcador de pie de página 9">
             <a:extLst>
               <a:ext uri="{FF2B5EF4-FFF2-40B4-BE49-F238E27FC236}">
-                <a16:creationId xmlns:a16="http://schemas.microsoft.com/office/drawing/2014/main" id="{0115FF41-AFA4-4D25-AB42-AB034F4B4FEC}"/>
+                <a16:creationId xmlns:a16="http://schemas.microsoft.com/office/drawing/2014/main" id="{A8C7C3A0-5E78-49C8-B8D4-F3DF62B2BC93}"/>
+              </a:ext>
+            </a:extLst>
+          </p:cNvPr>
+          <p:cNvSpPr>
+            <a:spLocks noGrp="1"/>
+          </p:cNvSpPr>
+          <p:nvPr>
+            <p:ph type="ftr" sz="quarter" idx="11"/>
+          </p:nvPr>
+        </p:nvSpPr>
+        <p:spPr>
+          <a:xfrm>
+            <a:off x="6378692" y="621791"/>
+            <a:ext cx="4114800" cy="365125"/>
+          </a:xfrm>
+        </p:spPr>
+        <p:txBody>
+          <a:bodyPr rtlCol="0"/>
+          <a:lstStyle/>
+          <a:p>
+            <a:pPr rtl="0"/>
+            <a:r>
+              <a:rPr lang="es-ES" dirty="0"/>
+              <a:t>U-pick</a:t>
+            </a:r>
+          </a:p>
+        </p:txBody>
+      </p:sp>
+      <p:sp>
+        <p:nvSpPr>
+          <p:cNvPr id="11" name="Marcador de número de diapositiva 10">
+            <a:extLst>
+              <a:ext uri="{FF2B5EF4-FFF2-40B4-BE49-F238E27FC236}">
+                <a16:creationId xmlns:a16="http://schemas.microsoft.com/office/drawing/2014/main" id="{56AE2454-CE9A-4A6B-AB5A-349E0D967654}"/>
+              </a:ext>
+            </a:extLst>
+          </p:cNvPr>
+          <p:cNvSpPr>
+            <a:spLocks noGrp="1"/>
+          </p:cNvSpPr>
+          <p:nvPr>
+            <p:ph type="sldNum" sz="quarter" idx="12"/>
+          </p:nvPr>
+        </p:nvSpPr>
+        <p:spPr/>
+        <p:txBody>
+          <a:bodyPr rtlCol="0"/>
+          <a:lstStyle/>
+          <a:p>
+            <a:pPr rtl="0"/>
+            <a:fld id="{D8DA9DAA-006C-4F4B-980E-E3DF019B24E2}" type="slidenum">
+              <a:rPr lang="es-ES" smtClean="0"/>
+              <a:pPr rtl="0"/>
+              <a:t>9</a:t>
+            </a:fld>
+            <a:endParaRPr lang="es-ES"/>
+          </a:p>
+        </p:txBody>
+      </p:sp>
+      <p:sp>
+        <p:nvSpPr>
+          <p:cNvPr id="2" name="Título 2">
+            <a:extLst>
+              <a:ext uri="{FF2B5EF4-FFF2-40B4-BE49-F238E27FC236}">
+                <a16:creationId xmlns:a16="http://schemas.microsoft.com/office/drawing/2014/main" id="{31E957C0-B161-750D-0F24-A459C02A75C0}"/>
               </a:ext>
             </a:extLst>
           </p:cNvPr>
@@ -24643,7 +26892,7 @@
         </p:nvSpPr>
         <p:spPr>
           <a:xfrm>
-            <a:off x="576072" y="361028"/>
+            <a:off x="492098" y="884903"/>
             <a:ext cx="10771632" cy="1325563"/>
           </a:xfrm>
         </p:spPr>
@@ -24659,17 +26908,17 @@
                 <a:ea typeface="+mj-ea"/>
                 <a:cs typeface="+mj-cs"/>
               </a:rPr>
-              <a:t>Ingesta</a:t>
+              <a:t>Investigación</a:t>
             </a:r>
           </a:p>
         </p:txBody>
       </p:sp>
       <p:sp>
         <p:nvSpPr>
-          <p:cNvPr id="2" name="CuadroTexto 1">
+          <p:cNvPr id="4" name="CuadroTexto 3">
             <a:extLst>
               <a:ext uri="{FF2B5EF4-FFF2-40B4-BE49-F238E27FC236}">
-                <a16:creationId xmlns:a16="http://schemas.microsoft.com/office/drawing/2014/main" id="{96DAB9BC-8524-2B56-9B63-11757BDED860}"/>
+                <a16:creationId xmlns:a16="http://schemas.microsoft.com/office/drawing/2014/main" id="{FB807445-79BA-5DCF-99E0-905EE374E04A}"/>
               </a:ext>
             </a:extLst>
           </p:cNvPr>
@@ -24678,8 +26927,8 @@
         </p:nvSpPr>
         <p:spPr>
           <a:xfrm>
-            <a:off x="576072" y="1686591"/>
-            <a:ext cx="3824214" cy="4351338"/>
+            <a:off x="626772" y="2103792"/>
+            <a:ext cx="9419058" cy="4351338"/>
           </a:xfrm>
           <a:prstGeom prst="rect">
             <a:avLst/>
@@ -24691,6 +26940,87 @@
           </a:bodyPr>
           <a:lstStyle/>
           <a:p>
+            <a:pPr>
+              <a:lnSpc>
+                <a:spcPct val="90000"/>
+              </a:lnSpc>
+              <a:spcAft>
+                <a:spcPts val="600"/>
+              </a:spcAft>
+            </a:pPr>
+            <a:r>
+              <a:rPr lang="es-ES" sz="2800" dirty="0"/>
+              <a:t>Fuente de datos utilizados:</a:t>
+            </a:r>
+          </a:p>
+          <a:p>
+            <a:pPr marL="285750" indent="-228600">
+              <a:lnSpc>
+                <a:spcPct val="90000"/>
+              </a:lnSpc>
+              <a:spcAft>
+                <a:spcPts val="600"/>
+              </a:spcAft>
+              <a:buFont typeface="Arial" panose="020B0604020202020204" pitchFamily="34" charset="0"/>
+              <a:buChar char="•"/>
+            </a:pPr>
+            <a:r>
+              <a:rPr lang="es-ES" dirty="0"/>
+              <a:t>Datos estructurados: INE, Datos del Gobierno de España, </a:t>
+            </a:r>
+            <a:r>
+              <a:rPr lang="es-ES" dirty="0" err="1"/>
+              <a:t>Scientific</a:t>
+            </a:r>
+            <a:r>
+              <a:rPr lang="es-ES" dirty="0"/>
+              <a:t> Index, QEDU.</a:t>
+            </a:r>
+          </a:p>
+          <a:p>
+            <a:pPr marL="285750" indent="-228600">
+              <a:lnSpc>
+                <a:spcPct val="90000"/>
+              </a:lnSpc>
+              <a:spcAft>
+                <a:spcPts val="600"/>
+              </a:spcAft>
+              <a:buFont typeface="Arial" panose="020B0604020202020204" pitchFamily="34" charset="0"/>
+              <a:buChar char="•"/>
+            </a:pPr>
+            <a:r>
+              <a:rPr lang="es-ES" dirty="0"/>
+              <a:t>Datos no estructurados:  Tweets</a:t>
+            </a:r>
+          </a:p>
+          <a:p>
+            <a:pPr marL="285750" indent="-228600">
+              <a:lnSpc>
+                <a:spcPct val="90000"/>
+              </a:lnSpc>
+              <a:spcAft>
+                <a:spcPts val="600"/>
+              </a:spcAft>
+              <a:buFont typeface="Arial" panose="020B0604020202020204" pitchFamily="34" charset="0"/>
+              <a:buChar char="•"/>
+            </a:pPr>
+            <a:endParaRPr lang="es-ES" dirty="0"/>
+          </a:p>
+          <a:p>
+            <a:pPr marL="57150">
+              <a:lnSpc>
+                <a:spcPct val="90000"/>
+              </a:lnSpc>
+              <a:spcAft>
+                <a:spcPts val="600"/>
+              </a:spcAft>
+            </a:pPr>
+            <a:r>
+              <a:rPr lang="es-ES" dirty="0"/>
+              <a:t>	</a:t>
+            </a:r>
+          </a:p>
+          <a:p>
             <a:pPr indent="-228600">
               <a:lnSpc>
                 <a:spcPct val="90000"/>
@@ -24701,14 +27031,7 @@
               <a:buFont typeface="Arial" panose="020B0604020202020204" pitchFamily="34" charset="0"/>
               <a:buChar char="•"/>
             </a:pPr>
-            <a:r>
-              <a:rPr lang="es-ES" sz="2800" dirty="0">
-                <a:solidFill>
-                  <a:schemeClr val="bg1"/>
-                </a:solidFill>
-              </a:rPr>
-              <a:t>Tecnologías de almacenamiento:</a:t>
-            </a:r>
+            <a:endParaRPr lang="es-ES" sz="2800" dirty="0"/>
           </a:p>
           <a:p>
             <a:pPr indent="-228600">
@@ -24721,47 +27044,10 @@
               <a:buFont typeface="Arial" panose="020B0604020202020204" pitchFamily="34" charset="0"/>
               <a:buChar char="•"/>
             </a:pPr>
-            <a:r>
-              <a:rPr lang="es-ES" sz="2800" dirty="0">
-                <a:solidFill>
-                  <a:schemeClr val="bg1"/>
-                </a:solidFill>
-              </a:rPr>
-              <a:t>estructurados</a:t>
-            </a:r>
-          </a:p>
-          <a:p>
-            <a:pPr>
-              <a:lnSpc>
-                <a:spcPct val="90000"/>
-              </a:lnSpc>
-              <a:spcAft>
-                <a:spcPts val="600"/>
-              </a:spcAft>
-            </a:pPr>
-            <a:endParaRPr lang="es-ES" sz="2800" dirty="0">
-              <a:solidFill>
-                <a:schemeClr val="bg1"/>
-              </a:solidFill>
-            </a:endParaRPr>
-          </a:p>
-          <a:p>
-            <a:pPr>
-              <a:lnSpc>
-                <a:spcPct val="90000"/>
-              </a:lnSpc>
-              <a:spcAft>
-                <a:spcPts val="600"/>
-              </a:spcAft>
-            </a:pPr>
-            <a:endParaRPr lang="es-ES" sz="2800" dirty="0">
-              <a:solidFill>
-                <a:schemeClr val="bg1"/>
-              </a:solidFill>
-            </a:endParaRPr>
-          </a:p>
-          <a:p>
-            <a:pPr marL="285750" indent="-228600">
+            <a:endParaRPr lang="es-ES" sz="2800" dirty="0"/>
+          </a:p>
+          <a:p>
+            <a:pPr indent="-228600">
               <a:lnSpc>
                 <a:spcPct val="90000"/>
               </a:lnSpc>
@@ -24771,29 +27057,7 @@
               <a:buFont typeface="Arial" panose="020B0604020202020204" pitchFamily="34" charset="0"/>
               <a:buChar char="•"/>
             </a:pPr>
-            <a:endParaRPr lang="es-ES" dirty="0">
-              <a:solidFill>
-                <a:schemeClr val="bg1"/>
-              </a:solidFill>
-            </a:endParaRPr>
-          </a:p>
-          <a:p>
-            <a:pPr marL="57150">
-              <a:lnSpc>
-                <a:spcPct val="90000"/>
-              </a:lnSpc>
-              <a:spcAft>
-                <a:spcPts val="600"/>
-              </a:spcAft>
-            </a:pPr>
-            <a:r>
-              <a:rPr lang="es-ES" dirty="0">
-                <a:solidFill>
-                  <a:schemeClr val="bg1"/>
-                </a:solidFill>
-              </a:rPr>
-              <a:t>	</a:t>
-            </a:r>
+            <a:endParaRPr lang="es-ES" sz="2800" dirty="0"/>
           </a:p>
           <a:p>
             <a:pPr indent="-228600">
@@ -24812,155 +27076,14 @@
               </a:solidFill>
             </a:endParaRPr>
           </a:p>
-          <a:p>
-            <a:pPr indent="-228600">
-              <a:lnSpc>
-                <a:spcPct val="90000"/>
-              </a:lnSpc>
-              <a:spcAft>
-                <a:spcPts val="600"/>
-              </a:spcAft>
-              <a:buFont typeface="Arial" panose="020B0604020202020204" pitchFamily="34" charset="0"/>
-              <a:buChar char="•"/>
-            </a:pPr>
-            <a:endParaRPr lang="es-ES" sz="2800" dirty="0">
-              <a:solidFill>
-                <a:schemeClr val="bg1"/>
-              </a:solidFill>
-            </a:endParaRPr>
-          </a:p>
-          <a:p>
-            <a:pPr indent="-228600">
-              <a:lnSpc>
-                <a:spcPct val="90000"/>
-              </a:lnSpc>
-              <a:spcAft>
-                <a:spcPts val="600"/>
-              </a:spcAft>
-              <a:buFont typeface="Arial" panose="020B0604020202020204" pitchFamily="34" charset="0"/>
-              <a:buChar char="•"/>
-            </a:pPr>
-            <a:endParaRPr lang="es-ES" sz="2800" dirty="0">
-              <a:solidFill>
-                <a:schemeClr val="bg1"/>
-              </a:solidFill>
-            </a:endParaRPr>
-          </a:p>
-          <a:p>
-            <a:pPr indent="-228600">
-              <a:lnSpc>
-                <a:spcPct val="90000"/>
-              </a:lnSpc>
-              <a:spcAft>
-                <a:spcPts val="600"/>
-              </a:spcAft>
-              <a:buFont typeface="Arial" panose="020B0604020202020204" pitchFamily="34" charset="0"/>
-              <a:buChar char="•"/>
-            </a:pPr>
-            <a:endParaRPr lang="es-ES" sz="2800" dirty="0">
-              <a:solidFill>
-                <a:schemeClr val="bg1"/>
-              </a:solidFill>
-            </a:endParaRPr>
-          </a:p>
-        </p:txBody>
-      </p:sp>
-      <p:sp>
-        <p:nvSpPr>
-          <p:cNvPr id="10" name="Marcador de pie de página 9">
-            <a:extLst>
-              <a:ext uri="{FF2B5EF4-FFF2-40B4-BE49-F238E27FC236}">
-                <a16:creationId xmlns:a16="http://schemas.microsoft.com/office/drawing/2014/main" id="{A8C7C3A0-5E78-49C8-B8D4-F3DF62B2BC93}"/>
-              </a:ext>
-            </a:extLst>
-          </p:cNvPr>
-          <p:cNvSpPr>
-            <a:spLocks noGrp="1"/>
-          </p:cNvSpPr>
-          <p:nvPr>
-            <p:ph type="ftr" sz="quarter" idx="11"/>
-          </p:nvPr>
-        </p:nvSpPr>
-        <p:spPr>
-          <a:xfrm>
-            <a:off x="8770138" y="393175"/>
-            <a:ext cx="3630168" cy="365125"/>
-          </a:xfrm>
-        </p:spPr>
-        <p:txBody>
-          <a:bodyPr vert="horz" lIns="91440" tIns="45720" rIns="91440" bIns="45720" rtlCol="0" anchor="ctr">
-            <a:normAutofit/>
-          </a:bodyPr>
-          <a:lstStyle/>
-          <a:p>
-            <a:pPr>
-              <a:spcAft>
-                <a:spcPts val="600"/>
-              </a:spcAft>
-            </a:pPr>
-            <a:r>
-              <a:rPr lang="es-ES" b="1" i="0" kern="1200" cap="all" spc="100" baseline="0">
-                <a:latin typeface="+mn-lt"/>
-                <a:ea typeface="+mn-ea"/>
-                <a:cs typeface="+mn-cs"/>
-              </a:rPr>
-              <a:t>U-pick</a:t>
-            </a:r>
-          </a:p>
-        </p:txBody>
-      </p:sp>
-      <p:sp>
-        <p:nvSpPr>
-          <p:cNvPr id="11" name="Marcador de número de diapositiva 10">
-            <a:extLst>
-              <a:ext uri="{FF2B5EF4-FFF2-40B4-BE49-F238E27FC236}">
-                <a16:creationId xmlns:a16="http://schemas.microsoft.com/office/drawing/2014/main" id="{56AE2454-CE9A-4A6B-AB5A-349E0D967654}"/>
-              </a:ext>
-            </a:extLst>
-          </p:cNvPr>
-          <p:cNvSpPr>
-            <a:spLocks noGrp="1"/>
-          </p:cNvSpPr>
-          <p:nvPr>
-            <p:ph type="sldNum" sz="quarter" idx="12"/>
-          </p:nvPr>
-        </p:nvSpPr>
-        <p:spPr>
-          <a:xfrm>
-            <a:off x="8610600" y="6356350"/>
-            <a:ext cx="2743200" cy="365125"/>
-          </a:xfrm>
-        </p:spPr>
-        <p:txBody>
-          <a:bodyPr vert="horz" lIns="91440" tIns="45720" rIns="91440" bIns="45720" rtlCol="0" anchor="ctr">
-            <a:normAutofit/>
-          </a:bodyPr>
-          <a:lstStyle/>
-          <a:p>
-            <a:pPr>
-              <a:spcAft>
-                <a:spcPts val="600"/>
-              </a:spcAft>
-            </a:pPr>
-            <a:fld id="{D8DA9DAA-006C-4F4B-980E-E3DF019B24E2}" type="slidenum">
-              <a:rPr lang="es-ES" smtClean="0"/>
-              <a:pPr>
-                <a:spcAft>
-                  <a:spcPts val="600"/>
-                </a:spcAft>
-              </a:pPr>
-              <a:t>9</a:t>
-            </a:fld>
-            <a:endParaRPr lang="es-ES"/>
-          </a:p>
         </p:txBody>
       </p:sp>
       <p:pic>
         <p:nvPicPr>
-          <p:cNvPr id="8" name="Imagen 7">
+          <p:cNvPr id="5" name="Imagen 4">
             <a:extLst>
               <a:ext uri="{FF2B5EF4-FFF2-40B4-BE49-F238E27FC236}">
-                <a16:creationId xmlns:a16="http://schemas.microsoft.com/office/drawing/2014/main" id="{ED747128-B71F-C98E-E2FB-5ECD5B4F027C}"/>
+                <a16:creationId xmlns:a16="http://schemas.microsoft.com/office/drawing/2014/main" id="{B70478EC-DC39-9912-5569-AC99E37C3253}"/>
               </a:ext>
             </a:extLst>
           </p:cNvPr>
@@ -24973,8 +27096,188 @@
         </p:blipFill>
         <p:spPr>
           <a:xfrm>
-            <a:off x="5496289" y="3301755"/>
-            <a:ext cx="1725840" cy="1439431"/>
+            <a:off x="4583496" y="2836809"/>
+            <a:ext cx="433136" cy="367032"/>
+          </a:xfrm>
+          <a:prstGeom prst="rect">
+            <a:avLst/>
+          </a:prstGeom>
+          <a:ln>
+            <a:noFill/>
+          </a:ln>
+        </p:spPr>
+      </p:pic>
+      <p:sp>
+        <p:nvSpPr>
+          <p:cNvPr id="6" name="CuadroTexto 5">
+            <a:extLst>
+              <a:ext uri="{FF2B5EF4-FFF2-40B4-BE49-F238E27FC236}">
+                <a16:creationId xmlns:a16="http://schemas.microsoft.com/office/drawing/2014/main" id="{3149EAC0-0985-74C1-2A0C-16FF2E18F635}"/>
+              </a:ext>
+            </a:extLst>
+          </p:cNvPr>
+          <p:cNvSpPr txBox="1"/>
+          <p:nvPr/>
+        </p:nvSpPr>
+        <p:spPr>
+          <a:xfrm>
+            <a:off x="626772" y="3629769"/>
+            <a:ext cx="4652210" cy="1077218"/>
+          </a:xfrm>
+          <a:prstGeom prst="rect">
+            <a:avLst/>
+          </a:prstGeom>
+          <a:noFill/>
+        </p:spPr>
+        <p:txBody>
+          <a:bodyPr wrap="square" rtlCol="0">
+            <a:spAutoFit/>
+          </a:bodyPr>
+          <a:lstStyle/>
+          <a:p>
+            <a:r>
+              <a:rPr lang="es-ES" sz="2800" dirty="0"/>
+              <a:t>Métodos de recolección:</a:t>
+            </a:r>
+          </a:p>
+          <a:p>
+            <a:pPr marL="285750" indent="-285750">
+              <a:buFont typeface="Arial" panose="020B0604020202020204" pitchFamily="34" charset="0"/>
+              <a:buChar char="•"/>
+            </a:pPr>
+            <a:r>
+              <a:rPr lang="es-ES" dirty="0"/>
+              <a:t>Web </a:t>
+            </a:r>
+            <a:r>
+              <a:rPr lang="es-ES" dirty="0" err="1"/>
+              <a:t>Scraping</a:t>
+            </a:r>
+            <a:endParaRPr lang="es-ES" dirty="0"/>
+          </a:p>
+          <a:p>
+            <a:pPr marL="285750" indent="-285750">
+              <a:buFont typeface="Arial" panose="020B0604020202020204" pitchFamily="34" charset="0"/>
+              <a:buChar char="•"/>
+            </a:pPr>
+            <a:r>
+              <a:rPr lang="es-ES" sz="1800" dirty="0"/>
+              <a:t>Python</a:t>
+            </a:r>
+          </a:p>
+        </p:txBody>
+      </p:sp>
+      <p:sp>
+        <p:nvSpPr>
+          <p:cNvPr id="7" name="CuadroTexto 6">
+            <a:extLst>
+              <a:ext uri="{FF2B5EF4-FFF2-40B4-BE49-F238E27FC236}">
+                <a16:creationId xmlns:a16="http://schemas.microsoft.com/office/drawing/2014/main" id="{49243085-683E-3D59-57D4-A620B93C32DC}"/>
+              </a:ext>
+            </a:extLst>
+          </p:cNvPr>
+          <p:cNvSpPr txBox="1"/>
+          <p:nvPr/>
+        </p:nvSpPr>
+        <p:spPr>
+          <a:xfrm>
+            <a:off x="577780" y="5062094"/>
+            <a:ext cx="8641801" cy="1354217"/>
+          </a:xfrm>
+          <a:prstGeom prst="rect">
+            <a:avLst/>
+          </a:prstGeom>
+          <a:noFill/>
+        </p:spPr>
+        <p:txBody>
+          <a:bodyPr wrap="square" rtlCol="0">
+            <a:spAutoFit/>
+          </a:bodyPr>
+          <a:lstStyle/>
+          <a:p>
+            <a:r>
+              <a:rPr lang="es-ES" sz="2800" dirty="0"/>
+              <a:t>Desafíos:</a:t>
+            </a:r>
+          </a:p>
+          <a:p>
+            <a:pPr marL="285750" indent="-285750">
+              <a:buFont typeface="Arial" panose="020B0604020202020204" pitchFamily="34" charset="0"/>
+              <a:buChar char="•"/>
+            </a:pPr>
+            <a:r>
+              <a:rPr lang="es-ES" dirty="0"/>
+              <a:t>No poder adquirir tweets reales</a:t>
+            </a:r>
+          </a:p>
+          <a:p>
+            <a:pPr marL="285750" indent="-285750">
+              <a:buFont typeface="Arial" panose="020B0604020202020204" pitchFamily="34" charset="0"/>
+              <a:buChar char="•"/>
+            </a:pPr>
+            <a:r>
+              <a:rPr lang="es-ES" dirty="0"/>
+              <a:t>Estructuración de los datos</a:t>
+            </a:r>
+          </a:p>
+          <a:p>
+            <a:endParaRPr lang="es-ES" dirty="0">
+              <a:solidFill>
+                <a:schemeClr val="bg1"/>
+              </a:solidFill>
+            </a:endParaRPr>
+          </a:p>
+        </p:txBody>
+      </p:sp>
+      <p:pic>
+        <p:nvPicPr>
+          <p:cNvPr id="8" name="Imagen 7">
+            <a:extLst>
+              <a:ext uri="{FF2B5EF4-FFF2-40B4-BE49-F238E27FC236}">
+                <a16:creationId xmlns:a16="http://schemas.microsoft.com/office/drawing/2014/main" id="{B2EB0632-830B-9850-7E84-3627161995A4}"/>
+              </a:ext>
+            </a:extLst>
+          </p:cNvPr>
+          <p:cNvPicPr/>
+          <p:nvPr/>
+        </p:nvPicPr>
+        <p:blipFill>
+          <a:blip r:embed="rId4"/>
+          <a:stretch/>
+        </p:blipFill>
+        <p:spPr>
+          <a:xfrm>
+            <a:off x="5324542" y="3899014"/>
+            <a:ext cx="1751806" cy="621300"/>
+          </a:xfrm>
+          <a:prstGeom prst="rect">
+            <a:avLst/>
+          </a:prstGeom>
+          <a:ln>
+            <a:noFill/>
+          </a:ln>
+        </p:spPr>
+      </p:pic>
+      <p:pic>
+        <p:nvPicPr>
+          <p:cNvPr id="9" name="Imagen 8">
+            <a:extLst>
+              <a:ext uri="{FF2B5EF4-FFF2-40B4-BE49-F238E27FC236}">
+                <a16:creationId xmlns:a16="http://schemas.microsoft.com/office/drawing/2014/main" id="{261FAF9C-A9D9-0AA2-B4B0-1EAC1647C267}"/>
+              </a:ext>
+            </a:extLst>
+          </p:cNvPr>
+          <p:cNvPicPr/>
+          <p:nvPr/>
+        </p:nvPicPr>
+        <p:blipFill>
+          <a:blip r:embed="rId5"/>
+          <a:stretch/>
+        </p:blipFill>
+        <p:spPr>
+          <a:xfrm>
+            <a:off x="5507275" y="4697267"/>
+            <a:ext cx="1569073" cy="821257"/>
           </a:xfrm>
           <a:prstGeom prst="rect">
             <a:avLst/>
@@ -24989,7 +27292,7 @@
           <p:cNvPr id="12" name="Imagen 11">
             <a:extLst>
               <a:ext uri="{FF2B5EF4-FFF2-40B4-BE49-F238E27FC236}">
-                <a16:creationId xmlns:a16="http://schemas.microsoft.com/office/drawing/2014/main" id="{8D4386F6-4D7E-AD90-87B1-C0B510BC9C98}"/>
+                <a16:creationId xmlns:a16="http://schemas.microsoft.com/office/drawing/2014/main" id="{7F6BE28B-8BCD-0C42-AC5E-58A2A744A47C}"/>
               </a:ext>
             </a:extLst>
           </p:cNvPr>
@@ -24997,13 +27300,42 @@
           <p:nvPr/>
         </p:nvPicPr>
         <p:blipFill>
-          <a:blip r:embed="rId4"/>
+          <a:blip r:embed="rId6"/>
           <a:stretch/>
         </p:blipFill>
         <p:spPr>
           <a:xfrm>
-            <a:off x="3033275" y="3177000"/>
-            <a:ext cx="1967040" cy="504000"/>
+            <a:off x="5660445" y="5594675"/>
+            <a:ext cx="718247" cy="718247"/>
+          </a:xfrm>
+          <a:prstGeom prst="rect">
+            <a:avLst/>
+          </a:prstGeom>
+          <a:ln>
+            <a:noFill/>
+          </a:ln>
+        </p:spPr>
+      </p:pic>
+      <p:pic>
+        <p:nvPicPr>
+          <p:cNvPr id="13" name="Imagen 12">
+            <a:extLst>
+              <a:ext uri="{FF2B5EF4-FFF2-40B4-BE49-F238E27FC236}">
+                <a16:creationId xmlns:a16="http://schemas.microsoft.com/office/drawing/2014/main" id="{453A8362-65E0-EBB3-3CAF-45C42BC00337}"/>
+              </a:ext>
+            </a:extLst>
+          </p:cNvPr>
+          <p:cNvPicPr/>
+          <p:nvPr/>
+        </p:nvPicPr>
+        <p:blipFill>
+          <a:blip r:embed="rId7"/>
+          <a:stretch/>
+        </p:blipFill>
+        <p:spPr>
+          <a:xfrm>
+            <a:off x="7788092" y="5229851"/>
+            <a:ext cx="648000" cy="648000"/>
           </a:xfrm>
           <a:prstGeom prst="rect">
             <a:avLst/>
@@ -25015,10 +27347,10 @@
       </p:pic>
       <p:sp>
         <p:nvSpPr>
-          <p:cNvPr id="13" name="CustomShape 4">
+          <p:cNvPr id="14" name="CustomShape 6">
             <a:extLst>
               <a:ext uri="{FF2B5EF4-FFF2-40B4-BE49-F238E27FC236}">
-                <a16:creationId xmlns:a16="http://schemas.microsoft.com/office/drawing/2014/main" id="{2DDA5877-4AB0-DAE7-2AEA-15AAADA865E3}"/>
+                <a16:creationId xmlns:a16="http://schemas.microsoft.com/office/drawing/2014/main" id="{E5EBE2E3-958B-B668-2F73-A08D23D58057}"/>
               </a:ext>
             </a:extLst>
           </p:cNvPr>
@@ -25026,9 +27358,9 @@
           <p:nvPr/>
         </p:nvSpPr>
         <p:spPr>
-          <a:xfrm rot="4800">
-            <a:off x="3619850" y="3888117"/>
-            <a:ext cx="1080000" cy="646560"/>
+          <a:xfrm rot="1225033">
+            <a:off x="7057141" y="5095727"/>
+            <a:ext cx="495000" cy="287280"/>
           </a:xfrm>
           <a:custGeom>
             <a:avLst/>
@@ -25037,30 +27369,259 @@
             <a:cxnLst/>
             <a:rect l="0" t="0" r="r" b="b"/>
             <a:pathLst>
-              <a:path w="3003" h="1798">
+              <a:path w="1377" h="800">
                 <a:moveTo>
-                  <a:pt x="0" y="548"/>
+                  <a:pt x="0" y="243"/>
                 </a:moveTo>
                 <a:lnTo>
-                  <a:pt x="1706" y="547"/>
+                  <a:pt x="782" y="243"/>
                 </a:lnTo>
                 <a:lnTo>
-                  <a:pt x="1706" y="0"/>
+                  <a:pt x="782" y="0"/>
                 </a:lnTo>
                 <a:lnTo>
-                  <a:pt x="3002" y="897"/>
+                  <a:pt x="1376" y="399"/>
                 </a:lnTo>
                 <a:lnTo>
-                  <a:pt x="1708" y="1797"/>
+                  <a:pt x="782" y="799"/>
                 </a:lnTo>
                 <a:lnTo>
-                  <a:pt x="1708" y="1249"/>
+                  <a:pt x="782" y="555"/>
                 </a:lnTo>
                 <a:lnTo>
-                  <a:pt x="2" y="1250"/>
+                  <a:pt x="0" y="555"/>
                 </a:lnTo>
                 <a:lnTo>
-                  <a:pt x="0" y="548"/>
+                  <a:pt x="0" y="243"/>
+                </a:lnTo>
+              </a:path>
+            </a:pathLst>
+          </a:custGeom>
+          <a:solidFill>
+            <a:srgbClr val="3465A4"/>
+          </a:solidFill>
+          <a:ln>
+            <a:solidFill>
+              <a:srgbClr val="3465A4"/>
+            </a:solidFill>
+          </a:ln>
+        </p:spPr>
+        <p:style>
+          <a:lnRef idx="0">
+            <a:scrgbClr r="0" g="0" b="0"/>
+          </a:lnRef>
+          <a:fillRef idx="0">
+            <a:scrgbClr r="0" g="0" b="0"/>
+          </a:fillRef>
+          <a:effectRef idx="0">
+            <a:scrgbClr r="0" g="0" b="0"/>
+          </a:effectRef>
+          <a:fontRef idx="minor"/>
+        </p:style>
+        <p:txBody>
+          <a:bodyPr/>
+          <a:lstStyle/>
+          <a:p>
+            <a:endParaRPr lang="es-ES_tradnl" dirty="0"/>
+          </a:p>
+        </p:txBody>
+      </p:sp>
+      <p:sp>
+        <p:nvSpPr>
+          <p:cNvPr id="22" name="CustomShape 6">
+            <a:extLst>
+              <a:ext uri="{FF2B5EF4-FFF2-40B4-BE49-F238E27FC236}">
+                <a16:creationId xmlns:a16="http://schemas.microsoft.com/office/drawing/2014/main" id="{AE74E28E-7322-EE21-E6B5-ABE1A7B9311A}"/>
+              </a:ext>
+            </a:extLst>
+          </p:cNvPr>
+          <p:cNvSpPr/>
+          <p:nvPr/>
+        </p:nvSpPr>
+        <p:spPr>
+          <a:xfrm rot="20320534">
+            <a:off x="7065643" y="5717359"/>
+            <a:ext cx="495000" cy="287280"/>
+          </a:xfrm>
+          <a:custGeom>
+            <a:avLst/>
+            <a:gdLst/>
+            <a:ahLst/>
+            <a:cxnLst/>
+            <a:rect l="0" t="0" r="r" b="b"/>
+            <a:pathLst>
+              <a:path w="1377" h="800">
+                <a:moveTo>
+                  <a:pt x="0" y="243"/>
+                </a:moveTo>
+                <a:lnTo>
+                  <a:pt x="782" y="243"/>
+                </a:lnTo>
+                <a:lnTo>
+                  <a:pt x="782" y="0"/>
+                </a:lnTo>
+                <a:lnTo>
+                  <a:pt x="1376" y="399"/>
+                </a:lnTo>
+                <a:lnTo>
+                  <a:pt x="782" y="799"/>
+                </a:lnTo>
+                <a:lnTo>
+                  <a:pt x="782" y="555"/>
+                </a:lnTo>
+                <a:lnTo>
+                  <a:pt x="0" y="555"/>
+                </a:lnTo>
+                <a:lnTo>
+                  <a:pt x="0" y="243"/>
+                </a:lnTo>
+              </a:path>
+            </a:pathLst>
+          </a:custGeom>
+          <a:solidFill>
+            <a:srgbClr val="3465A4"/>
+          </a:solidFill>
+          <a:ln>
+            <a:solidFill>
+              <a:srgbClr val="3465A4"/>
+            </a:solidFill>
+          </a:ln>
+        </p:spPr>
+        <p:style>
+          <a:lnRef idx="0">
+            <a:scrgbClr r="0" g="0" b="0"/>
+          </a:lnRef>
+          <a:fillRef idx="0">
+            <a:scrgbClr r="0" g="0" b="0"/>
+          </a:fillRef>
+          <a:effectRef idx="0">
+            <a:scrgbClr r="0" g="0" b="0"/>
+          </a:effectRef>
+          <a:fontRef idx="minor"/>
+        </p:style>
+      </p:sp>
+      <p:sp>
+        <p:nvSpPr>
+          <p:cNvPr id="23" name="CustomShape 6">
+            <a:extLst>
+              <a:ext uri="{FF2B5EF4-FFF2-40B4-BE49-F238E27FC236}">
+                <a16:creationId xmlns:a16="http://schemas.microsoft.com/office/drawing/2014/main" id="{01C23F27-5DA0-51A8-D00C-9804E74BC20E}"/>
+              </a:ext>
+            </a:extLst>
+          </p:cNvPr>
+          <p:cNvSpPr/>
+          <p:nvPr/>
+        </p:nvSpPr>
+        <p:spPr>
+          <a:xfrm>
+            <a:off x="7414906" y="4029051"/>
+            <a:ext cx="495000" cy="287280"/>
+          </a:xfrm>
+          <a:custGeom>
+            <a:avLst/>
+            <a:gdLst/>
+            <a:ahLst/>
+            <a:cxnLst/>
+            <a:rect l="0" t="0" r="r" b="b"/>
+            <a:pathLst>
+              <a:path w="1377" h="800">
+                <a:moveTo>
+                  <a:pt x="0" y="243"/>
+                </a:moveTo>
+                <a:lnTo>
+                  <a:pt x="782" y="243"/>
+                </a:lnTo>
+                <a:lnTo>
+                  <a:pt x="782" y="0"/>
+                </a:lnTo>
+                <a:lnTo>
+                  <a:pt x="1376" y="399"/>
+                </a:lnTo>
+                <a:lnTo>
+                  <a:pt x="782" y="799"/>
+                </a:lnTo>
+                <a:lnTo>
+                  <a:pt x="782" y="555"/>
+                </a:lnTo>
+                <a:lnTo>
+                  <a:pt x="0" y="555"/>
+                </a:lnTo>
+                <a:lnTo>
+                  <a:pt x="0" y="243"/>
+                </a:lnTo>
+              </a:path>
+            </a:pathLst>
+          </a:custGeom>
+          <a:solidFill>
+            <a:srgbClr val="3465A4"/>
+          </a:solidFill>
+          <a:ln>
+            <a:solidFill>
+              <a:srgbClr val="3465A4"/>
+            </a:solidFill>
+          </a:ln>
+        </p:spPr>
+        <p:style>
+          <a:lnRef idx="0">
+            <a:scrgbClr r="0" g="0" b="0"/>
+          </a:lnRef>
+          <a:fillRef idx="0">
+            <a:scrgbClr r="0" g="0" b="0"/>
+          </a:fillRef>
+          <a:effectRef idx="0">
+            <a:scrgbClr r="0" g="0" b="0"/>
+          </a:effectRef>
+          <a:fontRef idx="minor"/>
+        </p:style>
+      </p:sp>
+      <p:sp>
+        <p:nvSpPr>
+          <p:cNvPr id="24" name="CustomShape 6">
+            <a:extLst>
+              <a:ext uri="{FF2B5EF4-FFF2-40B4-BE49-F238E27FC236}">
+                <a16:creationId xmlns:a16="http://schemas.microsoft.com/office/drawing/2014/main" id="{FFB00AE7-09CE-103F-3D23-BA360D76E9C1}"/>
+              </a:ext>
+            </a:extLst>
+          </p:cNvPr>
+          <p:cNvSpPr/>
+          <p:nvPr/>
+        </p:nvSpPr>
+        <p:spPr>
+          <a:xfrm rot="21449252">
+            <a:off x="8666830" y="5374884"/>
+            <a:ext cx="495000" cy="287280"/>
+          </a:xfrm>
+          <a:custGeom>
+            <a:avLst/>
+            <a:gdLst/>
+            <a:ahLst/>
+            <a:cxnLst/>
+            <a:rect l="0" t="0" r="r" b="b"/>
+            <a:pathLst>
+              <a:path w="1377" h="800">
+                <a:moveTo>
+                  <a:pt x="0" y="243"/>
+                </a:moveTo>
+                <a:lnTo>
+                  <a:pt x="782" y="243"/>
+                </a:lnTo>
+                <a:lnTo>
+                  <a:pt x="782" y="0"/>
+                </a:lnTo>
+                <a:lnTo>
+                  <a:pt x="1376" y="399"/>
+                </a:lnTo>
+                <a:lnTo>
+                  <a:pt x="782" y="799"/>
+                </a:lnTo>
+                <a:lnTo>
+                  <a:pt x="782" y="555"/>
+                </a:lnTo>
+                <a:lnTo>
+                  <a:pt x="0" y="555"/>
+                </a:lnTo>
+                <a:lnTo>
+                  <a:pt x="0" y="243"/>
                 </a:lnTo>
               </a:path>
             </a:pathLst>
@@ -25089,10 +27650,10 @@
       </p:sp>
       <p:pic>
         <p:nvPicPr>
-          <p:cNvPr id="14" name="Imagen 13">
+          <p:cNvPr id="25" name="Imagen 24">
             <a:extLst>
               <a:ext uri="{FF2B5EF4-FFF2-40B4-BE49-F238E27FC236}">
-                <a16:creationId xmlns:a16="http://schemas.microsoft.com/office/drawing/2014/main" id="{5DF0B2B5-C2B9-43CA-982C-1D99DB16FEFF}"/>
+                <a16:creationId xmlns:a16="http://schemas.microsoft.com/office/drawing/2014/main" id="{8127732F-FDDE-9A2E-E5E5-AC83E9B9FE1C}"/>
               </a:ext>
             </a:extLst>
           </p:cNvPr>
@@ -25100,13 +27661,13 @@
           <p:nvPr/>
         </p:nvPicPr>
         <p:blipFill>
-          <a:blip r:embed="rId5"/>
+          <a:blip r:embed="rId8"/>
           <a:stretch/>
         </p:blipFill>
         <p:spPr>
           <a:xfrm>
-            <a:off x="172000" y="3149564"/>
-            <a:ext cx="2651411" cy="1325563"/>
+            <a:off x="8093389" y="3720945"/>
+            <a:ext cx="685406" cy="776810"/>
           </a:xfrm>
           <a:prstGeom prst="rect">
             <a:avLst/>
@@ -25116,204 +27677,39 @@
           </a:ln>
         </p:spPr>
       </p:pic>
-      <p:sp>
-        <p:nvSpPr>
-          <p:cNvPr id="15" name="CuadroTexto 14">
+      <p:pic>
+        <p:nvPicPr>
+          <p:cNvPr id="26" name="Imagen 25">
             <a:extLst>
               <a:ext uri="{FF2B5EF4-FFF2-40B4-BE49-F238E27FC236}">
-                <a16:creationId xmlns:a16="http://schemas.microsoft.com/office/drawing/2014/main" id="{A38B877A-434A-C027-BD55-58F2240149C1}"/>
+                <a16:creationId xmlns:a16="http://schemas.microsoft.com/office/drawing/2014/main" id="{B9231323-2F2D-AECB-A4A8-AF4C34DED1D6}"/>
               </a:ext>
             </a:extLst>
           </p:cNvPr>
-          <p:cNvSpPr txBox="1"/>
+          <p:cNvPicPr/>
           <p:nvPr/>
-        </p:nvSpPr>
+        </p:nvPicPr>
+        <p:blipFill>
+          <a:blip r:embed="rId8"/>
+          <a:stretch/>
+        </p:blipFill>
         <p:spPr>
           <a:xfrm>
-            <a:off x="7523490" y="1253331"/>
-            <a:ext cx="3824214" cy="4351338"/>
+            <a:off x="9306943" y="5149080"/>
+            <a:ext cx="738887" cy="738887"/>
           </a:xfrm>
           <a:prstGeom prst="rect">
             <a:avLst/>
           </a:prstGeom>
+          <a:ln>
+            <a:noFill/>
+          </a:ln>
         </p:spPr>
-        <p:txBody>
-          <a:bodyPr vert="horz" lIns="91440" tIns="45720" rIns="91440" bIns="45720" rtlCol="0">
-            <a:normAutofit/>
-          </a:bodyPr>
-          <a:lstStyle/>
-          <a:p>
-            <a:pPr>
-              <a:lnSpc>
-                <a:spcPct val="90000"/>
-              </a:lnSpc>
-              <a:spcAft>
-                <a:spcPts val="600"/>
-              </a:spcAft>
-            </a:pPr>
-            <a:endParaRPr lang="es-ES" sz="2800" dirty="0">
-              <a:solidFill>
-                <a:schemeClr val="bg1"/>
-              </a:solidFill>
-            </a:endParaRPr>
-          </a:p>
-          <a:p>
-            <a:pPr>
-              <a:lnSpc>
-                <a:spcPct val="90000"/>
-              </a:lnSpc>
-              <a:spcAft>
-                <a:spcPts val="600"/>
-              </a:spcAft>
-            </a:pPr>
-            <a:r>
-              <a:rPr lang="es-ES" sz="2800" dirty="0">
-                <a:solidFill>
-                  <a:schemeClr val="bg1"/>
-                </a:solidFill>
-              </a:rPr>
-              <a:t>NO estructurados</a:t>
-            </a:r>
-          </a:p>
-          <a:p>
-            <a:pPr>
-              <a:lnSpc>
-                <a:spcPct val="90000"/>
-              </a:lnSpc>
-              <a:spcAft>
-                <a:spcPts val="600"/>
-              </a:spcAft>
-            </a:pPr>
-            <a:endParaRPr lang="es-ES" sz="2800" dirty="0">
-              <a:solidFill>
-                <a:schemeClr val="bg1"/>
-              </a:solidFill>
-            </a:endParaRPr>
-          </a:p>
-          <a:p>
-            <a:pPr>
-              <a:lnSpc>
-                <a:spcPct val="90000"/>
-              </a:lnSpc>
-              <a:spcAft>
-                <a:spcPts val="600"/>
-              </a:spcAft>
-            </a:pPr>
-            <a:endParaRPr lang="es-ES" sz="2800" dirty="0">
-              <a:solidFill>
-                <a:schemeClr val="bg1"/>
-              </a:solidFill>
-            </a:endParaRPr>
-          </a:p>
-          <a:p>
-            <a:pPr marL="285750" indent="-228600">
-              <a:lnSpc>
-                <a:spcPct val="90000"/>
-              </a:lnSpc>
-              <a:spcAft>
-                <a:spcPts val="600"/>
-              </a:spcAft>
-              <a:buFont typeface="Arial" panose="020B0604020202020204" pitchFamily="34" charset="0"/>
-              <a:buChar char="•"/>
-            </a:pPr>
-            <a:endParaRPr lang="es-ES" dirty="0">
-              <a:solidFill>
-                <a:schemeClr val="bg1"/>
-              </a:solidFill>
-            </a:endParaRPr>
-          </a:p>
-          <a:p>
-            <a:pPr marL="57150">
-              <a:lnSpc>
-                <a:spcPct val="90000"/>
-              </a:lnSpc>
-              <a:spcAft>
-                <a:spcPts val="600"/>
-              </a:spcAft>
-            </a:pPr>
-            <a:r>
-              <a:rPr lang="es-ES" dirty="0">
-                <a:solidFill>
-                  <a:schemeClr val="bg1"/>
-                </a:solidFill>
-              </a:rPr>
-              <a:t>	</a:t>
-            </a:r>
-          </a:p>
-          <a:p>
-            <a:pPr indent="-228600">
-              <a:lnSpc>
-                <a:spcPct val="90000"/>
-              </a:lnSpc>
-              <a:spcAft>
-                <a:spcPts val="600"/>
-              </a:spcAft>
-              <a:buFont typeface="Arial" panose="020B0604020202020204" pitchFamily="34" charset="0"/>
-              <a:buChar char="•"/>
-            </a:pPr>
-            <a:endParaRPr lang="es-ES" sz="2800" dirty="0">
-              <a:solidFill>
-                <a:schemeClr val="bg1"/>
-              </a:solidFill>
-            </a:endParaRPr>
-          </a:p>
-          <a:p>
-            <a:pPr indent="-228600">
-              <a:lnSpc>
-                <a:spcPct val="90000"/>
-              </a:lnSpc>
-              <a:spcAft>
-                <a:spcPts val="600"/>
-              </a:spcAft>
-              <a:buFont typeface="Arial" panose="020B0604020202020204" pitchFamily="34" charset="0"/>
-              <a:buChar char="•"/>
-            </a:pPr>
-            <a:endParaRPr lang="es-ES" sz="2800" dirty="0">
-              <a:solidFill>
-                <a:schemeClr val="bg1"/>
-              </a:solidFill>
-            </a:endParaRPr>
-          </a:p>
-          <a:p>
-            <a:pPr indent="-228600">
-              <a:lnSpc>
-                <a:spcPct val="90000"/>
-              </a:lnSpc>
-              <a:spcAft>
-                <a:spcPts val="600"/>
-              </a:spcAft>
-              <a:buFont typeface="Arial" panose="020B0604020202020204" pitchFamily="34" charset="0"/>
-              <a:buChar char="•"/>
-            </a:pPr>
-            <a:endParaRPr lang="es-ES" sz="2800" dirty="0">
-              <a:solidFill>
-                <a:schemeClr val="bg1"/>
-              </a:solidFill>
-            </a:endParaRPr>
-          </a:p>
-          <a:p>
-            <a:pPr indent="-228600">
-              <a:lnSpc>
-                <a:spcPct val="90000"/>
-              </a:lnSpc>
-              <a:spcAft>
-                <a:spcPts val="600"/>
-              </a:spcAft>
-              <a:buFont typeface="Arial" panose="020B0604020202020204" pitchFamily="34" charset="0"/>
-              <a:buChar char="•"/>
-            </a:pPr>
-            <a:endParaRPr lang="es-ES" sz="2800" dirty="0">
-              <a:solidFill>
-                <a:schemeClr val="bg1"/>
-              </a:solidFill>
-            </a:endParaRPr>
-          </a:p>
-        </p:txBody>
-      </p:sp>
+      </p:pic>
     </p:spTree>
     <p:extLst>
       <p:ext uri="{BB962C8B-B14F-4D97-AF65-F5344CB8AC3E}">
-        <p14:creationId xmlns:p14="http://schemas.microsoft.com/office/powerpoint/2010/main" val="3664930496"/>
+        <p14:creationId xmlns:p14="http://schemas.microsoft.com/office/powerpoint/2010/main" val="3189016893"/>
       </p:ext>
     </p:extLst>
   </p:cSld>
@@ -26115,15 +28511,6 @@
 </file>
 
 <file path=customXml/item1.xml><?xml version="1.0" encoding="utf-8"?>
-<?mso-contentType ?>
-<FormTemplates xmlns="http://schemas.microsoft.com/sharepoint/v3/contenttype/forms">
-  <Display>DocumentLibraryForm</Display>
-  <Edit>DocumentLibraryForm</Edit>
-  <New>DocumentLibraryForm</New>
-</FormTemplates>
-</file>
-
-<file path=customXml/item2.xml><?xml version="1.0" encoding="utf-8"?>
 <ct:contentTypeSchema xmlns:ct="http://schemas.microsoft.com/office/2006/metadata/contentType" xmlns:ma="http://schemas.microsoft.com/office/2006/metadata/properties/metaAttributes" ct:_="" ma:_="" ma:contentTypeName="Document" ma:contentTypeID="0x01010079F111ED35F8CC479449609E8A0923A6" ma:contentTypeVersion="12" ma:contentTypeDescription="Create a new document." ma:contentTypeScope="" ma:versionID="426e97fa315356fffbdcd9876fe988c2">
   <xsd:schema xmlns:xsd="http://www.w3.org/2001/XMLSchema" xmlns:xs="http://www.w3.org/2001/XMLSchema" xmlns:p="http://schemas.microsoft.com/office/2006/metadata/properties" xmlns:ns2="71af3243-3dd4-4a8d-8c0d-dd76da1f02a5" xmlns:ns3="16c05727-aa75-4e4a-9b5f-8a80a1165891" targetNamespace="http://schemas.microsoft.com/office/2006/metadata/properties" ma:root="true" ma:fieldsID="14b8f0def80e6d70ce3def20c90759ae" ns2:_="" ns3:_="">
     <xsd:import namespace="71af3243-3dd4-4a8d-8c0d-dd76da1f02a5"/>
@@ -26344,6 +28731,15 @@
 </ct:contentTypeSchema>
 </file>
 
+<file path=customXml/item2.xml><?xml version="1.0" encoding="utf-8"?>
+<?mso-contentType ?>
+<FormTemplates xmlns="http://schemas.microsoft.com/sharepoint/v3/contenttype/forms">
+  <Display>DocumentLibraryForm</Display>
+  <Edit>DocumentLibraryForm</Edit>
+  <New>DocumentLibraryForm</New>
+</FormTemplates>
+</file>
+
 <file path=customXml/item3.xml><?xml version="1.0" encoding="utf-8"?>
 <p:properties xmlns:p="http://schemas.microsoft.com/office/2006/metadata/properties" xmlns:xsi="http://www.w3.org/2001/XMLSchema-instance" xmlns:pc="http://schemas.microsoft.com/office/infopath/2007/PartnerControls">
   <documentManagement>
@@ -26354,14 +28750,6 @@
 </file>
 
 <file path=customXml/itemProps1.xml><?xml version="1.0" encoding="utf-8"?>
-<ds:datastoreItem xmlns:ds="http://schemas.openxmlformats.org/officeDocument/2006/customXml" ds:itemID="{3C8E00D1-8EA3-4E42-801D-0253E1EAFC21}">
-  <ds:schemaRefs>
-    <ds:schemaRef ds:uri="http://schemas.microsoft.com/sharepoint/v3/contenttype/forms"/>
-  </ds:schemaRefs>
-</ds:datastoreItem>
-</file>
-
-<file path=customXml/itemProps2.xml><?xml version="1.0" encoding="utf-8"?>
 <ds:datastoreItem xmlns:ds="http://schemas.openxmlformats.org/officeDocument/2006/customXml" ds:itemID="{ABC329F5-30EE-4BF7-AA2A-B837B51416B4}">
   <ds:schemaRefs>
     <ds:schemaRef ds:uri="http://schemas.microsoft.com/office/2006/metadata/contentType"/>
@@ -26380,6 +28768,14 @@
 </ds:datastoreItem>
 </file>
 
+<file path=customXml/itemProps2.xml><?xml version="1.0" encoding="utf-8"?>
+<ds:datastoreItem xmlns:ds="http://schemas.openxmlformats.org/officeDocument/2006/customXml" ds:itemID="{3C8E00D1-8EA3-4E42-801D-0253E1EAFC21}">
+  <ds:schemaRefs>
+    <ds:schemaRef ds:uri="http://schemas.microsoft.com/sharepoint/v3/contenttype/forms"/>
+  </ds:schemaRefs>
+</ds:datastoreItem>
+</file>
+
 <file path=customXml/itemProps3.xml><?xml version="1.0" encoding="utf-8"?>
 <ds:datastoreItem xmlns:ds="http://schemas.openxmlformats.org/officeDocument/2006/customXml" ds:itemID="{99919F73-B6C2-4A43-95E2-833EC48925FE}">
   <ds:schemaRefs>
